--- a/public/2601/session3.pptx
+++ b/public/2601/session3.pptx
@@ -29,16 +29,17 @@
     <p:sldId id="274" r:id="rId23"/>
     <p:sldId id="275" r:id="rId24"/>
     <p:sldId id="276" r:id="rId25"/>
+    <p:sldId id="277" r:id="rId26"/>
   </p:sldIdLst>
   <p:sldSz cy="5143500" cx="9144000"/>
   <p:notesSz cx="5143500" cy="9144000"/>
   <p:embeddedFontLst>
     <p:embeddedFont>
       <p:font typeface="Quattrocento Sans"/>
-      <p:regular r:id="rId26"/>
-      <p:bold r:id="rId27"/>
-      <p:italic r:id="rId28"/>
-      <p:boldItalic r:id="rId29"/>
+      <p:regular r:id="rId27"/>
+      <p:bold r:id="rId28"/>
+      <p:italic r:id="rId29"/>
+      <p:boldItalic r:id="rId30"/>
     </p:embeddedFont>
   </p:embeddedFontLst>
   <p:defaultTextStyle>
@@ -272,7 +273,7 @@
   </p:defaultTextStyle>
   <p:extLst>
     <p:ext uri="GoogleSlidesCustomDataVersion2">
-      <go:slidesCustomData xmlns:go="http://customooxmlschemas.google.com/" r:id="rId30" roundtripDataSignature="AMtx7mjbzgAzIPzsQKLgiK11EHLtO73jxA=="/>
+      <go:slidesCustomData xmlns:go="http://customooxmlschemas.google.com/" r:id="rId31" roundtripDataSignature="AMtx7miqL8BKW3SwhlbEGjhXby4zSJu+2g=="/>
     </p:ext>
   </p:extLst>
 </p:presentation>
@@ -1809,7 +1810,28 @@
               <a:buNone/>
             </a:pPr>
             <a:r>
-              <a:t/>
+              <a:rPr lang="en-US"/>
+              <a:t>안녕하세요. 저는 이번에 발표를 하게 된 3년차 개발자 이국준입니다.</a:t>
+            </a:r>
+            <a:endParaRPr/>
+          </a:p>
+          <a:p>
+            <a:pPr indent="0" lvl="0" marL="0" rtl="0" algn="l">
+              <a:lnSpc>
+                <a:spcPct val="100000"/>
+              </a:lnSpc>
+              <a:spcBef>
+                <a:spcPts val="0"/>
+              </a:spcBef>
+              <a:spcAft>
+                <a:spcPts val="0"/>
+              </a:spcAft>
+              <a:buSzPts val="1400"/>
+              <a:buNone/>
+            </a:pPr>
+            <a:r>
+              <a:rPr lang="en-US"/>
+              <a:t>이번에 준비한 발표 주제는 Stateful 서버 확장하기로, 서버에 상태가 남게 되었을 때에도 서버를 확장할 수 있을지에 대해서 트러블슈팅을 한 내용을 공유하고자 합니다.</a:t>
             </a:r>
             <a:endParaRPr/>
           </a:p>
@@ -1876,7 +1898,7 @@
   <p:cSld>
     <p:spTree>
       <p:nvGrpSpPr>
-        <p:cNvPr id="92" name="Shape 92"/>
+        <p:cNvPr id="93" name="Shape 93"/>
         <p:cNvGrpSpPr/>
         <p:nvPr/>
       </p:nvGrpSpPr>
@@ -1890,7 +1912,7 @@
       </p:grpSpPr>
       <p:sp>
         <p:nvSpPr>
-          <p:cNvPr id="93" name="Google Shape;93;p4:notes"/>
+          <p:cNvPr id="94" name="Google Shape;94;g3bb3f331a3b_0_144:notes"/>
           <p:cNvSpPr/>
           <p:nvPr>
             <p:ph idx="2" type="sldImg"/>
@@ -1935,7 +1957,7 @@
       </p:sp>
       <p:sp>
         <p:nvSpPr>
-          <p:cNvPr id="94" name="Google Shape;94;p4:notes"/>
+          <p:cNvPr id="95" name="Google Shape;95;g3bb3f331a3b_0_144:notes"/>
           <p:cNvSpPr txBox="1"/>
           <p:nvPr>
             <p:ph idx="1" type="body"/>
@@ -1944,7 +1966,7 @@
         <p:spPr>
           <a:xfrm>
             <a:off x="685800" y="4400550"/>
-            <a:ext cx="5486400" cy="3600450"/>
+            <a:ext cx="5486400" cy="3600600"/>
           </a:xfrm>
           <a:prstGeom prst="rect">
             <a:avLst/>
@@ -1982,7 +2004,7 @@
       </p:sp>
       <p:sp>
         <p:nvSpPr>
-          <p:cNvPr id="95" name="Google Shape;95;p4:notes"/>
+          <p:cNvPr id="96" name="Google Shape;96;g3bb3f331a3b_0_144:notes"/>
           <p:cNvSpPr txBox="1"/>
           <p:nvPr>
             <p:ph idx="12" type="sldNum"/>
@@ -1991,7 +2013,7 @@
         <p:spPr>
           <a:xfrm>
             <a:off x="3884613" y="8685213"/>
-            <a:ext cx="2971800" cy="458787"/>
+            <a:ext cx="2971800" cy="458700"/>
           </a:xfrm>
           <a:prstGeom prst="rect">
             <a:avLst/>
@@ -2017,7 +2039,11 @@
               <a:spcAft>
                 <a:spcPts val="0"/>
               </a:spcAft>
+              <a:buClr>
+                <a:srgbClr val="000000"/>
+              </a:buClr>
               <a:buSzPts val="1400"/>
+              <a:buFont typeface="Arial"/>
               <a:buNone/>
             </a:pPr>
             <a:fld id="{00000000-1234-1234-1234-123412341234}" type="slidenum">
@@ -2041,7 +2067,7 @@
   <p:cSld>
     <p:spTree>
       <p:nvGrpSpPr>
-        <p:cNvPr id="100" name="Shape 100"/>
+        <p:cNvPr id="102" name="Shape 102"/>
         <p:cNvGrpSpPr/>
         <p:nvPr/>
       </p:nvGrpSpPr>
@@ -2055,700 +2081,7 @@
       </p:grpSpPr>
       <p:sp>
         <p:nvSpPr>
-          <p:cNvPr id="101" name="Google Shape;101;p12:notes"/>
-          <p:cNvSpPr txBox="1"/>
-          <p:nvPr>
-            <p:ph idx="1" type="body"/>
-          </p:nvPr>
-        </p:nvSpPr>
-        <p:spPr>
-          <a:xfrm>
-            <a:off x="685800" y="4400550"/>
-            <a:ext cx="5486400" cy="3600450"/>
-          </a:xfrm>
-          <a:prstGeom prst="rect">
-            <a:avLst/>
-          </a:prstGeom>
-        </p:spPr>
-        <p:txBody>
-          <a:bodyPr anchorCtr="0" anchor="t" bIns="45700" lIns="91425" spcFirstLastPara="1" rIns="91425" wrap="square" tIns="45700">
-            <a:noAutofit/>
-          </a:bodyPr>
-          <a:lstStyle/>
-          <a:p>
-            <a:pPr indent="0" lvl="0" marL="0" rtl="0" algn="l">
-              <a:spcBef>
-                <a:spcPts val="0"/>
-              </a:spcBef>
-              <a:spcAft>
-                <a:spcPts val="0"/>
-              </a:spcAft>
-              <a:buNone/>
-            </a:pPr>
-            <a:r>
-              <a:t/>
-            </a:r>
-            <a:endParaRPr/>
-          </a:p>
-        </p:txBody>
-      </p:sp>
-      <p:sp>
-        <p:nvSpPr>
-          <p:cNvPr id="102" name="Google Shape;102;p12:notes"/>
-          <p:cNvSpPr/>
-          <p:nvPr>
-            <p:ph idx="2" type="sldImg"/>
-          </p:nvPr>
-        </p:nvSpPr>
-        <p:spPr>
-          <a:xfrm>
-            <a:off x="685800" y="1143000"/>
-            <a:ext cx="5486400" cy="3086100"/>
-          </a:xfrm>
-          <a:custGeom>
-            <a:rect b="b" l="l" r="r" t="t"/>
-            <a:pathLst>
-              <a:path extrusionOk="0" h="120000" w="120000">
-                <a:moveTo>
-                  <a:pt x="0" y="0"/>
-                </a:moveTo>
-                <a:lnTo>
-                  <a:pt x="120000" y="0"/>
-                </a:lnTo>
-                <a:lnTo>
-                  <a:pt x="120000" y="120000"/>
-                </a:lnTo>
-                <a:lnTo>
-                  <a:pt x="0" y="120000"/>
-                </a:lnTo>
-                <a:close/>
-              </a:path>
-            </a:pathLst>
-          </a:custGeom>
-        </p:spPr>
-      </p:sp>
-    </p:spTree>
-  </p:cSld>
-  <p:clrMapOvr>
-    <a:masterClrMapping/>
-  </p:clrMapOvr>
-</p:notes>
-</file>
-
-<file path=ppt/notesSlides/notesSlide12.xml><?xml version="1.0" encoding="utf-8"?>
-<p:notes xmlns:a="http://schemas.openxmlformats.org/drawingml/2006/main" xmlns:r="http://schemas.openxmlformats.org/officeDocument/2006/relationships" xmlns:mc="http://schemas.openxmlformats.org/markup-compatibility/2006" xmlns:mv="urn:schemas-microsoft-com:mac:vml" xmlns:p="http://schemas.openxmlformats.org/presentationml/2006/main" xmlns:c="http://schemas.openxmlformats.org/drawingml/2006/chart" xmlns:dgm="http://schemas.openxmlformats.org/drawingml/2006/diagram" xmlns:o="urn:schemas-microsoft-com:office:office" xmlns:v="urn:schemas-microsoft-com:vml" xmlns:pvml="urn:schemas-microsoft-com:office:powerpoint" xmlns:com="http://schemas.openxmlformats.org/drawingml/2006/compatibility" xmlns:p14="http://schemas.microsoft.com/office/powerpoint/2010/main" xmlns:p15="http://schemas.microsoft.com/office/powerpoint/2012/main" xmlns:ahyp="http://schemas.microsoft.com/office/drawing/2018/hyperlinkcolor" showMasterPhAnim="0" showMasterSp="0">
-  <p:cSld>
-    <p:spTree>
-      <p:nvGrpSpPr>
-        <p:cNvPr id="107" name="Shape 107"/>
-        <p:cNvGrpSpPr/>
-        <p:nvPr/>
-      </p:nvGrpSpPr>
-      <p:grpSpPr>
-        <a:xfrm>
-          <a:off x="0" y="0"/>
-          <a:ext cx="0" cy="0"/>
-          <a:chOff x="0" y="0"/>
-          <a:chExt cx="0" cy="0"/>
-        </a:xfrm>
-      </p:grpSpPr>
-      <p:sp>
-        <p:nvSpPr>
-          <p:cNvPr id="108" name="Google Shape;108;p13:notes"/>
-          <p:cNvSpPr txBox="1"/>
-          <p:nvPr>
-            <p:ph idx="1" type="body"/>
-          </p:nvPr>
-        </p:nvSpPr>
-        <p:spPr>
-          <a:xfrm>
-            <a:off x="685800" y="4400550"/>
-            <a:ext cx="5486400" cy="3600450"/>
-          </a:xfrm>
-          <a:prstGeom prst="rect">
-            <a:avLst/>
-          </a:prstGeom>
-        </p:spPr>
-        <p:txBody>
-          <a:bodyPr anchorCtr="0" anchor="t" bIns="45700" lIns="91425" spcFirstLastPara="1" rIns="91425" wrap="square" tIns="45700">
-            <a:noAutofit/>
-          </a:bodyPr>
-          <a:lstStyle/>
-          <a:p>
-            <a:pPr indent="0" lvl="0" marL="0" rtl="0" algn="l">
-              <a:spcBef>
-                <a:spcPts val="0"/>
-              </a:spcBef>
-              <a:spcAft>
-                <a:spcPts val="0"/>
-              </a:spcAft>
-              <a:buNone/>
-            </a:pPr>
-            <a:r>
-              <a:t/>
-            </a:r>
-            <a:endParaRPr/>
-          </a:p>
-        </p:txBody>
-      </p:sp>
-      <p:sp>
-        <p:nvSpPr>
-          <p:cNvPr id="109" name="Google Shape;109;p13:notes"/>
-          <p:cNvSpPr/>
-          <p:nvPr>
-            <p:ph idx="2" type="sldImg"/>
-          </p:nvPr>
-        </p:nvSpPr>
-        <p:spPr>
-          <a:xfrm>
-            <a:off x="685800" y="1143000"/>
-            <a:ext cx="5486400" cy="3086100"/>
-          </a:xfrm>
-          <a:custGeom>
-            <a:rect b="b" l="l" r="r" t="t"/>
-            <a:pathLst>
-              <a:path extrusionOk="0" h="120000" w="120000">
-                <a:moveTo>
-                  <a:pt x="0" y="0"/>
-                </a:moveTo>
-                <a:lnTo>
-                  <a:pt x="120000" y="0"/>
-                </a:lnTo>
-                <a:lnTo>
-                  <a:pt x="120000" y="120000"/>
-                </a:lnTo>
-                <a:lnTo>
-                  <a:pt x="0" y="120000"/>
-                </a:lnTo>
-                <a:close/>
-              </a:path>
-            </a:pathLst>
-          </a:custGeom>
-        </p:spPr>
-      </p:sp>
-    </p:spTree>
-  </p:cSld>
-  <p:clrMapOvr>
-    <a:masterClrMapping/>
-  </p:clrMapOvr>
-</p:notes>
-</file>
-
-<file path=ppt/notesSlides/notesSlide13.xml><?xml version="1.0" encoding="utf-8"?>
-<p:notes xmlns:a="http://schemas.openxmlformats.org/drawingml/2006/main" xmlns:r="http://schemas.openxmlformats.org/officeDocument/2006/relationships" xmlns:mc="http://schemas.openxmlformats.org/markup-compatibility/2006" xmlns:mv="urn:schemas-microsoft-com:mac:vml" xmlns:p="http://schemas.openxmlformats.org/presentationml/2006/main" xmlns:c="http://schemas.openxmlformats.org/drawingml/2006/chart" xmlns:dgm="http://schemas.openxmlformats.org/drawingml/2006/diagram" xmlns:o="urn:schemas-microsoft-com:office:office" xmlns:v="urn:schemas-microsoft-com:vml" xmlns:pvml="urn:schemas-microsoft-com:office:powerpoint" xmlns:com="http://schemas.openxmlformats.org/drawingml/2006/compatibility" xmlns:p14="http://schemas.microsoft.com/office/powerpoint/2010/main" xmlns:p15="http://schemas.microsoft.com/office/powerpoint/2012/main" xmlns:ahyp="http://schemas.microsoft.com/office/drawing/2018/hyperlinkcolor" showMasterPhAnim="0" showMasterSp="0">
-  <p:cSld>
-    <p:spTree>
-      <p:nvGrpSpPr>
-        <p:cNvPr id="114" name="Shape 114"/>
-        <p:cNvGrpSpPr/>
-        <p:nvPr/>
-      </p:nvGrpSpPr>
-      <p:grpSpPr>
-        <a:xfrm>
-          <a:off x="0" y="0"/>
-          <a:ext cx="0" cy="0"/>
-          <a:chOff x="0" y="0"/>
-          <a:chExt cx="0" cy="0"/>
-        </a:xfrm>
-      </p:grpSpPr>
-      <p:sp>
-        <p:nvSpPr>
-          <p:cNvPr id="115" name="Google Shape;115;p14:notes"/>
-          <p:cNvSpPr txBox="1"/>
-          <p:nvPr>
-            <p:ph idx="1" type="body"/>
-          </p:nvPr>
-        </p:nvSpPr>
-        <p:spPr>
-          <a:xfrm>
-            <a:off x="685800" y="4400550"/>
-            <a:ext cx="5486400" cy="3600450"/>
-          </a:xfrm>
-          <a:prstGeom prst="rect">
-            <a:avLst/>
-          </a:prstGeom>
-        </p:spPr>
-        <p:txBody>
-          <a:bodyPr anchorCtr="0" anchor="t" bIns="45700" lIns="91425" spcFirstLastPara="1" rIns="91425" wrap="square" tIns="45700">
-            <a:noAutofit/>
-          </a:bodyPr>
-          <a:lstStyle/>
-          <a:p>
-            <a:pPr indent="0" lvl="0" marL="0" rtl="0" algn="l">
-              <a:spcBef>
-                <a:spcPts val="0"/>
-              </a:spcBef>
-              <a:spcAft>
-                <a:spcPts val="0"/>
-              </a:spcAft>
-              <a:buNone/>
-            </a:pPr>
-            <a:r>
-              <a:t/>
-            </a:r>
-            <a:endParaRPr/>
-          </a:p>
-        </p:txBody>
-      </p:sp>
-      <p:sp>
-        <p:nvSpPr>
-          <p:cNvPr id="116" name="Google Shape;116;p14:notes"/>
-          <p:cNvSpPr/>
-          <p:nvPr>
-            <p:ph idx="2" type="sldImg"/>
-          </p:nvPr>
-        </p:nvSpPr>
-        <p:spPr>
-          <a:xfrm>
-            <a:off x="685800" y="1143000"/>
-            <a:ext cx="5486400" cy="3086100"/>
-          </a:xfrm>
-          <a:custGeom>
-            <a:rect b="b" l="l" r="r" t="t"/>
-            <a:pathLst>
-              <a:path extrusionOk="0" h="120000" w="120000">
-                <a:moveTo>
-                  <a:pt x="0" y="0"/>
-                </a:moveTo>
-                <a:lnTo>
-                  <a:pt x="120000" y="0"/>
-                </a:lnTo>
-                <a:lnTo>
-                  <a:pt x="120000" y="120000"/>
-                </a:lnTo>
-                <a:lnTo>
-                  <a:pt x="0" y="120000"/>
-                </a:lnTo>
-                <a:close/>
-              </a:path>
-            </a:pathLst>
-          </a:custGeom>
-        </p:spPr>
-      </p:sp>
-    </p:spTree>
-  </p:cSld>
-  <p:clrMapOvr>
-    <a:masterClrMapping/>
-  </p:clrMapOvr>
-</p:notes>
-</file>
-
-<file path=ppt/notesSlides/notesSlide14.xml><?xml version="1.0" encoding="utf-8"?>
-<p:notes xmlns:a="http://schemas.openxmlformats.org/drawingml/2006/main" xmlns:r="http://schemas.openxmlformats.org/officeDocument/2006/relationships" xmlns:mc="http://schemas.openxmlformats.org/markup-compatibility/2006" xmlns:mv="urn:schemas-microsoft-com:mac:vml" xmlns:p="http://schemas.openxmlformats.org/presentationml/2006/main" xmlns:c="http://schemas.openxmlformats.org/drawingml/2006/chart" xmlns:dgm="http://schemas.openxmlformats.org/drawingml/2006/diagram" xmlns:o="urn:schemas-microsoft-com:office:office" xmlns:v="urn:schemas-microsoft-com:vml" xmlns:pvml="urn:schemas-microsoft-com:office:powerpoint" xmlns:com="http://schemas.openxmlformats.org/drawingml/2006/compatibility" xmlns:p14="http://schemas.microsoft.com/office/powerpoint/2010/main" xmlns:p15="http://schemas.microsoft.com/office/powerpoint/2012/main" xmlns:ahyp="http://schemas.microsoft.com/office/drawing/2018/hyperlinkcolor" showMasterPhAnim="0" showMasterSp="0">
-  <p:cSld>
-    <p:spTree>
-      <p:nvGrpSpPr>
-        <p:cNvPr id="121" name="Shape 121"/>
-        <p:cNvGrpSpPr/>
-        <p:nvPr/>
-      </p:nvGrpSpPr>
-      <p:grpSpPr>
-        <a:xfrm>
-          <a:off x="0" y="0"/>
-          <a:ext cx="0" cy="0"/>
-          <a:chOff x="0" y="0"/>
-          <a:chExt cx="0" cy="0"/>
-        </a:xfrm>
-      </p:grpSpPr>
-      <p:sp>
-        <p:nvSpPr>
-          <p:cNvPr id="122" name="Google Shape;122;p15:notes"/>
-          <p:cNvSpPr txBox="1"/>
-          <p:nvPr>
-            <p:ph idx="1" type="body"/>
-          </p:nvPr>
-        </p:nvSpPr>
-        <p:spPr>
-          <a:xfrm>
-            <a:off x="685800" y="4400550"/>
-            <a:ext cx="5486400" cy="3600450"/>
-          </a:xfrm>
-          <a:prstGeom prst="rect">
-            <a:avLst/>
-          </a:prstGeom>
-        </p:spPr>
-        <p:txBody>
-          <a:bodyPr anchorCtr="0" anchor="t" bIns="45700" lIns="91425" spcFirstLastPara="1" rIns="91425" wrap="square" tIns="45700">
-            <a:noAutofit/>
-          </a:bodyPr>
-          <a:lstStyle/>
-          <a:p>
-            <a:pPr indent="0" lvl="0" marL="0" rtl="0" algn="l">
-              <a:spcBef>
-                <a:spcPts val="0"/>
-              </a:spcBef>
-              <a:spcAft>
-                <a:spcPts val="0"/>
-              </a:spcAft>
-              <a:buNone/>
-            </a:pPr>
-            <a:r>
-              <a:t/>
-            </a:r>
-            <a:endParaRPr/>
-          </a:p>
-        </p:txBody>
-      </p:sp>
-      <p:sp>
-        <p:nvSpPr>
-          <p:cNvPr id="123" name="Google Shape;123;p15:notes"/>
-          <p:cNvSpPr/>
-          <p:nvPr>
-            <p:ph idx="2" type="sldImg"/>
-          </p:nvPr>
-        </p:nvSpPr>
-        <p:spPr>
-          <a:xfrm>
-            <a:off x="685800" y="1143000"/>
-            <a:ext cx="5486400" cy="3086100"/>
-          </a:xfrm>
-          <a:custGeom>
-            <a:rect b="b" l="l" r="r" t="t"/>
-            <a:pathLst>
-              <a:path extrusionOk="0" h="120000" w="120000">
-                <a:moveTo>
-                  <a:pt x="0" y="0"/>
-                </a:moveTo>
-                <a:lnTo>
-                  <a:pt x="120000" y="0"/>
-                </a:lnTo>
-                <a:lnTo>
-                  <a:pt x="120000" y="120000"/>
-                </a:lnTo>
-                <a:lnTo>
-                  <a:pt x="0" y="120000"/>
-                </a:lnTo>
-                <a:close/>
-              </a:path>
-            </a:pathLst>
-          </a:custGeom>
-        </p:spPr>
-      </p:sp>
-    </p:spTree>
-  </p:cSld>
-  <p:clrMapOvr>
-    <a:masterClrMapping/>
-  </p:clrMapOvr>
-</p:notes>
-</file>
-
-<file path=ppt/notesSlides/notesSlide15.xml><?xml version="1.0" encoding="utf-8"?>
-<p:notes xmlns:a="http://schemas.openxmlformats.org/drawingml/2006/main" xmlns:r="http://schemas.openxmlformats.org/officeDocument/2006/relationships" xmlns:mc="http://schemas.openxmlformats.org/markup-compatibility/2006" xmlns:mv="urn:schemas-microsoft-com:mac:vml" xmlns:p="http://schemas.openxmlformats.org/presentationml/2006/main" xmlns:c="http://schemas.openxmlformats.org/drawingml/2006/chart" xmlns:dgm="http://schemas.openxmlformats.org/drawingml/2006/diagram" xmlns:o="urn:schemas-microsoft-com:office:office" xmlns:v="urn:schemas-microsoft-com:vml" xmlns:pvml="urn:schemas-microsoft-com:office:powerpoint" xmlns:com="http://schemas.openxmlformats.org/drawingml/2006/compatibility" xmlns:p14="http://schemas.microsoft.com/office/powerpoint/2010/main" xmlns:p15="http://schemas.microsoft.com/office/powerpoint/2012/main" xmlns:ahyp="http://schemas.microsoft.com/office/drawing/2018/hyperlinkcolor" showMasterPhAnim="0" showMasterSp="0">
-  <p:cSld>
-    <p:spTree>
-      <p:nvGrpSpPr>
-        <p:cNvPr id="128" name="Shape 128"/>
-        <p:cNvGrpSpPr/>
-        <p:nvPr/>
-      </p:nvGrpSpPr>
-      <p:grpSpPr>
-        <a:xfrm>
-          <a:off x="0" y="0"/>
-          <a:ext cx="0" cy="0"/>
-          <a:chOff x="0" y="0"/>
-          <a:chExt cx="0" cy="0"/>
-        </a:xfrm>
-      </p:grpSpPr>
-      <p:sp>
-        <p:nvSpPr>
-          <p:cNvPr id="129" name="Google Shape;129;p16:notes"/>
-          <p:cNvSpPr txBox="1"/>
-          <p:nvPr>
-            <p:ph idx="1" type="body"/>
-          </p:nvPr>
-        </p:nvSpPr>
-        <p:spPr>
-          <a:xfrm>
-            <a:off x="685800" y="4400550"/>
-            <a:ext cx="5486400" cy="3600450"/>
-          </a:xfrm>
-          <a:prstGeom prst="rect">
-            <a:avLst/>
-          </a:prstGeom>
-        </p:spPr>
-        <p:txBody>
-          <a:bodyPr anchorCtr="0" anchor="t" bIns="45700" lIns="91425" spcFirstLastPara="1" rIns="91425" wrap="square" tIns="45700">
-            <a:noAutofit/>
-          </a:bodyPr>
-          <a:lstStyle/>
-          <a:p>
-            <a:pPr indent="0" lvl="0" marL="0" rtl="0" algn="l">
-              <a:spcBef>
-                <a:spcPts val="0"/>
-              </a:spcBef>
-              <a:spcAft>
-                <a:spcPts val="0"/>
-              </a:spcAft>
-              <a:buNone/>
-            </a:pPr>
-            <a:r>
-              <a:t/>
-            </a:r>
-            <a:endParaRPr/>
-          </a:p>
-        </p:txBody>
-      </p:sp>
-      <p:sp>
-        <p:nvSpPr>
-          <p:cNvPr id="130" name="Google Shape;130;p16:notes"/>
-          <p:cNvSpPr/>
-          <p:nvPr>
-            <p:ph idx="2" type="sldImg"/>
-          </p:nvPr>
-        </p:nvSpPr>
-        <p:spPr>
-          <a:xfrm>
-            <a:off x="685800" y="1143000"/>
-            <a:ext cx="5486400" cy="3086100"/>
-          </a:xfrm>
-          <a:custGeom>
-            <a:rect b="b" l="l" r="r" t="t"/>
-            <a:pathLst>
-              <a:path extrusionOk="0" h="120000" w="120000">
-                <a:moveTo>
-                  <a:pt x="0" y="0"/>
-                </a:moveTo>
-                <a:lnTo>
-                  <a:pt x="120000" y="0"/>
-                </a:lnTo>
-                <a:lnTo>
-                  <a:pt x="120000" y="120000"/>
-                </a:lnTo>
-                <a:lnTo>
-                  <a:pt x="0" y="120000"/>
-                </a:lnTo>
-                <a:close/>
-              </a:path>
-            </a:pathLst>
-          </a:custGeom>
-        </p:spPr>
-      </p:sp>
-    </p:spTree>
-  </p:cSld>
-  <p:clrMapOvr>
-    <a:masterClrMapping/>
-  </p:clrMapOvr>
-</p:notes>
-</file>
-
-<file path=ppt/notesSlides/notesSlide16.xml><?xml version="1.0" encoding="utf-8"?>
-<p:notes xmlns:a="http://schemas.openxmlformats.org/drawingml/2006/main" xmlns:r="http://schemas.openxmlformats.org/officeDocument/2006/relationships" xmlns:mc="http://schemas.openxmlformats.org/markup-compatibility/2006" xmlns:mv="urn:schemas-microsoft-com:mac:vml" xmlns:p="http://schemas.openxmlformats.org/presentationml/2006/main" xmlns:c="http://schemas.openxmlformats.org/drawingml/2006/chart" xmlns:dgm="http://schemas.openxmlformats.org/drawingml/2006/diagram" xmlns:o="urn:schemas-microsoft-com:office:office" xmlns:v="urn:schemas-microsoft-com:vml" xmlns:pvml="urn:schemas-microsoft-com:office:powerpoint" xmlns:com="http://schemas.openxmlformats.org/drawingml/2006/compatibility" xmlns:p14="http://schemas.microsoft.com/office/powerpoint/2010/main" xmlns:p15="http://schemas.microsoft.com/office/powerpoint/2012/main" xmlns:ahyp="http://schemas.microsoft.com/office/drawing/2018/hyperlinkcolor" showMasterPhAnim="0" showMasterSp="0">
-  <p:cSld>
-    <p:spTree>
-      <p:nvGrpSpPr>
-        <p:cNvPr id="138" name="Shape 138"/>
-        <p:cNvGrpSpPr/>
-        <p:nvPr/>
-      </p:nvGrpSpPr>
-      <p:grpSpPr>
-        <a:xfrm>
-          <a:off x="0" y="0"/>
-          <a:ext cx="0" cy="0"/>
-          <a:chOff x="0" y="0"/>
-          <a:chExt cx="0" cy="0"/>
-        </a:xfrm>
-      </p:grpSpPr>
-      <p:sp>
-        <p:nvSpPr>
-          <p:cNvPr id="139" name="Google Shape;139;p17:notes"/>
-          <p:cNvSpPr txBox="1"/>
-          <p:nvPr>
-            <p:ph idx="1" type="body"/>
-          </p:nvPr>
-        </p:nvSpPr>
-        <p:spPr>
-          <a:xfrm>
-            <a:off x="685800" y="4400550"/>
-            <a:ext cx="5486400" cy="3600450"/>
-          </a:xfrm>
-          <a:prstGeom prst="rect">
-            <a:avLst/>
-          </a:prstGeom>
-        </p:spPr>
-        <p:txBody>
-          <a:bodyPr anchorCtr="0" anchor="t" bIns="45700" lIns="91425" spcFirstLastPara="1" rIns="91425" wrap="square" tIns="45700">
-            <a:noAutofit/>
-          </a:bodyPr>
-          <a:lstStyle/>
-          <a:p>
-            <a:pPr indent="0" lvl="0" marL="0" rtl="0" algn="l">
-              <a:spcBef>
-                <a:spcPts val="0"/>
-              </a:spcBef>
-              <a:spcAft>
-                <a:spcPts val="0"/>
-              </a:spcAft>
-              <a:buNone/>
-            </a:pPr>
-            <a:r>
-              <a:t/>
-            </a:r>
-            <a:endParaRPr/>
-          </a:p>
-        </p:txBody>
-      </p:sp>
-      <p:sp>
-        <p:nvSpPr>
-          <p:cNvPr id="140" name="Google Shape;140;p17:notes"/>
-          <p:cNvSpPr/>
-          <p:nvPr>
-            <p:ph idx="2" type="sldImg"/>
-          </p:nvPr>
-        </p:nvSpPr>
-        <p:spPr>
-          <a:xfrm>
-            <a:off x="685800" y="1143000"/>
-            <a:ext cx="5486400" cy="3086100"/>
-          </a:xfrm>
-          <a:custGeom>
-            <a:rect b="b" l="l" r="r" t="t"/>
-            <a:pathLst>
-              <a:path extrusionOk="0" h="120000" w="120000">
-                <a:moveTo>
-                  <a:pt x="0" y="0"/>
-                </a:moveTo>
-                <a:lnTo>
-                  <a:pt x="120000" y="0"/>
-                </a:lnTo>
-                <a:lnTo>
-                  <a:pt x="120000" y="120000"/>
-                </a:lnTo>
-                <a:lnTo>
-                  <a:pt x="0" y="120000"/>
-                </a:lnTo>
-                <a:close/>
-              </a:path>
-            </a:pathLst>
-          </a:custGeom>
-        </p:spPr>
-      </p:sp>
-    </p:spTree>
-  </p:cSld>
-  <p:clrMapOvr>
-    <a:masterClrMapping/>
-  </p:clrMapOvr>
-</p:notes>
-</file>
-
-<file path=ppt/notesSlides/notesSlide17.xml><?xml version="1.0" encoding="utf-8"?>
-<p:notes xmlns:a="http://schemas.openxmlformats.org/drawingml/2006/main" xmlns:r="http://schemas.openxmlformats.org/officeDocument/2006/relationships" xmlns:mc="http://schemas.openxmlformats.org/markup-compatibility/2006" xmlns:mv="urn:schemas-microsoft-com:mac:vml" xmlns:p="http://schemas.openxmlformats.org/presentationml/2006/main" xmlns:c="http://schemas.openxmlformats.org/drawingml/2006/chart" xmlns:dgm="http://schemas.openxmlformats.org/drawingml/2006/diagram" xmlns:o="urn:schemas-microsoft-com:office:office" xmlns:v="urn:schemas-microsoft-com:vml" xmlns:pvml="urn:schemas-microsoft-com:office:powerpoint" xmlns:com="http://schemas.openxmlformats.org/drawingml/2006/compatibility" xmlns:p14="http://schemas.microsoft.com/office/powerpoint/2010/main" xmlns:p15="http://schemas.microsoft.com/office/powerpoint/2012/main" xmlns:ahyp="http://schemas.microsoft.com/office/drawing/2018/hyperlinkcolor" showMasterPhAnim="0" showMasterSp="0">
-  <p:cSld>
-    <p:spTree>
-      <p:nvGrpSpPr>
-        <p:cNvPr id="144" name="Shape 144"/>
-        <p:cNvGrpSpPr/>
-        <p:nvPr/>
-      </p:nvGrpSpPr>
-      <p:grpSpPr>
-        <a:xfrm>
-          <a:off x="0" y="0"/>
-          <a:ext cx="0" cy="0"/>
-          <a:chOff x="0" y="0"/>
-          <a:chExt cx="0" cy="0"/>
-        </a:xfrm>
-      </p:grpSpPr>
-      <p:sp>
-        <p:nvSpPr>
-          <p:cNvPr id="145" name="Google Shape;145;p18:notes"/>
-          <p:cNvSpPr txBox="1"/>
-          <p:nvPr>
-            <p:ph idx="1" type="body"/>
-          </p:nvPr>
-        </p:nvSpPr>
-        <p:spPr>
-          <a:xfrm>
-            <a:off x="685800" y="4400550"/>
-            <a:ext cx="5486400" cy="3600450"/>
-          </a:xfrm>
-          <a:prstGeom prst="rect">
-            <a:avLst/>
-          </a:prstGeom>
-        </p:spPr>
-        <p:txBody>
-          <a:bodyPr anchorCtr="0" anchor="t" bIns="45700" lIns="91425" spcFirstLastPara="1" rIns="91425" wrap="square" tIns="45700">
-            <a:noAutofit/>
-          </a:bodyPr>
-          <a:lstStyle/>
-          <a:p>
-            <a:pPr indent="0" lvl="0" marL="0" rtl="0" algn="l">
-              <a:spcBef>
-                <a:spcPts val="0"/>
-              </a:spcBef>
-              <a:spcAft>
-                <a:spcPts val="0"/>
-              </a:spcAft>
-              <a:buNone/>
-            </a:pPr>
-            <a:r>
-              <a:t/>
-            </a:r>
-            <a:endParaRPr/>
-          </a:p>
-        </p:txBody>
-      </p:sp>
-      <p:sp>
-        <p:nvSpPr>
-          <p:cNvPr id="146" name="Google Shape;146;p18:notes"/>
-          <p:cNvSpPr/>
-          <p:nvPr>
-            <p:ph idx="2" type="sldImg"/>
-          </p:nvPr>
-        </p:nvSpPr>
-        <p:spPr>
-          <a:xfrm>
-            <a:off x="685800" y="1143000"/>
-            <a:ext cx="5486400" cy="3086100"/>
-          </a:xfrm>
-          <a:custGeom>
-            <a:rect b="b" l="l" r="r" t="t"/>
-            <a:pathLst>
-              <a:path extrusionOk="0" h="120000" w="120000">
-                <a:moveTo>
-                  <a:pt x="0" y="0"/>
-                </a:moveTo>
-                <a:lnTo>
-                  <a:pt x="120000" y="0"/>
-                </a:lnTo>
-                <a:lnTo>
-                  <a:pt x="120000" y="120000"/>
-                </a:lnTo>
-                <a:lnTo>
-                  <a:pt x="0" y="120000"/>
-                </a:lnTo>
-                <a:close/>
-              </a:path>
-            </a:pathLst>
-          </a:custGeom>
-        </p:spPr>
-      </p:sp>
-    </p:spTree>
-  </p:cSld>
-  <p:clrMapOvr>
-    <a:masterClrMapping/>
-  </p:clrMapOvr>
-</p:notes>
-</file>
-
-<file path=ppt/notesSlides/notesSlide18.xml><?xml version="1.0" encoding="utf-8"?>
-<p:notes xmlns:a="http://schemas.openxmlformats.org/drawingml/2006/main" xmlns:r="http://schemas.openxmlformats.org/officeDocument/2006/relationships" xmlns:mc="http://schemas.openxmlformats.org/markup-compatibility/2006" xmlns:mv="urn:schemas-microsoft-com:mac:vml" xmlns:p="http://schemas.openxmlformats.org/presentationml/2006/main" xmlns:c="http://schemas.openxmlformats.org/drawingml/2006/chart" xmlns:dgm="http://schemas.openxmlformats.org/drawingml/2006/diagram" xmlns:o="urn:schemas-microsoft-com:office:office" xmlns:v="urn:schemas-microsoft-com:vml" xmlns:pvml="urn:schemas-microsoft-com:office:powerpoint" xmlns:com="http://schemas.openxmlformats.org/drawingml/2006/compatibility" xmlns:p14="http://schemas.microsoft.com/office/powerpoint/2010/main" xmlns:p15="http://schemas.microsoft.com/office/powerpoint/2012/main" xmlns:ahyp="http://schemas.microsoft.com/office/drawing/2018/hyperlinkcolor" showMasterPhAnim="0" showMasterSp="0">
-  <p:cSld>
-    <p:spTree>
-      <p:nvGrpSpPr>
-        <p:cNvPr id="150" name="Shape 150"/>
-        <p:cNvGrpSpPr/>
-        <p:nvPr/>
-      </p:nvGrpSpPr>
-      <p:grpSpPr>
-        <a:xfrm>
-          <a:off x="0" y="0"/>
-          <a:ext cx="0" cy="0"/>
-          <a:chOff x="0" y="0"/>
-          <a:chExt cx="0" cy="0"/>
-        </a:xfrm>
-      </p:grpSpPr>
-      <p:sp>
-        <p:nvSpPr>
-          <p:cNvPr id="151" name="Google Shape;151;p7:notes"/>
+          <p:cNvPr id="103" name="Google Shape;103;g3bb3f331a3b_0_211:notes"/>
           <p:cNvSpPr/>
           <p:nvPr>
             <p:ph idx="2" type="sldImg"/>
@@ -2793,7 +2126,7 @@
       </p:sp>
       <p:sp>
         <p:nvSpPr>
-          <p:cNvPr id="152" name="Google Shape;152;p7:notes"/>
+          <p:cNvPr id="104" name="Google Shape;104;g3bb3f331a3b_0_211:notes"/>
           <p:cNvSpPr txBox="1"/>
           <p:nvPr>
             <p:ph idx="1" type="body"/>
@@ -2802,7 +2135,7 @@
         <p:spPr>
           <a:xfrm>
             <a:off x="685800" y="4400550"/>
-            <a:ext cx="5486400" cy="3600450"/>
+            <a:ext cx="5486400" cy="3600600"/>
           </a:xfrm>
           <a:prstGeom prst="rect">
             <a:avLst/>
@@ -2840,7 +2173,7 @@
       </p:sp>
       <p:sp>
         <p:nvSpPr>
-          <p:cNvPr id="153" name="Google Shape;153;p7:notes"/>
+          <p:cNvPr id="105" name="Google Shape;105;g3bb3f331a3b_0_211:notes"/>
           <p:cNvSpPr txBox="1"/>
           <p:nvPr>
             <p:ph idx="12" type="sldNum"/>
@@ -2849,7 +2182,7 @@
         <p:spPr>
           <a:xfrm>
             <a:off x="3884613" y="8685213"/>
-            <a:ext cx="2971800" cy="458787"/>
+            <a:ext cx="2971800" cy="458700"/>
           </a:xfrm>
           <a:prstGeom prst="rect">
             <a:avLst/>
@@ -2894,12 +2227,12 @@
 </p:notes>
 </file>
 
-<file path=ppt/notesSlides/notesSlide19.xml><?xml version="1.0" encoding="utf-8"?>
+<file path=ppt/notesSlides/notesSlide12.xml><?xml version="1.0" encoding="utf-8"?>
 <p:notes xmlns:a="http://schemas.openxmlformats.org/drawingml/2006/main" xmlns:r="http://schemas.openxmlformats.org/officeDocument/2006/relationships" xmlns:mc="http://schemas.openxmlformats.org/markup-compatibility/2006" xmlns:mv="urn:schemas-microsoft-com:mac:vml" xmlns:p="http://schemas.openxmlformats.org/presentationml/2006/main" xmlns:c="http://schemas.openxmlformats.org/drawingml/2006/chart" xmlns:dgm="http://schemas.openxmlformats.org/drawingml/2006/diagram" xmlns:o="urn:schemas-microsoft-com:office:office" xmlns:v="urn:schemas-microsoft-com:vml" xmlns:pvml="urn:schemas-microsoft-com:office:powerpoint" xmlns:com="http://schemas.openxmlformats.org/drawingml/2006/compatibility" xmlns:p14="http://schemas.microsoft.com/office/powerpoint/2010/main" xmlns:p15="http://schemas.microsoft.com/office/powerpoint/2012/main" xmlns:ahyp="http://schemas.microsoft.com/office/drawing/2018/hyperlinkcolor" showMasterPhAnim="0" showMasterSp="0">
   <p:cSld>
     <p:spTree>
       <p:nvGrpSpPr>
-        <p:cNvPr id="166" name="Shape 166"/>
+        <p:cNvPr id="109" name="Shape 109"/>
         <p:cNvGrpSpPr/>
         <p:nvPr/>
       </p:nvGrpSpPr>
@@ -2913,7 +2246,701 @@
       </p:grpSpPr>
       <p:sp>
         <p:nvSpPr>
-          <p:cNvPr id="167" name="Google Shape;167;p8:notes"/>
+          <p:cNvPr id="110" name="Google Shape;110;p12:notes"/>
+          <p:cNvSpPr txBox="1"/>
+          <p:nvPr>
+            <p:ph idx="1" type="body"/>
+          </p:nvPr>
+        </p:nvSpPr>
+        <p:spPr>
+          <a:xfrm>
+            <a:off x="685800" y="4400550"/>
+            <a:ext cx="5486400" cy="3600450"/>
+          </a:xfrm>
+          <a:prstGeom prst="rect">
+            <a:avLst/>
+          </a:prstGeom>
+        </p:spPr>
+        <p:txBody>
+          <a:bodyPr anchorCtr="0" anchor="t" bIns="45700" lIns="91425" spcFirstLastPara="1" rIns="91425" wrap="square" tIns="45700">
+            <a:noAutofit/>
+          </a:bodyPr>
+          <a:lstStyle/>
+          <a:p>
+            <a:pPr indent="0" lvl="0" marL="0" rtl="0" algn="l">
+              <a:spcBef>
+                <a:spcPts val="0"/>
+              </a:spcBef>
+              <a:spcAft>
+                <a:spcPts val="0"/>
+              </a:spcAft>
+              <a:buNone/>
+            </a:pPr>
+            <a:r>
+              <a:t/>
+            </a:r>
+            <a:endParaRPr/>
+          </a:p>
+        </p:txBody>
+      </p:sp>
+      <p:sp>
+        <p:nvSpPr>
+          <p:cNvPr id="111" name="Google Shape;111;p12:notes"/>
+          <p:cNvSpPr/>
+          <p:nvPr>
+            <p:ph idx="2" type="sldImg"/>
+          </p:nvPr>
+        </p:nvSpPr>
+        <p:spPr>
+          <a:xfrm>
+            <a:off x="685800" y="1143000"/>
+            <a:ext cx="5486400" cy="3086100"/>
+          </a:xfrm>
+          <a:custGeom>
+            <a:rect b="b" l="l" r="r" t="t"/>
+            <a:pathLst>
+              <a:path extrusionOk="0" h="120000" w="120000">
+                <a:moveTo>
+                  <a:pt x="0" y="0"/>
+                </a:moveTo>
+                <a:lnTo>
+                  <a:pt x="120000" y="0"/>
+                </a:lnTo>
+                <a:lnTo>
+                  <a:pt x="120000" y="120000"/>
+                </a:lnTo>
+                <a:lnTo>
+                  <a:pt x="0" y="120000"/>
+                </a:lnTo>
+                <a:close/>
+              </a:path>
+            </a:pathLst>
+          </a:custGeom>
+        </p:spPr>
+      </p:sp>
+    </p:spTree>
+  </p:cSld>
+  <p:clrMapOvr>
+    <a:masterClrMapping/>
+  </p:clrMapOvr>
+</p:notes>
+</file>
+
+<file path=ppt/notesSlides/notesSlide13.xml><?xml version="1.0" encoding="utf-8"?>
+<p:notes xmlns:a="http://schemas.openxmlformats.org/drawingml/2006/main" xmlns:r="http://schemas.openxmlformats.org/officeDocument/2006/relationships" xmlns:mc="http://schemas.openxmlformats.org/markup-compatibility/2006" xmlns:mv="urn:schemas-microsoft-com:mac:vml" xmlns:p="http://schemas.openxmlformats.org/presentationml/2006/main" xmlns:c="http://schemas.openxmlformats.org/drawingml/2006/chart" xmlns:dgm="http://schemas.openxmlformats.org/drawingml/2006/diagram" xmlns:o="urn:schemas-microsoft-com:office:office" xmlns:v="urn:schemas-microsoft-com:vml" xmlns:pvml="urn:schemas-microsoft-com:office:powerpoint" xmlns:com="http://schemas.openxmlformats.org/drawingml/2006/compatibility" xmlns:p14="http://schemas.microsoft.com/office/powerpoint/2010/main" xmlns:p15="http://schemas.microsoft.com/office/powerpoint/2012/main" xmlns:ahyp="http://schemas.microsoft.com/office/drawing/2018/hyperlinkcolor" showMasterPhAnim="0" showMasterSp="0">
+  <p:cSld>
+    <p:spTree>
+      <p:nvGrpSpPr>
+        <p:cNvPr id="116" name="Shape 116"/>
+        <p:cNvGrpSpPr/>
+        <p:nvPr/>
+      </p:nvGrpSpPr>
+      <p:grpSpPr>
+        <a:xfrm>
+          <a:off x="0" y="0"/>
+          <a:ext cx="0" cy="0"/>
+          <a:chOff x="0" y="0"/>
+          <a:chExt cx="0" cy="0"/>
+        </a:xfrm>
+      </p:grpSpPr>
+      <p:sp>
+        <p:nvSpPr>
+          <p:cNvPr id="117" name="Google Shape;117;p13:notes"/>
+          <p:cNvSpPr txBox="1"/>
+          <p:nvPr>
+            <p:ph idx="1" type="body"/>
+          </p:nvPr>
+        </p:nvSpPr>
+        <p:spPr>
+          <a:xfrm>
+            <a:off x="685800" y="4400550"/>
+            <a:ext cx="5486400" cy="3600450"/>
+          </a:xfrm>
+          <a:prstGeom prst="rect">
+            <a:avLst/>
+          </a:prstGeom>
+        </p:spPr>
+        <p:txBody>
+          <a:bodyPr anchorCtr="0" anchor="t" bIns="45700" lIns="91425" spcFirstLastPara="1" rIns="91425" wrap="square" tIns="45700">
+            <a:noAutofit/>
+          </a:bodyPr>
+          <a:lstStyle/>
+          <a:p>
+            <a:pPr indent="0" lvl="0" marL="0" rtl="0" algn="l">
+              <a:spcBef>
+                <a:spcPts val="0"/>
+              </a:spcBef>
+              <a:spcAft>
+                <a:spcPts val="0"/>
+              </a:spcAft>
+              <a:buNone/>
+            </a:pPr>
+            <a:r>
+              <a:t/>
+            </a:r>
+            <a:endParaRPr/>
+          </a:p>
+        </p:txBody>
+      </p:sp>
+      <p:sp>
+        <p:nvSpPr>
+          <p:cNvPr id="118" name="Google Shape;118;p13:notes"/>
+          <p:cNvSpPr/>
+          <p:nvPr>
+            <p:ph idx="2" type="sldImg"/>
+          </p:nvPr>
+        </p:nvSpPr>
+        <p:spPr>
+          <a:xfrm>
+            <a:off x="685800" y="1143000"/>
+            <a:ext cx="5486400" cy="3086100"/>
+          </a:xfrm>
+          <a:custGeom>
+            <a:rect b="b" l="l" r="r" t="t"/>
+            <a:pathLst>
+              <a:path extrusionOk="0" h="120000" w="120000">
+                <a:moveTo>
+                  <a:pt x="0" y="0"/>
+                </a:moveTo>
+                <a:lnTo>
+                  <a:pt x="120000" y="0"/>
+                </a:lnTo>
+                <a:lnTo>
+                  <a:pt x="120000" y="120000"/>
+                </a:lnTo>
+                <a:lnTo>
+                  <a:pt x="0" y="120000"/>
+                </a:lnTo>
+                <a:close/>
+              </a:path>
+            </a:pathLst>
+          </a:custGeom>
+        </p:spPr>
+      </p:sp>
+    </p:spTree>
+  </p:cSld>
+  <p:clrMapOvr>
+    <a:masterClrMapping/>
+  </p:clrMapOvr>
+</p:notes>
+</file>
+
+<file path=ppt/notesSlides/notesSlide14.xml><?xml version="1.0" encoding="utf-8"?>
+<p:notes xmlns:a="http://schemas.openxmlformats.org/drawingml/2006/main" xmlns:r="http://schemas.openxmlformats.org/officeDocument/2006/relationships" xmlns:mc="http://schemas.openxmlformats.org/markup-compatibility/2006" xmlns:mv="urn:schemas-microsoft-com:mac:vml" xmlns:p="http://schemas.openxmlformats.org/presentationml/2006/main" xmlns:c="http://schemas.openxmlformats.org/drawingml/2006/chart" xmlns:dgm="http://schemas.openxmlformats.org/drawingml/2006/diagram" xmlns:o="urn:schemas-microsoft-com:office:office" xmlns:v="urn:schemas-microsoft-com:vml" xmlns:pvml="urn:schemas-microsoft-com:office:powerpoint" xmlns:com="http://schemas.openxmlformats.org/drawingml/2006/compatibility" xmlns:p14="http://schemas.microsoft.com/office/powerpoint/2010/main" xmlns:p15="http://schemas.microsoft.com/office/powerpoint/2012/main" xmlns:ahyp="http://schemas.microsoft.com/office/drawing/2018/hyperlinkcolor" showMasterPhAnim="0" showMasterSp="0">
+  <p:cSld>
+    <p:spTree>
+      <p:nvGrpSpPr>
+        <p:cNvPr id="123" name="Shape 123"/>
+        <p:cNvGrpSpPr/>
+        <p:nvPr/>
+      </p:nvGrpSpPr>
+      <p:grpSpPr>
+        <a:xfrm>
+          <a:off x="0" y="0"/>
+          <a:ext cx="0" cy="0"/>
+          <a:chOff x="0" y="0"/>
+          <a:chExt cx="0" cy="0"/>
+        </a:xfrm>
+      </p:grpSpPr>
+      <p:sp>
+        <p:nvSpPr>
+          <p:cNvPr id="124" name="Google Shape;124;p14:notes"/>
+          <p:cNvSpPr txBox="1"/>
+          <p:nvPr>
+            <p:ph idx="1" type="body"/>
+          </p:nvPr>
+        </p:nvSpPr>
+        <p:spPr>
+          <a:xfrm>
+            <a:off x="685800" y="4400550"/>
+            <a:ext cx="5486400" cy="3600450"/>
+          </a:xfrm>
+          <a:prstGeom prst="rect">
+            <a:avLst/>
+          </a:prstGeom>
+        </p:spPr>
+        <p:txBody>
+          <a:bodyPr anchorCtr="0" anchor="t" bIns="45700" lIns="91425" spcFirstLastPara="1" rIns="91425" wrap="square" tIns="45700">
+            <a:noAutofit/>
+          </a:bodyPr>
+          <a:lstStyle/>
+          <a:p>
+            <a:pPr indent="0" lvl="0" marL="0" rtl="0" algn="l">
+              <a:spcBef>
+                <a:spcPts val="0"/>
+              </a:spcBef>
+              <a:spcAft>
+                <a:spcPts val="0"/>
+              </a:spcAft>
+              <a:buNone/>
+            </a:pPr>
+            <a:r>
+              <a:t/>
+            </a:r>
+            <a:endParaRPr/>
+          </a:p>
+        </p:txBody>
+      </p:sp>
+      <p:sp>
+        <p:nvSpPr>
+          <p:cNvPr id="125" name="Google Shape;125;p14:notes"/>
+          <p:cNvSpPr/>
+          <p:nvPr>
+            <p:ph idx="2" type="sldImg"/>
+          </p:nvPr>
+        </p:nvSpPr>
+        <p:spPr>
+          <a:xfrm>
+            <a:off x="685800" y="1143000"/>
+            <a:ext cx="5486400" cy="3086100"/>
+          </a:xfrm>
+          <a:custGeom>
+            <a:rect b="b" l="l" r="r" t="t"/>
+            <a:pathLst>
+              <a:path extrusionOk="0" h="120000" w="120000">
+                <a:moveTo>
+                  <a:pt x="0" y="0"/>
+                </a:moveTo>
+                <a:lnTo>
+                  <a:pt x="120000" y="0"/>
+                </a:lnTo>
+                <a:lnTo>
+                  <a:pt x="120000" y="120000"/>
+                </a:lnTo>
+                <a:lnTo>
+                  <a:pt x="0" y="120000"/>
+                </a:lnTo>
+                <a:close/>
+              </a:path>
+            </a:pathLst>
+          </a:custGeom>
+        </p:spPr>
+      </p:sp>
+    </p:spTree>
+  </p:cSld>
+  <p:clrMapOvr>
+    <a:masterClrMapping/>
+  </p:clrMapOvr>
+</p:notes>
+</file>
+
+<file path=ppt/notesSlides/notesSlide15.xml><?xml version="1.0" encoding="utf-8"?>
+<p:notes xmlns:a="http://schemas.openxmlformats.org/drawingml/2006/main" xmlns:r="http://schemas.openxmlformats.org/officeDocument/2006/relationships" xmlns:mc="http://schemas.openxmlformats.org/markup-compatibility/2006" xmlns:mv="urn:schemas-microsoft-com:mac:vml" xmlns:p="http://schemas.openxmlformats.org/presentationml/2006/main" xmlns:c="http://schemas.openxmlformats.org/drawingml/2006/chart" xmlns:dgm="http://schemas.openxmlformats.org/drawingml/2006/diagram" xmlns:o="urn:schemas-microsoft-com:office:office" xmlns:v="urn:schemas-microsoft-com:vml" xmlns:pvml="urn:schemas-microsoft-com:office:powerpoint" xmlns:com="http://schemas.openxmlformats.org/drawingml/2006/compatibility" xmlns:p14="http://schemas.microsoft.com/office/powerpoint/2010/main" xmlns:p15="http://schemas.microsoft.com/office/powerpoint/2012/main" xmlns:ahyp="http://schemas.microsoft.com/office/drawing/2018/hyperlinkcolor" showMasterPhAnim="0" showMasterSp="0">
+  <p:cSld>
+    <p:spTree>
+      <p:nvGrpSpPr>
+        <p:cNvPr id="130" name="Shape 130"/>
+        <p:cNvGrpSpPr/>
+        <p:nvPr/>
+      </p:nvGrpSpPr>
+      <p:grpSpPr>
+        <a:xfrm>
+          <a:off x="0" y="0"/>
+          <a:ext cx="0" cy="0"/>
+          <a:chOff x="0" y="0"/>
+          <a:chExt cx="0" cy="0"/>
+        </a:xfrm>
+      </p:grpSpPr>
+      <p:sp>
+        <p:nvSpPr>
+          <p:cNvPr id="131" name="Google Shape;131;p15:notes"/>
+          <p:cNvSpPr txBox="1"/>
+          <p:nvPr>
+            <p:ph idx="1" type="body"/>
+          </p:nvPr>
+        </p:nvSpPr>
+        <p:spPr>
+          <a:xfrm>
+            <a:off x="685800" y="4400550"/>
+            <a:ext cx="5486400" cy="3600450"/>
+          </a:xfrm>
+          <a:prstGeom prst="rect">
+            <a:avLst/>
+          </a:prstGeom>
+        </p:spPr>
+        <p:txBody>
+          <a:bodyPr anchorCtr="0" anchor="t" bIns="45700" lIns="91425" spcFirstLastPara="1" rIns="91425" wrap="square" tIns="45700">
+            <a:noAutofit/>
+          </a:bodyPr>
+          <a:lstStyle/>
+          <a:p>
+            <a:pPr indent="0" lvl="0" marL="0" rtl="0" algn="l">
+              <a:spcBef>
+                <a:spcPts val="0"/>
+              </a:spcBef>
+              <a:spcAft>
+                <a:spcPts val="0"/>
+              </a:spcAft>
+              <a:buNone/>
+            </a:pPr>
+            <a:r>
+              <a:t/>
+            </a:r>
+            <a:endParaRPr/>
+          </a:p>
+        </p:txBody>
+      </p:sp>
+      <p:sp>
+        <p:nvSpPr>
+          <p:cNvPr id="132" name="Google Shape;132;p15:notes"/>
+          <p:cNvSpPr/>
+          <p:nvPr>
+            <p:ph idx="2" type="sldImg"/>
+          </p:nvPr>
+        </p:nvSpPr>
+        <p:spPr>
+          <a:xfrm>
+            <a:off x="685800" y="1143000"/>
+            <a:ext cx="5486400" cy="3086100"/>
+          </a:xfrm>
+          <a:custGeom>
+            <a:rect b="b" l="l" r="r" t="t"/>
+            <a:pathLst>
+              <a:path extrusionOk="0" h="120000" w="120000">
+                <a:moveTo>
+                  <a:pt x="0" y="0"/>
+                </a:moveTo>
+                <a:lnTo>
+                  <a:pt x="120000" y="0"/>
+                </a:lnTo>
+                <a:lnTo>
+                  <a:pt x="120000" y="120000"/>
+                </a:lnTo>
+                <a:lnTo>
+                  <a:pt x="0" y="120000"/>
+                </a:lnTo>
+                <a:close/>
+              </a:path>
+            </a:pathLst>
+          </a:custGeom>
+        </p:spPr>
+      </p:sp>
+    </p:spTree>
+  </p:cSld>
+  <p:clrMapOvr>
+    <a:masterClrMapping/>
+  </p:clrMapOvr>
+</p:notes>
+</file>
+
+<file path=ppt/notesSlides/notesSlide16.xml><?xml version="1.0" encoding="utf-8"?>
+<p:notes xmlns:a="http://schemas.openxmlformats.org/drawingml/2006/main" xmlns:r="http://schemas.openxmlformats.org/officeDocument/2006/relationships" xmlns:mc="http://schemas.openxmlformats.org/markup-compatibility/2006" xmlns:mv="urn:schemas-microsoft-com:mac:vml" xmlns:p="http://schemas.openxmlformats.org/presentationml/2006/main" xmlns:c="http://schemas.openxmlformats.org/drawingml/2006/chart" xmlns:dgm="http://schemas.openxmlformats.org/drawingml/2006/diagram" xmlns:o="urn:schemas-microsoft-com:office:office" xmlns:v="urn:schemas-microsoft-com:vml" xmlns:pvml="urn:schemas-microsoft-com:office:powerpoint" xmlns:com="http://schemas.openxmlformats.org/drawingml/2006/compatibility" xmlns:p14="http://schemas.microsoft.com/office/powerpoint/2010/main" xmlns:p15="http://schemas.microsoft.com/office/powerpoint/2012/main" xmlns:ahyp="http://schemas.microsoft.com/office/drawing/2018/hyperlinkcolor" showMasterPhAnim="0" showMasterSp="0">
+  <p:cSld>
+    <p:spTree>
+      <p:nvGrpSpPr>
+        <p:cNvPr id="137" name="Shape 137"/>
+        <p:cNvGrpSpPr/>
+        <p:nvPr/>
+      </p:nvGrpSpPr>
+      <p:grpSpPr>
+        <a:xfrm>
+          <a:off x="0" y="0"/>
+          <a:ext cx="0" cy="0"/>
+          <a:chOff x="0" y="0"/>
+          <a:chExt cx="0" cy="0"/>
+        </a:xfrm>
+      </p:grpSpPr>
+      <p:sp>
+        <p:nvSpPr>
+          <p:cNvPr id="138" name="Google Shape;138;p16:notes"/>
+          <p:cNvSpPr txBox="1"/>
+          <p:nvPr>
+            <p:ph idx="1" type="body"/>
+          </p:nvPr>
+        </p:nvSpPr>
+        <p:spPr>
+          <a:xfrm>
+            <a:off x="685800" y="4400550"/>
+            <a:ext cx="5486400" cy="3600450"/>
+          </a:xfrm>
+          <a:prstGeom prst="rect">
+            <a:avLst/>
+          </a:prstGeom>
+        </p:spPr>
+        <p:txBody>
+          <a:bodyPr anchorCtr="0" anchor="t" bIns="45700" lIns="91425" spcFirstLastPara="1" rIns="91425" wrap="square" tIns="45700">
+            <a:noAutofit/>
+          </a:bodyPr>
+          <a:lstStyle/>
+          <a:p>
+            <a:pPr indent="0" lvl="0" marL="0" rtl="0" algn="l">
+              <a:spcBef>
+                <a:spcPts val="0"/>
+              </a:spcBef>
+              <a:spcAft>
+                <a:spcPts val="0"/>
+              </a:spcAft>
+              <a:buNone/>
+            </a:pPr>
+            <a:r>
+              <a:t/>
+            </a:r>
+            <a:endParaRPr/>
+          </a:p>
+        </p:txBody>
+      </p:sp>
+      <p:sp>
+        <p:nvSpPr>
+          <p:cNvPr id="139" name="Google Shape;139;p16:notes"/>
+          <p:cNvSpPr/>
+          <p:nvPr>
+            <p:ph idx="2" type="sldImg"/>
+          </p:nvPr>
+        </p:nvSpPr>
+        <p:spPr>
+          <a:xfrm>
+            <a:off x="685800" y="1143000"/>
+            <a:ext cx="5486400" cy="3086100"/>
+          </a:xfrm>
+          <a:custGeom>
+            <a:rect b="b" l="l" r="r" t="t"/>
+            <a:pathLst>
+              <a:path extrusionOk="0" h="120000" w="120000">
+                <a:moveTo>
+                  <a:pt x="0" y="0"/>
+                </a:moveTo>
+                <a:lnTo>
+                  <a:pt x="120000" y="0"/>
+                </a:lnTo>
+                <a:lnTo>
+                  <a:pt x="120000" y="120000"/>
+                </a:lnTo>
+                <a:lnTo>
+                  <a:pt x="0" y="120000"/>
+                </a:lnTo>
+                <a:close/>
+              </a:path>
+            </a:pathLst>
+          </a:custGeom>
+        </p:spPr>
+      </p:sp>
+    </p:spTree>
+  </p:cSld>
+  <p:clrMapOvr>
+    <a:masterClrMapping/>
+  </p:clrMapOvr>
+</p:notes>
+</file>
+
+<file path=ppt/notesSlides/notesSlide17.xml><?xml version="1.0" encoding="utf-8"?>
+<p:notes xmlns:a="http://schemas.openxmlformats.org/drawingml/2006/main" xmlns:r="http://schemas.openxmlformats.org/officeDocument/2006/relationships" xmlns:mc="http://schemas.openxmlformats.org/markup-compatibility/2006" xmlns:mv="urn:schemas-microsoft-com:mac:vml" xmlns:p="http://schemas.openxmlformats.org/presentationml/2006/main" xmlns:c="http://schemas.openxmlformats.org/drawingml/2006/chart" xmlns:dgm="http://schemas.openxmlformats.org/drawingml/2006/diagram" xmlns:o="urn:schemas-microsoft-com:office:office" xmlns:v="urn:schemas-microsoft-com:vml" xmlns:pvml="urn:schemas-microsoft-com:office:powerpoint" xmlns:com="http://schemas.openxmlformats.org/drawingml/2006/compatibility" xmlns:p14="http://schemas.microsoft.com/office/powerpoint/2010/main" xmlns:p15="http://schemas.microsoft.com/office/powerpoint/2012/main" xmlns:ahyp="http://schemas.microsoft.com/office/drawing/2018/hyperlinkcolor" showMasterPhAnim="0" showMasterSp="0">
+  <p:cSld>
+    <p:spTree>
+      <p:nvGrpSpPr>
+        <p:cNvPr id="149" name="Shape 149"/>
+        <p:cNvGrpSpPr/>
+        <p:nvPr/>
+      </p:nvGrpSpPr>
+      <p:grpSpPr>
+        <a:xfrm>
+          <a:off x="0" y="0"/>
+          <a:ext cx="0" cy="0"/>
+          <a:chOff x="0" y="0"/>
+          <a:chExt cx="0" cy="0"/>
+        </a:xfrm>
+      </p:grpSpPr>
+      <p:sp>
+        <p:nvSpPr>
+          <p:cNvPr id="150" name="Google Shape;150;p17:notes"/>
+          <p:cNvSpPr txBox="1"/>
+          <p:nvPr>
+            <p:ph idx="1" type="body"/>
+          </p:nvPr>
+        </p:nvSpPr>
+        <p:spPr>
+          <a:xfrm>
+            <a:off x="685800" y="4400550"/>
+            <a:ext cx="5486400" cy="3600450"/>
+          </a:xfrm>
+          <a:prstGeom prst="rect">
+            <a:avLst/>
+          </a:prstGeom>
+        </p:spPr>
+        <p:txBody>
+          <a:bodyPr anchorCtr="0" anchor="t" bIns="45700" lIns="91425" spcFirstLastPara="1" rIns="91425" wrap="square" tIns="45700">
+            <a:noAutofit/>
+          </a:bodyPr>
+          <a:lstStyle/>
+          <a:p>
+            <a:pPr indent="0" lvl="0" marL="0" rtl="0" algn="l">
+              <a:spcBef>
+                <a:spcPts val="0"/>
+              </a:spcBef>
+              <a:spcAft>
+                <a:spcPts val="0"/>
+              </a:spcAft>
+              <a:buNone/>
+            </a:pPr>
+            <a:r>
+              <a:t/>
+            </a:r>
+            <a:endParaRPr/>
+          </a:p>
+        </p:txBody>
+      </p:sp>
+      <p:sp>
+        <p:nvSpPr>
+          <p:cNvPr id="151" name="Google Shape;151;p17:notes"/>
+          <p:cNvSpPr/>
+          <p:nvPr>
+            <p:ph idx="2" type="sldImg"/>
+          </p:nvPr>
+        </p:nvSpPr>
+        <p:spPr>
+          <a:xfrm>
+            <a:off x="685800" y="1143000"/>
+            <a:ext cx="5486400" cy="3086100"/>
+          </a:xfrm>
+          <a:custGeom>
+            <a:rect b="b" l="l" r="r" t="t"/>
+            <a:pathLst>
+              <a:path extrusionOk="0" h="120000" w="120000">
+                <a:moveTo>
+                  <a:pt x="0" y="0"/>
+                </a:moveTo>
+                <a:lnTo>
+                  <a:pt x="120000" y="0"/>
+                </a:lnTo>
+                <a:lnTo>
+                  <a:pt x="120000" y="120000"/>
+                </a:lnTo>
+                <a:lnTo>
+                  <a:pt x="0" y="120000"/>
+                </a:lnTo>
+                <a:close/>
+              </a:path>
+            </a:pathLst>
+          </a:custGeom>
+        </p:spPr>
+      </p:sp>
+    </p:spTree>
+  </p:cSld>
+  <p:clrMapOvr>
+    <a:masterClrMapping/>
+  </p:clrMapOvr>
+</p:notes>
+</file>
+
+<file path=ppt/notesSlides/notesSlide18.xml><?xml version="1.0" encoding="utf-8"?>
+<p:notes xmlns:a="http://schemas.openxmlformats.org/drawingml/2006/main" xmlns:r="http://schemas.openxmlformats.org/officeDocument/2006/relationships" xmlns:mc="http://schemas.openxmlformats.org/markup-compatibility/2006" xmlns:mv="urn:schemas-microsoft-com:mac:vml" xmlns:p="http://schemas.openxmlformats.org/presentationml/2006/main" xmlns:c="http://schemas.openxmlformats.org/drawingml/2006/chart" xmlns:dgm="http://schemas.openxmlformats.org/drawingml/2006/diagram" xmlns:o="urn:schemas-microsoft-com:office:office" xmlns:v="urn:schemas-microsoft-com:vml" xmlns:pvml="urn:schemas-microsoft-com:office:powerpoint" xmlns:com="http://schemas.openxmlformats.org/drawingml/2006/compatibility" xmlns:p14="http://schemas.microsoft.com/office/powerpoint/2010/main" xmlns:p15="http://schemas.microsoft.com/office/powerpoint/2012/main" xmlns:ahyp="http://schemas.microsoft.com/office/drawing/2018/hyperlinkcolor" showMasterPhAnim="0" showMasterSp="0">
+  <p:cSld>
+    <p:spTree>
+      <p:nvGrpSpPr>
+        <p:cNvPr id="155" name="Shape 155"/>
+        <p:cNvGrpSpPr/>
+        <p:nvPr/>
+      </p:nvGrpSpPr>
+      <p:grpSpPr>
+        <a:xfrm>
+          <a:off x="0" y="0"/>
+          <a:ext cx="0" cy="0"/>
+          <a:chOff x="0" y="0"/>
+          <a:chExt cx="0" cy="0"/>
+        </a:xfrm>
+      </p:grpSpPr>
+      <p:sp>
+        <p:nvSpPr>
+          <p:cNvPr id="156" name="Google Shape;156;p18:notes"/>
+          <p:cNvSpPr txBox="1"/>
+          <p:nvPr>
+            <p:ph idx="1" type="body"/>
+          </p:nvPr>
+        </p:nvSpPr>
+        <p:spPr>
+          <a:xfrm>
+            <a:off x="685800" y="4400550"/>
+            <a:ext cx="5486400" cy="3600450"/>
+          </a:xfrm>
+          <a:prstGeom prst="rect">
+            <a:avLst/>
+          </a:prstGeom>
+        </p:spPr>
+        <p:txBody>
+          <a:bodyPr anchorCtr="0" anchor="t" bIns="45700" lIns="91425" spcFirstLastPara="1" rIns="91425" wrap="square" tIns="45700">
+            <a:noAutofit/>
+          </a:bodyPr>
+          <a:lstStyle/>
+          <a:p>
+            <a:pPr indent="0" lvl="0" marL="0" rtl="0" algn="l">
+              <a:spcBef>
+                <a:spcPts val="0"/>
+              </a:spcBef>
+              <a:spcAft>
+                <a:spcPts val="0"/>
+              </a:spcAft>
+              <a:buNone/>
+            </a:pPr>
+            <a:r>
+              <a:rPr lang="en-US"/>
+              <a:t>모든 자원은 테라폼으로 관리되어, 동적으로 테라폼을 통해서 서버 자원을 늘리거나 줄일 수 있습니다.</a:t>
+            </a:r>
+            <a:endParaRPr/>
+          </a:p>
+        </p:txBody>
+      </p:sp>
+      <p:sp>
+        <p:nvSpPr>
+          <p:cNvPr id="157" name="Google Shape;157;p18:notes"/>
+          <p:cNvSpPr/>
+          <p:nvPr>
+            <p:ph idx="2" type="sldImg"/>
+          </p:nvPr>
+        </p:nvSpPr>
+        <p:spPr>
+          <a:xfrm>
+            <a:off x="685800" y="1143000"/>
+            <a:ext cx="5486400" cy="3086100"/>
+          </a:xfrm>
+          <a:custGeom>
+            <a:rect b="b" l="l" r="r" t="t"/>
+            <a:pathLst>
+              <a:path extrusionOk="0" h="120000" w="120000">
+                <a:moveTo>
+                  <a:pt x="0" y="0"/>
+                </a:moveTo>
+                <a:lnTo>
+                  <a:pt x="120000" y="0"/>
+                </a:lnTo>
+                <a:lnTo>
+                  <a:pt x="120000" y="120000"/>
+                </a:lnTo>
+                <a:lnTo>
+                  <a:pt x="0" y="120000"/>
+                </a:lnTo>
+                <a:close/>
+              </a:path>
+            </a:pathLst>
+          </a:custGeom>
+        </p:spPr>
+      </p:sp>
+    </p:spTree>
+  </p:cSld>
+  <p:clrMapOvr>
+    <a:masterClrMapping/>
+  </p:clrMapOvr>
+</p:notes>
+</file>
+
+<file path=ppt/notesSlides/notesSlide19.xml><?xml version="1.0" encoding="utf-8"?>
+<p:notes xmlns:a="http://schemas.openxmlformats.org/drawingml/2006/main" xmlns:r="http://schemas.openxmlformats.org/officeDocument/2006/relationships" xmlns:mc="http://schemas.openxmlformats.org/markup-compatibility/2006" xmlns:mv="urn:schemas-microsoft-com:mac:vml" xmlns:p="http://schemas.openxmlformats.org/presentationml/2006/main" xmlns:c="http://schemas.openxmlformats.org/drawingml/2006/chart" xmlns:dgm="http://schemas.openxmlformats.org/drawingml/2006/diagram" xmlns:o="urn:schemas-microsoft-com:office:office" xmlns:v="urn:schemas-microsoft-com:vml" xmlns:pvml="urn:schemas-microsoft-com:office:powerpoint" xmlns:com="http://schemas.openxmlformats.org/drawingml/2006/compatibility" xmlns:p14="http://schemas.microsoft.com/office/powerpoint/2010/main" xmlns:p15="http://schemas.microsoft.com/office/powerpoint/2012/main" xmlns:ahyp="http://schemas.microsoft.com/office/drawing/2018/hyperlinkcolor" showMasterPhAnim="0" showMasterSp="0">
+  <p:cSld>
+    <p:spTree>
+      <p:nvGrpSpPr>
+        <p:cNvPr id="163" name="Shape 163"/>
+        <p:cNvGrpSpPr/>
+        <p:nvPr/>
+      </p:nvGrpSpPr>
+      <p:grpSpPr>
+        <a:xfrm>
+          <a:off x="0" y="0"/>
+          <a:ext cx="0" cy="0"/>
+          <a:chOff x="0" y="0"/>
+          <a:chExt cx="0" cy="0"/>
+        </a:xfrm>
+      </p:grpSpPr>
+      <p:sp>
+        <p:nvSpPr>
+          <p:cNvPr id="164" name="Google Shape;164;p7:notes"/>
           <p:cNvSpPr/>
           <p:nvPr>
             <p:ph idx="2" type="sldImg"/>
@@ -2958,7 +2985,7 @@
       </p:sp>
       <p:sp>
         <p:nvSpPr>
-          <p:cNvPr id="168" name="Google Shape;168;p8:notes"/>
+          <p:cNvPr id="165" name="Google Shape;165;p7:notes"/>
           <p:cNvSpPr txBox="1"/>
           <p:nvPr>
             <p:ph idx="1" type="body"/>
@@ -3005,7 +3032,7 @@
       </p:sp>
       <p:sp>
         <p:nvSpPr>
-          <p:cNvPr id="169" name="Google Shape;169;p8:notes"/>
+          <p:cNvPr id="166" name="Google Shape;166;p7:notes"/>
           <p:cNvSpPr txBox="1"/>
           <p:nvPr>
             <p:ph idx="12" type="sldNum"/>
@@ -3078,7 +3105,7 @@
       </p:grpSpPr>
       <p:sp>
         <p:nvSpPr>
-          <p:cNvPr id="26" name="Google Shape;26;g3bdec654bb2_0_34:notes"/>
+          <p:cNvPr id="26" name="Google Shape;26;g3bbe688209e_0_20:notes"/>
           <p:cNvSpPr/>
           <p:nvPr>
             <p:ph idx="2" type="sldImg"/>
@@ -3113,7 +3140,7 @@
       </p:sp>
       <p:sp>
         <p:nvSpPr>
-          <p:cNvPr id="27" name="Google Shape;27;g3bdec654bb2_0_34:notes"/>
+          <p:cNvPr id="27" name="Google Shape;27;g3bbe688209e_0_20:notes"/>
           <p:cNvSpPr txBox="1"/>
           <p:nvPr>
             <p:ph idx="1" type="body"/>
@@ -3133,6 +3160,131 @@
             <a:noAutofit/>
           </a:bodyPr>
           <a:lstStyle/>
+          <a:p>
+            <a:pPr indent="0" lvl="0" marL="0" rtl="0" algn="l">
+              <a:spcBef>
+                <a:spcPts val="0"/>
+              </a:spcBef>
+              <a:spcAft>
+                <a:spcPts val="0"/>
+              </a:spcAft>
+              <a:buNone/>
+            </a:pPr>
+            <a:r>
+              <a:rPr lang="en-US"/>
+              <a:t>먼저 저희 회사를 간단하게 소개하도록 하겠습니다.</a:t>
+            </a:r>
+            <a:endParaRPr/>
+          </a:p>
+          <a:p>
+            <a:pPr indent="0" lvl="0" marL="0" rtl="0" algn="l">
+              <a:spcBef>
+                <a:spcPts val="0"/>
+              </a:spcBef>
+              <a:spcAft>
+                <a:spcPts val="0"/>
+              </a:spcAft>
+              <a:buNone/>
+            </a:pPr>
+            <a:r>
+              <a:t/>
+            </a:r>
+            <a:endParaRPr/>
+          </a:p>
+          <a:p>
+            <a:pPr indent="0" lvl="0" marL="0" rtl="0" algn="l">
+              <a:spcBef>
+                <a:spcPts val="0"/>
+              </a:spcBef>
+              <a:spcAft>
+                <a:spcPts val="0"/>
+              </a:spcAft>
+              <a:buNone/>
+            </a:pPr>
+            <a:r>
+              <a:rPr lang="en-US"/>
+              <a:t>저는 주식회사 사각이라는 회사를 다니고 있고, 회사는 Pre-A Series 스타트업입니다.</a:t>
+            </a:r>
+            <a:endParaRPr/>
+          </a:p>
+          <a:p>
+            <a:pPr indent="0" lvl="0" marL="0" rtl="0" algn="l">
+              <a:spcBef>
+                <a:spcPts val="0"/>
+              </a:spcBef>
+              <a:spcAft>
+                <a:spcPts val="0"/>
+              </a:spcAft>
+              <a:buNone/>
+            </a:pPr>
+            <a:r>
+              <a:rPr lang="en-US"/>
+              <a:t>그리고, 국내에서 서비스도 하고 있지만, 해외의 다양한 회사와 협업을 하고 여러 컨퍼런스에도 관련 서비스를 출품하고 있습니다.</a:t>
+            </a:r>
+            <a:endParaRPr/>
+          </a:p>
+          <a:p>
+            <a:pPr indent="0" lvl="0" marL="0" rtl="0" algn="l">
+              <a:spcBef>
+                <a:spcPts val="0"/>
+              </a:spcBef>
+              <a:spcAft>
+                <a:spcPts val="0"/>
+              </a:spcAft>
+              <a:buNone/>
+            </a:pPr>
+            <a:r>
+              <a:t/>
+            </a:r>
+            <a:endParaRPr/>
+          </a:p>
+          <a:p>
+            <a:pPr indent="0" lvl="0" marL="0" rtl="0" algn="l">
+              <a:spcBef>
+                <a:spcPts val="0"/>
+              </a:spcBef>
+              <a:spcAft>
+                <a:spcPts val="0"/>
+              </a:spcAft>
+              <a:buNone/>
+            </a:pPr>
+            <a:r>
+              <a:rPr lang="en-US"/>
+              <a:t>저희 회사의 핵심 기술은 연합학습 기반의 개인화 된 On-device AI이고, 이 기술을 적용해 헬스케어, 모빌리티, 보험 분야의 개인 특화된 모델을 만들고 서비스를 하는 것을 목표로 합니다.</a:t>
+            </a:r>
+            <a:endParaRPr/>
+          </a:p>
+          <a:p>
+            <a:pPr indent="0" lvl="0" marL="0" rtl="0" algn="l">
+              <a:spcBef>
+                <a:spcPts val="0"/>
+              </a:spcBef>
+              <a:spcAft>
+                <a:spcPts val="0"/>
+              </a:spcAft>
+              <a:buNone/>
+            </a:pPr>
+            <a:r>
+              <a:t/>
+            </a:r>
+            <a:endParaRPr/>
+          </a:p>
+          <a:p>
+            <a:pPr indent="0" lvl="0" marL="0" rtl="0" algn="l">
+              <a:spcBef>
+                <a:spcPts val="0"/>
+              </a:spcBef>
+              <a:spcAft>
+                <a:spcPts val="0"/>
+              </a:spcAft>
+              <a:buNone/>
+            </a:pPr>
+            <a:r>
+              <a:rPr lang="en-US"/>
+              <a:t>저희회사의 서비스는 크게 세가지로 나눌 수 있는데 API 서비스와 LLM 서비스, 그리고 헬스케어 서비스로 나눌 수 있습니다.</a:t>
+            </a:r>
+            <a:endParaRPr/>
+          </a:p>
           <a:p>
             <a:pPr indent="0" lvl="0" marL="0" rtl="0" algn="l">
               <a:spcBef>
@@ -3152,7 +3304,7 @@
       </p:sp>
       <p:sp>
         <p:nvSpPr>
-          <p:cNvPr id="28" name="Google Shape;28;g3bdec654bb2_0_34:notes"/>
+          <p:cNvPr id="28" name="Google Shape;28;g3bbe688209e_0_20:notes"/>
           <p:cNvSpPr txBox="1"/>
           <p:nvPr>
             <p:ph idx="12" type="sldNum"/>
@@ -3208,7 +3360,7 @@
   <p:cSld>
     <p:spTree>
       <p:nvGrpSpPr>
-        <p:cNvPr id="174" name="Shape 174"/>
+        <p:cNvPr id="179" name="Shape 179"/>
         <p:cNvGrpSpPr/>
         <p:nvPr/>
       </p:nvGrpSpPr>
@@ -3222,7 +3374,7 @@
       </p:grpSpPr>
       <p:sp>
         <p:nvSpPr>
-          <p:cNvPr id="175" name="Google Shape;175;g3bdec654bb2_0_27:notes"/>
+          <p:cNvPr id="180" name="Google Shape;180;p8:notes"/>
           <p:cNvSpPr/>
           <p:nvPr>
             <p:ph idx="2" type="sldImg"/>
@@ -3267,7 +3419,7 @@
       </p:sp>
       <p:sp>
         <p:nvSpPr>
-          <p:cNvPr id="176" name="Google Shape;176;g3bdec654bb2_0_27:notes"/>
+          <p:cNvPr id="181" name="Google Shape;181;p8:notes"/>
           <p:cNvSpPr txBox="1"/>
           <p:nvPr>
             <p:ph idx="1" type="body"/>
@@ -3276,7 +3428,7 @@
         <p:spPr>
           <a:xfrm>
             <a:off x="685800" y="4400550"/>
-            <a:ext cx="5486400" cy="3600600"/>
+            <a:ext cx="5486400" cy="3600450"/>
           </a:xfrm>
           <a:prstGeom prst="rect">
             <a:avLst/>
@@ -3314,7 +3466,7 @@
       </p:sp>
       <p:sp>
         <p:nvSpPr>
-          <p:cNvPr id="177" name="Google Shape;177;g3bdec654bb2_0_27:notes"/>
+          <p:cNvPr id="182" name="Google Shape;182;p8:notes"/>
           <p:cNvSpPr txBox="1"/>
           <p:nvPr>
             <p:ph idx="12" type="sldNum"/>
@@ -3323,7 +3475,7 @@
         <p:spPr>
           <a:xfrm>
             <a:off x="3884613" y="8685213"/>
-            <a:ext cx="2971800" cy="458700"/>
+            <a:ext cx="2971800" cy="458787"/>
           </a:xfrm>
           <a:prstGeom prst="rect">
             <a:avLst/>
@@ -3373,7 +3525,7 @@
   <p:cSld>
     <p:spTree>
       <p:nvGrpSpPr>
-        <p:cNvPr id="182" name="Shape 182"/>
+        <p:cNvPr id="188" name="Shape 188"/>
         <p:cNvGrpSpPr/>
         <p:nvPr/>
       </p:nvGrpSpPr>
@@ -3387,7 +3539,7 @@
       </p:grpSpPr>
       <p:sp>
         <p:nvSpPr>
-          <p:cNvPr id="183" name="Google Shape;183;p9:notes"/>
+          <p:cNvPr id="189" name="Google Shape;189;g3bdec654bb2_0_27:notes"/>
           <p:cNvSpPr/>
           <p:nvPr>
             <p:ph idx="2" type="sldImg"/>
@@ -3432,7 +3584,7 @@
       </p:sp>
       <p:sp>
         <p:nvSpPr>
-          <p:cNvPr id="184" name="Google Shape;184;p9:notes"/>
+          <p:cNvPr id="190" name="Google Shape;190;g3bdec654bb2_0_27:notes"/>
           <p:cNvSpPr txBox="1"/>
           <p:nvPr>
             <p:ph idx="1" type="body"/>
@@ -3441,7 +3593,7 @@
         <p:spPr>
           <a:xfrm>
             <a:off x="685800" y="4400550"/>
-            <a:ext cx="5486400" cy="3600450"/>
+            <a:ext cx="5486400" cy="3600600"/>
           </a:xfrm>
           <a:prstGeom prst="rect">
             <a:avLst/>
@@ -3479,7 +3631,7 @@
       </p:sp>
       <p:sp>
         <p:nvSpPr>
-          <p:cNvPr id="185" name="Google Shape;185;p9:notes"/>
+          <p:cNvPr id="191" name="Google Shape;191;g3bdec654bb2_0_27:notes"/>
           <p:cNvSpPr txBox="1"/>
           <p:nvPr>
             <p:ph idx="12" type="sldNum"/>
@@ -3488,7 +3640,7 @@
         <p:spPr>
           <a:xfrm>
             <a:off x="3884613" y="8685213"/>
-            <a:ext cx="2971800" cy="458787"/>
+            <a:ext cx="2971800" cy="458700"/>
           </a:xfrm>
           <a:prstGeom prst="rect">
             <a:avLst/>
@@ -3533,12 +3685,12 @@
 </p:notes>
 </file>
 
-<file path=ppt/notesSlides/notesSlide3.xml><?xml version="1.0" encoding="utf-8"?>
+<file path=ppt/notesSlides/notesSlide22.xml><?xml version="1.0" encoding="utf-8"?>
 <p:notes xmlns:a="http://schemas.openxmlformats.org/drawingml/2006/main" xmlns:r="http://schemas.openxmlformats.org/officeDocument/2006/relationships" xmlns:mc="http://schemas.openxmlformats.org/markup-compatibility/2006" xmlns:mv="urn:schemas-microsoft-com:mac:vml" xmlns:p="http://schemas.openxmlformats.org/presentationml/2006/main" xmlns:c="http://schemas.openxmlformats.org/drawingml/2006/chart" xmlns:dgm="http://schemas.openxmlformats.org/drawingml/2006/diagram" xmlns:o="urn:schemas-microsoft-com:office:office" xmlns:v="urn:schemas-microsoft-com:vml" xmlns:pvml="urn:schemas-microsoft-com:office:powerpoint" xmlns:com="http://schemas.openxmlformats.org/drawingml/2006/compatibility" xmlns:p14="http://schemas.microsoft.com/office/powerpoint/2010/main" xmlns:p15="http://schemas.microsoft.com/office/powerpoint/2012/main" xmlns:ahyp="http://schemas.microsoft.com/office/drawing/2018/hyperlinkcolor" showMasterPhAnim="0" showMasterSp="0">
   <p:cSld>
     <p:spTree>
       <p:nvGrpSpPr>
-        <p:cNvPr id="33" name="Shape 33"/>
+        <p:cNvPr id="196" name="Shape 196"/>
         <p:cNvGrpSpPr/>
         <p:nvPr/>
       </p:nvGrpSpPr>
@@ -3552,7 +3704,7 @@
       </p:grpSpPr>
       <p:sp>
         <p:nvSpPr>
-          <p:cNvPr id="34" name="Google Shape;34;p2:notes"/>
+          <p:cNvPr id="197" name="Google Shape;197;p9:notes"/>
           <p:cNvSpPr/>
           <p:nvPr>
             <p:ph idx="2" type="sldImg"/>
@@ -3597,7 +3749,7 @@
       </p:sp>
       <p:sp>
         <p:nvSpPr>
-          <p:cNvPr id="35" name="Google Shape;35;p2:notes"/>
+          <p:cNvPr id="198" name="Google Shape;198;p9:notes"/>
           <p:cNvSpPr txBox="1"/>
           <p:nvPr>
             <p:ph idx="1" type="body"/>
@@ -3644,7 +3796,7 @@
       </p:sp>
       <p:sp>
         <p:nvSpPr>
-          <p:cNvPr id="36" name="Google Shape;36;p2:notes"/>
+          <p:cNvPr id="199" name="Google Shape;199;p9:notes"/>
           <p:cNvSpPr txBox="1"/>
           <p:nvPr>
             <p:ph idx="12" type="sldNum"/>
@@ -3680,6 +3832,219 @@
                 <a:spcPts val="0"/>
               </a:spcAft>
               <a:buSzPts val="1400"/>
+              <a:buNone/>
+            </a:pPr>
+            <a:fld id="{00000000-1234-1234-1234-123412341234}" type="slidenum">
+              <a:rPr lang="en-US"/>
+              <a:t>‹#›</a:t>
+            </a:fld>
+            <a:endParaRPr/>
+          </a:p>
+        </p:txBody>
+      </p:sp>
+    </p:spTree>
+  </p:cSld>
+  <p:clrMapOvr>
+    <a:masterClrMapping/>
+  </p:clrMapOvr>
+</p:notes>
+</file>
+
+<file path=ppt/notesSlides/notesSlide3.xml><?xml version="1.0" encoding="utf-8"?>
+<p:notes xmlns:a="http://schemas.openxmlformats.org/drawingml/2006/main" xmlns:r="http://schemas.openxmlformats.org/officeDocument/2006/relationships" xmlns:mc="http://schemas.openxmlformats.org/markup-compatibility/2006" xmlns:mv="urn:schemas-microsoft-com:mac:vml" xmlns:p="http://schemas.openxmlformats.org/presentationml/2006/main" xmlns:c="http://schemas.openxmlformats.org/drawingml/2006/chart" xmlns:dgm="http://schemas.openxmlformats.org/drawingml/2006/diagram" xmlns:o="urn:schemas-microsoft-com:office:office" xmlns:v="urn:schemas-microsoft-com:vml" xmlns:pvml="urn:schemas-microsoft-com:office:powerpoint" xmlns:com="http://schemas.openxmlformats.org/drawingml/2006/compatibility" xmlns:p14="http://schemas.microsoft.com/office/powerpoint/2010/main" xmlns:p15="http://schemas.microsoft.com/office/powerpoint/2012/main" xmlns:ahyp="http://schemas.microsoft.com/office/drawing/2018/hyperlinkcolor" showMasterPhAnim="0" showMasterSp="0">
+  <p:cSld>
+    <p:spTree>
+      <p:nvGrpSpPr>
+        <p:cNvPr id="31" name="Shape 31"/>
+        <p:cNvGrpSpPr/>
+        <p:nvPr/>
+      </p:nvGrpSpPr>
+      <p:grpSpPr>
+        <a:xfrm>
+          <a:off x="0" y="0"/>
+          <a:ext cx="0" cy="0"/>
+          <a:chOff x="0" y="0"/>
+          <a:chExt cx="0" cy="0"/>
+        </a:xfrm>
+      </p:grpSpPr>
+      <p:sp>
+        <p:nvSpPr>
+          <p:cNvPr id="32" name="Google Shape;32;g3bbe688209e_0_25:notes"/>
+          <p:cNvSpPr/>
+          <p:nvPr>
+            <p:ph idx="2" type="sldImg"/>
+          </p:nvPr>
+        </p:nvSpPr>
+        <p:spPr>
+          <a:xfrm>
+            <a:off x="685800" y="1143000"/>
+            <a:ext cx="5486400" cy="3086100"/>
+          </a:xfrm>
+          <a:custGeom>
+            <a:rect b="b" l="l" r="r" t="t"/>
+            <a:pathLst>
+              <a:path extrusionOk="0" h="120000" w="120000">
+                <a:moveTo>
+                  <a:pt x="0" y="0"/>
+                </a:moveTo>
+                <a:lnTo>
+                  <a:pt x="120000" y="0"/>
+                </a:lnTo>
+                <a:lnTo>
+                  <a:pt x="120000" y="120000"/>
+                </a:lnTo>
+                <a:lnTo>
+                  <a:pt x="0" y="120000"/>
+                </a:lnTo>
+                <a:close/>
+              </a:path>
+            </a:pathLst>
+          </a:custGeom>
+        </p:spPr>
+      </p:sp>
+      <p:sp>
+        <p:nvSpPr>
+          <p:cNvPr id="33" name="Google Shape;33;g3bbe688209e_0_25:notes"/>
+          <p:cNvSpPr txBox="1"/>
+          <p:nvPr>
+            <p:ph idx="1" type="body"/>
+          </p:nvPr>
+        </p:nvSpPr>
+        <p:spPr>
+          <a:xfrm>
+            <a:off x="685800" y="4400550"/>
+            <a:ext cx="5486400" cy="3600600"/>
+          </a:xfrm>
+          <a:prstGeom prst="rect">
+            <a:avLst/>
+          </a:prstGeom>
+        </p:spPr>
+        <p:txBody>
+          <a:bodyPr anchorCtr="0" anchor="t" bIns="45700" lIns="91425" spcFirstLastPara="1" rIns="91425" wrap="square" tIns="45700">
+            <a:noAutofit/>
+          </a:bodyPr>
+          <a:lstStyle/>
+          <a:p>
+            <a:pPr indent="0" lvl="0" marL="0" rtl="0" algn="l">
+              <a:spcBef>
+                <a:spcPts val="0"/>
+              </a:spcBef>
+              <a:spcAft>
+                <a:spcPts val="0"/>
+              </a:spcAft>
+              <a:buNone/>
+            </a:pPr>
+            <a:r>
+              <a:rPr lang="en-US"/>
+              <a:t>여기에서 Software Engineer로서 하는 일은 크게</a:t>
+            </a:r>
+            <a:endParaRPr/>
+          </a:p>
+          <a:p>
+            <a:pPr indent="0" lvl="0" marL="0" rtl="0" algn="l">
+              <a:spcBef>
+                <a:spcPts val="0"/>
+              </a:spcBef>
+              <a:spcAft>
+                <a:spcPts val="0"/>
+              </a:spcAft>
+              <a:buNone/>
+            </a:pPr>
+            <a:r>
+              <a:rPr lang="en-US"/>
+              <a:t>CANDiY API라고 하는 동적 크롤링 API 서비스, AI Workflow를 만들거나 프롬프트 엔지니어링, 인퍼런스 서버 최적화를 하는 LLM 서비스, 해당 서비스 기반으로 웹앱을 개발하는 헬스케어 서비스로 나눌 수 있습니다.</a:t>
+            </a:r>
+            <a:endParaRPr/>
+          </a:p>
+          <a:p>
+            <a:pPr indent="0" lvl="0" marL="0" rtl="0" algn="l">
+              <a:spcBef>
+                <a:spcPts val="0"/>
+              </a:spcBef>
+              <a:spcAft>
+                <a:spcPts val="0"/>
+              </a:spcAft>
+              <a:buNone/>
+            </a:pPr>
+            <a:r>
+              <a:rPr lang="en-US"/>
+              <a:t>자사의 자원은 웹앱 서비스, API 서비스는 AWS Infra를 이용하고 LLM 서비스 부분은 온프레미스로 구축되어 운용되고 있습니다.</a:t>
+            </a:r>
+            <a:endParaRPr/>
+          </a:p>
+          <a:p>
+            <a:pPr indent="0" lvl="0" marL="0" rtl="0" algn="l">
+              <a:spcBef>
+                <a:spcPts val="0"/>
+              </a:spcBef>
+              <a:spcAft>
+                <a:spcPts val="0"/>
+              </a:spcAft>
+              <a:buNone/>
+            </a:pPr>
+            <a:r>
+              <a:t/>
+            </a:r>
+            <a:endParaRPr/>
+          </a:p>
+          <a:p>
+            <a:pPr indent="0" lvl="0" marL="0" rtl="0" algn="l">
+              <a:spcBef>
+                <a:spcPts val="0"/>
+              </a:spcBef>
+              <a:spcAft>
+                <a:spcPts val="0"/>
+              </a:spcAft>
+              <a:buClr>
+                <a:schemeClr val="dk1"/>
+              </a:buClr>
+              <a:buSzPts val="1100"/>
+              <a:buFont typeface="Arial"/>
+              <a:buNone/>
+            </a:pPr>
+            <a:r>
+              <a:rPr lang="en-US"/>
+              <a:t>지금 공유할 내용은 여기에서 동적 크롤링에서 발생한 트러블슈팅 사항입니다.</a:t>
+            </a:r>
+            <a:endParaRPr/>
+          </a:p>
+        </p:txBody>
+      </p:sp>
+      <p:sp>
+        <p:nvSpPr>
+          <p:cNvPr id="34" name="Google Shape;34;g3bbe688209e_0_25:notes"/>
+          <p:cNvSpPr txBox="1"/>
+          <p:nvPr>
+            <p:ph idx="12" type="sldNum"/>
+          </p:nvPr>
+        </p:nvSpPr>
+        <p:spPr>
+          <a:xfrm>
+            <a:off x="3884613" y="8685213"/>
+            <a:ext cx="2971800" cy="458700"/>
+          </a:xfrm>
+          <a:prstGeom prst="rect">
+            <a:avLst/>
+          </a:prstGeom>
+        </p:spPr>
+        <p:txBody>
+          <a:bodyPr anchorCtr="0" anchor="b" bIns="45700" lIns="91425" spcFirstLastPara="1" rIns="91425" wrap="square" tIns="45700">
+            <a:noAutofit/>
+          </a:bodyPr>
+          <a:lstStyle/>
+          <a:p>
+            <a:pPr indent="0" lvl="0" marL="0" rtl="0" algn="r">
+              <a:spcBef>
+                <a:spcPts val="0"/>
+              </a:spcBef>
+              <a:spcAft>
+                <a:spcPts val="0"/>
+              </a:spcAft>
+              <a:buClr>
+                <a:srgbClr val="000000"/>
+              </a:buClr>
+              <a:buSzPts val="1200"/>
+              <a:buFont typeface="Arial"/>
               <a:buNone/>
             </a:pPr>
             <a:fld id="{00000000-1234-1234-1234-123412341234}" type="slidenum">
@@ -3703,7 +4068,7 @@
   <p:cSld>
     <p:spTree>
       <p:nvGrpSpPr>
-        <p:cNvPr id="44" name="Shape 44"/>
+        <p:cNvPr id="38" name="Shape 38"/>
         <p:cNvGrpSpPr/>
         <p:nvPr/>
       </p:nvGrpSpPr>
@@ -3717,7 +4082,168 @@
       </p:grpSpPr>
       <p:sp>
         <p:nvSpPr>
-          <p:cNvPr id="45" name="Google Shape;45;g3bb3f331a3b_0_113:notes"/>
+          <p:cNvPr id="39" name="Google Shape;39;g3bdec654bb2_0_34:notes"/>
+          <p:cNvSpPr/>
+          <p:nvPr>
+            <p:ph idx="2" type="sldImg"/>
+          </p:nvPr>
+        </p:nvSpPr>
+        <p:spPr>
+          <a:xfrm>
+            <a:off x="685800" y="1143000"/>
+            <a:ext cx="5486400" cy="3086100"/>
+          </a:xfrm>
+          <a:custGeom>
+            <a:rect b="b" l="l" r="r" t="t"/>
+            <a:pathLst>
+              <a:path extrusionOk="0" h="120000" w="120000">
+                <a:moveTo>
+                  <a:pt x="0" y="0"/>
+                </a:moveTo>
+                <a:lnTo>
+                  <a:pt x="120000" y="0"/>
+                </a:lnTo>
+                <a:lnTo>
+                  <a:pt x="120000" y="120000"/>
+                </a:lnTo>
+                <a:lnTo>
+                  <a:pt x="0" y="120000"/>
+                </a:lnTo>
+                <a:close/>
+              </a:path>
+            </a:pathLst>
+          </a:custGeom>
+        </p:spPr>
+      </p:sp>
+      <p:sp>
+        <p:nvSpPr>
+          <p:cNvPr id="40" name="Google Shape;40;g3bdec654bb2_0_34:notes"/>
+          <p:cNvSpPr txBox="1"/>
+          <p:nvPr>
+            <p:ph idx="1" type="body"/>
+          </p:nvPr>
+        </p:nvSpPr>
+        <p:spPr>
+          <a:xfrm>
+            <a:off x="685800" y="4400550"/>
+            <a:ext cx="5486400" cy="3600600"/>
+          </a:xfrm>
+          <a:prstGeom prst="rect">
+            <a:avLst/>
+          </a:prstGeom>
+        </p:spPr>
+        <p:txBody>
+          <a:bodyPr anchorCtr="0" anchor="t" bIns="45700" lIns="91425" spcFirstLastPara="1" rIns="91425" wrap="square" tIns="45700">
+            <a:noAutofit/>
+          </a:bodyPr>
+          <a:lstStyle/>
+          <a:p>
+            <a:pPr indent="0" lvl="0" marL="0" rtl="0" algn="l">
+              <a:spcBef>
+                <a:spcPts val="0"/>
+              </a:spcBef>
+              <a:spcAft>
+                <a:spcPts val="0"/>
+              </a:spcAft>
+              <a:buNone/>
+            </a:pPr>
+            <a:r>
+              <a:rPr lang="en-US"/>
+              <a:t>문제 상황을 설명하면, 자사 서비스에서 고객사가 증가하면서 단일서버로 해당 부하를 감당할 수 없다는 조직적 판단이 있었습니다.</a:t>
+            </a:r>
+            <a:endParaRPr/>
+          </a:p>
+          <a:p>
+            <a:pPr indent="0" lvl="0" marL="0" rtl="0" algn="l">
+              <a:spcBef>
+                <a:spcPts val="0"/>
+              </a:spcBef>
+              <a:spcAft>
+                <a:spcPts val="0"/>
+              </a:spcAft>
+              <a:buNone/>
+            </a:pPr>
+            <a:r>
+              <a:rPr lang="en-US"/>
+              <a:t>그런데 일주일 이내 안정화가 필요했고, 서버는 필요에 따라 늘리거나 줄이는게 자유로워야 했습니다.</a:t>
+            </a:r>
+            <a:endParaRPr/>
+          </a:p>
+        </p:txBody>
+      </p:sp>
+      <p:sp>
+        <p:nvSpPr>
+          <p:cNvPr id="41" name="Google Shape;41;g3bdec654bb2_0_34:notes"/>
+          <p:cNvSpPr txBox="1"/>
+          <p:nvPr>
+            <p:ph idx="12" type="sldNum"/>
+          </p:nvPr>
+        </p:nvSpPr>
+        <p:spPr>
+          <a:xfrm>
+            <a:off x="3884613" y="8685213"/>
+            <a:ext cx="2971800" cy="458700"/>
+          </a:xfrm>
+          <a:prstGeom prst="rect">
+            <a:avLst/>
+          </a:prstGeom>
+        </p:spPr>
+        <p:txBody>
+          <a:bodyPr anchorCtr="0" anchor="b" bIns="45700" lIns="91425" spcFirstLastPara="1" rIns="91425" wrap="square" tIns="45700">
+            <a:noAutofit/>
+          </a:bodyPr>
+          <a:lstStyle/>
+          <a:p>
+            <a:pPr indent="0" lvl="0" marL="0" rtl="0" algn="r">
+              <a:spcBef>
+                <a:spcPts val="0"/>
+              </a:spcBef>
+              <a:spcAft>
+                <a:spcPts val="0"/>
+              </a:spcAft>
+              <a:buClr>
+                <a:srgbClr val="000000"/>
+              </a:buClr>
+              <a:buSzPts val="1200"/>
+              <a:buFont typeface="Arial"/>
+              <a:buNone/>
+            </a:pPr>
+            <a:fld id="{00000000-1234-1234-1234-123412341234}" type="slidenum">
+              <a:rPr lang="en-US"/>
+              <a:t>‹#›</a:t>
+            </a:fld>
+            <a:endParaRPr/>
+          </a:p>
+        </p:txBody>
+      </p:sp>
+    </p:spTree>
+  </p:cSld>
+  <p:clrMapOvr>
+    <a:masterClrMapping/>
+  </p:clrMapOvr>
+</p:notes>
+</file>
+
+<file path=ppt/notesSlides/notesSlide5.xml><?xml version="1.0" encoding="utf-8"?>
+<p:notes xmlns:a="http://schemas.openxmlformats.org/drawingml/2006/main" xmlns:r="http://schemas.openxmlformats.org/officeDocument/2006/relationships" xmlns:mc="http://schemas.openxmlformats.org/markup-compatibility/2006" xmlns:mv="urn:schemas-microsoft-com:mac:vml" xmlns:p="http://schemas.openxmlformats.org/presentationml/2006/main" xmlns:c="http://schemas.openxmlformats.org/drawingml/2006/chart" xmlns:dgm="http://schemas.openxmlformats.org/drawingml/2006/diagram" xmlns:o="urn:schemas-microsoft-com:office:office" xmlns:v="urn:schemas-microsoft-com:vml" xmlns:pvml="urn:schemas-microsoft-com:office:powerpoint" xmlns:com="http://schemas.openxmlformats.org/drawingml/2006/compatibility" xmlns:p14="http://schemas.microsoft.com/office/powerpoint/2010/main" xmlns:p15="http://schemas.microsoft.com/office/powerpoint/2012/main" xmlns:ahyp="http://schemas.microsoft.com/office/drawing/2018/hyperlinkcolor" showMasterPhAnim="0" showMasterSp="0">
+  <p:cSld>
+    <p:spTree>
+      <p:nvGrpSpPr>
+        <p:cNvPr id="49" name="Shape 49"/>
+        <p:cNvGrpSpPr/>
+        <p:nvPr/>
+      </p:nvGrpSpPr>
+      <p:grpSpPr>
+        <a:xfrm>
+          <a:off x="0" y="0"/>
+          <a:ext cx="0" cy="0"/>
+          <a:chOff x="0" y="0"/>
+          <a:chExt cx="0" cy="0"/>
+        </a:xfrm>
+      </p:grpSpPr>
+      <p:sp>
+        <p:nvSpPr>
+          <p:cNvPr id="50" name="Google Shape;50;p2:notes"/>
           <p:cNvSpPr/>
           <p:nvPr>
             <p:ph idx="2" type="sldImg"/>
@@ -3762,7 +4288,7 @@
       </p:sp>
       <p:sp>
         <p:nvSpPr>
-          <p:cNvPr id="46" name="Google Shape;46;g3bb3f331a3b_0_113:notes"/>
+          <p:cNvPr id="51" name="Google Shape;51;p2:notes"/>
           <p:cNvSpPr txBox="1"/>
           <p:nvPr>
             <p:ph idx="1" type="body"/>
@@ -3771,7 +4297,7 @@
         <p:spPr>
           <a:xfrm>
             <a:off x="685800" y="4400550"/>
-            <a:ext cx="5486400" cy="3600600"/>
+            <a:ext cx="5486400" cy="3600450"/>
           </a:xfrm>
           <a:prstGeom prst="rect">
             <a:avLst/>
@@ -3809,7 +4335,7 @@
       </p:sp>
       <p:sp>
         <p:nvSpPr>
-          <p:cNvPr id="47" name="Google Shape;47;g3bb3f331a3b_0_113:notes"/>
+          <p:cNvPr id="52" name="Google Shape;52;p2:notes"/>
           <p:cNvSpPr txBox="1"/>
           <p:nvPr>
             <p:ph idx="12" type="sldNum"/>
@@ -3818,7 +4344,7 @@
         <p:spPr>
           <a:xfrm>
             <a:off x="3884613" y="8685213"/>
-            <a:ext cx="2971800" cy="458700"/>
+            <a:ext cx="2971800" cy="458787"/>
           </a:xfrm>
           <a:prstGeom prst="rect">
             <a:avLst/>
@@ -3844,11 +4370,7 @@
               <a:spcAft>
                 <a:spcPts val="0"/>
               </a:spcAft>
-              <a:buClr>
-                <a:srgbClr val="000000"/>
-              </a:buClr>
               <a:buSzPts val="1400"/>
-              <a:buFont typeface="Arial"/>
               <a:buNone/>
             </a:pPr>
             <a:fld id="{00000000-1234-1234-1234-123412341234}" type="slidenum">
@@ -3867,12 +4389,12 @@
 </p:notes>
 </file>
 
-<file path=ppt/notesSlides/notesSlide5.xml><?xml version="1.0" encoding="utf-8"?>
+<file path=ppt/notesSlides/notesSlide6.xml><?xml version="1.0" encoding="utf-8"?>
 <p:notes xmlns:a="http://schemas.openxmlformats.org/drawingml/2006/main" xmlns:r="http://schemas.openxmlformats.org/officeDocument/2006/relationships" xmlns:mc="http://schemas.openxmlformats.org/markup-compatibility/2006" xmlns:mv="urn:schemas-microsoft-com:mac:vml" xmlns:p="http://schemas.openxmlformats.org/presentationml/2006/main" xmlns:c="http://schemas.openxmlformats.org/drawingml/2006/chart" xmlns:dgm="http://schemas.openxmlformats.org/drawingml/2006/diagram" xmlns:o="urn:schemas-microsoft-com:office:office" xmlns:v="urn:schemas-microsoft-com:vml" xmlns:pvml="urn:schemas-microsoft-com:office:powerpoint" xmlns:com="http://schemas.openxmlformats.org/drawingml/2006/compatibility" xmlns:p14="http://schemas.microsoft.com/office/powerpoint/2010/main" xmlns:p15="http://schemas.microsoft.com/office/powerpoint/2012/main" xmlns:ahyp="http://schemas.microsoft.com/office/drawing/2018/hyperlinkcolor" showMasterPhAnim="0" showMasterSp="0">
   <p:cSld>
     <p:spTree>
       <p:nvGrpSpPr>
-        <p:cNvPr id="50" name="Shape 50"/>
+        <p:cNvPr id="57" name="Shape 57"/>
         <p:cNvGrpSpPr/>
         <p:nvPr/>
       </p:nvGrpSpPr>
@@ -3886,7 +4408,7 @@
       </p:grpSpPr>
       <p:sp>
         <p:nvSpPr>
-          <p:cNvPr id="51" name="Google Shape;51;g3bb3f331a3b_0_211:notes"/>
+          <p:cNvPr id="58" name="Google Shape;58;g3bb3f331a3b_0_113:notes"/>
           <p:cNvSpPr/>
           <p:nvPr>
             <p:ph idx="2" type="sldImg"/>
@@ -3931,7 +4453,7 @@
       </p:sp>
       <p:sp>
         <p:nvSpPr>
-          <p:cNvPr id="52" name="Google Shape;52;g3bb3f331a3b_0_211:notes"/>
+          <p:cNvPr id="59" name="Google Shape;59;g3bb3f331a3b_0_113:notes"/>
           <p:cNvSpPr txBox="1"/>
           <p:nvPr>
             <p:ph idx="1" type="body"/>
@@ -3978,7 +4500,7 @@
       </p:sp>
       <p:sp>
         <p:nvSpPr>
-          <p:cNvPr id="53" name="Google Shape;53;g3bb3f331a3b_0_211:notes"/>
+          <p:cNvPr id="60" name="Google Shape;60;g3bb3f331a3b_0_113:notes"/>
           <p:cNvSpPr txBox="1"/>
           <p:nvPr>
             <p:ph idx="12" type="sldNum"/>
@@ -4013,7 +4535,11 @@
               <a:spcAft>
                 <a:spcPts val="0"/>
               </a:spcAft>
+              <a:buClr>
+                <a:srgbClr val="000000"/>
+              </a:buClr>
               <a:buSzPts val="1400"/>
+              <a:buFont typeface="Arial"/>
               <a:buNone/>
             </a:pPr>
             <a:fld id="{00000000-1234-1234-1234-123412341234}" type="slidenum">
@@ -4032,12 +4558,12 @@
 </p:notes>
 </file>
 
-<file path=ppt/notesSlides/notesSlide6.xml><?xml version="1.0" encoding="utf-8"?>
+<file path=ppt/notesSlides/notesSlide7.xml><?xml version="1.0" encoding="utf-8"?>
 <p:notes xmlns:a="http://schemas.openxmlformats.org/drawingml/2006/main" xmlns:r="http://schemas.openxmlformats.org/officeDocument/2006/relationships" xmlns:mc="http://schemas.openxmlformats.org/markup-compatibility/2006" xmlns:mv="urn:schemas-microsoft-com:mac:vml" xmlns:p="http://schemas.openxmlformats.org/presentationml/2006/main" xmlns:c="http://schemas.openxmlformats.org/drawingml/2006/chart" xmlns:dgm="http://schemas.openxmlformats.org/drawingml/2006/diagram" xmlns:o="urn:schemas-microsoft-com:office:office" xmlns:v="urn:schemas-microsoft-com:vml" xmlns:pvml="urn:schemas-microsoft-com:office:powerpoint" xmlns:com="http://schemas.openxmlformats.org/drawingml/2006/compatibility" xmlns:p14="http://schemas.microsoft.com/office/powerpoint/2010/main" xmlns:p15="http://schemas.microsoft.com/office/powerpoint/2012/main" xmlns:ahyp="http://schemas.microsoft.com/office/drawing/2018/hyperlinkcolor" showMasterPhAnim="0" showMasterSp="0">
   <p:cSld>
     <p:spTree>
       <p:nvGrpSpPr>
-        <p:cNvPr id="56" name="Shape 56"/>
+        <p:cNvPr id="63" name="Shape 63"/>
         <p:cNvGrpSpPr/>
         <p:nvPr/>
       </p:nvGrpSpPr>
@@ -4051,7 +4577,7 @@
       </p:grpSpPr>
       <p:sp>
         <p:nvSpPr>
-          <p:cNvPr id="57" name="Google Shape;57;p3:notes"/>
+          <p:cNvPr id="64" name="Google Shape;64;p3:notes"/>
           <p:cNvSpPr/>
           <p:nvPr>
             <p:ph idx="2" type="sldImg"/>
@@ -4096,7 +4622,7 @@
       </p:sp>
       <p:sp>
         <p:nvSpPr>
-          <p:cNvPr id="58" name="Google Shape;58;p3:notes"/>
+          <p:cNvPr id="65" name="Google Shape;65;p3:notes"/>
           <p:cNvSpPr txBox="1"/>
           <p:nvPr>
             <p:ph idx="1" type="body"/>
@@ -4143,7 +4669,7 @@
       </p:sp>
       <p:sp>
         <p:nvSpPr>
-          <p:cNvPr id="59" name="Google Shape;59;p3:notes"/>
+          <p:cNvPr id="66" name="Google Shape;66;p3:notes"/>
           <p:cNvSpPr txBox="1"/>
           <p:nvPr>
             <p:ph idx="12" type="sldNum"/>
@@ -4197,12 +4723,12 @@
 </p:notes>
 </file>
 
-<file path=ppt/notesSlides/notesSlide7.xml><?xml version="1.0" encoding="utf-8"?>
+<file path=ppt/notesSlides/notesSlide8.xml><?xml version="1.0" encoding="utf-8"?>
 <p:notes xmlns:a="http://schemas.openxmlformats.org/drawingml/2006/main" xmlns:r="http://schemas.openxmlformats.org/officeDocument/2006/relationships" xmlns:mc="http://schemas.openxmlformats.org/markup-compatibility/2006" xmlns:mv="urn:schemas-microsoft-com:mac:vml" xmlns:p="http://schemas.openxmlformats.org/presentationml/2006/main" xmlns:c="http://schemas.openxmlformats.org/drawingml/2006/chart" xmlns:dgm="http://schemas.openxmlformats.org/drawingml/2006/diagram" xmlns:o="urn:schemas-microsoft-com:office:office" xmlns:v="urn:schemas-microsoft-com:vml" xmlns:pvml="urn:schemas-microsoft-com:office:powerpoint" xmlns:com="http://schemas.openxmlformats.org/drawingml/2006/compatibility" xmlns:p14="http://schemas.microsoft.com/office/powerpoint/2010/main" xmlns:p15="http://schemas.microsoft.com/office/powerpoint/2012/main" xmlns:ahyp="http://schemas.microsoft.com/office/drawing/2018/hyperlinkcolor" showMasterPhAnim="0" showMasterSp="0">
   <p:cSld>
     <p:spTree>
       <p:nvGrpSpPr>
-        <p:cNvPr id="69" name="Shape 69"/>
+        <p:cNvPr id="79" name="Shape 79"/>
         <p:cNvGrpSpPr/>
         <p:nvPr/>
       </p:nvGrpSpPr>
@@ -4216,7 +4742,7 @@
       </p:grpSpPr>
       <p:sp>
         <p:nvSpPr>
-          <p:cNvPr id="70" name="Google Shape;70;g3bb3f331a3b_0_169:notes"/>
+          <p:cNvPr id="80" name="Google Shape;80;g3bb3f331a3b_0_169:notes"/>
           <p:cNvSpPr/>
           <p:nvPr>
             <p:ph idx="2" type="sldImg"/>
@@ -4261,7 +4787,7 @@
       </p:sp>
       <p:sp>
         <p:nvSpPr>
-          <p:cNvPr id="71" name="Google Shape;71;g3bb3f331a3b_0_169:notes"/>
+          <p:cNvPr id="81" name="Google Shape;81;g3bb3f331a3b_0_169:notes"/>
           <p:cNvSpPr txBox="1"/>
           <p:nvPr>
             <p:ph idx="1" type="body"/>
@@ -4308,7 +4834,7 @@
       </p:sp>
       <p:sp>
         <p:nvSpPr>
-          <p:cNvPr id="72" name="Google Shape;72;g3bb3f331a3b_0_169:notes"/>
+          <p:cNvPr id="82" name="Google Shape;82;g3bb3f331a3b_0_169:notes"/>
           <p:cNvSpPr txBox="1"/>
           <p:nvPr>
             <p:ph idx="12" type="sldNum"/>
@@ -4366,12 +4892,12 @@
 </p:notes>
 </file>
 
-<file path=ppt/notesSlides/notesSlide8.xml><?xml version="1.0" encoding="utf-8"?>
+<file path=ppt/notesSlides/notesSlide9.xml><?xml version="1.0" encoding="utf-8"?>
 <p:notes xmlns:a="http://schemas.openxmlformats.org/drawingml/2006/main" xmlns:r="http://schemas.openxmlformats.org/officeDocument/2006/relationships" xmlns:mc="http://schemas.openxmlformats.org/markup-compatibility/2006" xmlns:mv="urn:schemas-microsoft-com:mac:vml" xmlns:p="http://schemas.openxmlformats.org/presentationml/2006/main" xmlns:c="http://schemas.openxmlformats.org/drawingml/2006/chart" xmlns:dgm="http://schemas.openxmlformats.org/drawingml/2006/diagram" xmlns:o="urn:schemas-microsoft-com:office:office" xmlns:v="urn:schemas-microsoft-com:vml" xmlns:pvml="urn:schemas-microsoft-com:office:powerpoint" xmlns:com="http://schemas.openxmlformats.org/drawingml/2006/compatibility" xmlns:p14="http://schemas.microsoft.com/office/powerpoint/2010/main" xmlns:p15="http://schemas.microsoft.com/office/powerpoint/2012/main" xmlns:ahyp="http://schemas.microsoft.com/office/drawing/2018/hyperlinkcolor" showMasterPhAnim="0" showMasterSp="0">
   <p:cSld>
     <p:spTree>
       <p:nvGrpSpPr>
-        <p:cNvPr id="76" name="Shape 76"/>
+        <p:cNvPr id="86" name="Shape 86"/>
         <p:cNvGrpSpPr/>
         <p:nvPr/>
       </p:nvGrpSpPr>
@@ -4385,7 +4911,7 @@
       </p:grpSpPr>
       <p:sp>
         <p:nvSpPr>
-          <p:cNvPr id="77" name="Google Shape;77;g3bb3f331a3b_0_59:notes"/>
+          <p:cNvPr id="87" name="Google Shape;87;g3bb3f331a3b_0_59:notes"/>
           <p:cNvSpPr/>
           <p:nvPr>
             <p:ph idx="2" type="sldImg"/>
@@ -4430,7 +4956,7 @@
       </p:sp>
       <p:sp>
         <p:nvSpPr>
-          <p:cNvPr id="78" name="Google Shape;78;g3bb3f331a3b_0_59:notes"/>
+          <p:cNvPr id="88" name="Google Shape;88;g3bb3f331a3b_0_59:notes"/>
           <p:cNvSpPr txBox="1"/>
           <p:nvPr>
             <p:ph idx="1" type="body"/>
@@ -4471,175 +4997,6 @@
             <a:r>
               <a:t/>
             </a:r>
-            <a:endParaRPr/>
-          </a:p>
-        </p:txBody>
-      </p:sp>
-    </p:spTree>
-  </p:cSld>
-  <p:clrMapOvr>
-    <a:masterClrMapping/>
-  </p:clrMapOvr>
-</p:notes>
-</file>
-
-<file path=ppt/notesSlides/notesSlide9.xml><?xml version="1.0" encoding="utf-8"?>
-<p:notes xmlns:a="http://schemas.openxmlformats.org/drawingml/2006/main" xmlns:r="http://schemas.openxmlformats.org/officeDocument/2006/relationships" xmlns:mc="http://schemas.openxmlformats.org/markup-compatibility/2006" xmlns:mv="urn:schemas-microsoft-com:mac:vml" xmlns:p="http://schemas.openxmlformats.org/presentationml/2006/main" xmlns:c="http://schemas.openxmlformats.org/drawingml/2006/chart" xmlns:dgm="http://schemas.openxmlformats.org/drawingml/2006/diagram" xmlns:o="urn:schemas-microsoft-com:office:office" xmlns:v="urn:schemas-microsoft-com:vml" xmlns:pvml="urn:schemas-microsoft-com:office:powerpoint" xmlns:com="http://schemas.openxmlformats.org/drawingml/2006/compatibility" xmlns:p14="http://schemas.microsoft.com/office/powerpoint/2010/main" xmlns:p15="http://schemas.microsoft.com/office/powerpoint/2012/main" xmlns:ahyp="http://schemas.microsoft.com/office/drawing/2018/hyperlinkcolor" showMasterPhAnim="0" showMasterSp="0">
-  <p:cSld>
-    <p:spTree>
-      <p:nvGrpSpPr>
-        <p:cNvPr id="83" name="Shape 83"/>
-        <p:cNvGrpSpPr/>
-        <p:nvPr/>
-      </p:nvGrpSpPr>
-      <p:grpSpPr>
-        <a:xfrm>
-          <a:off x="0" y="0"/>
-          <a:ext cx="0" cy="0"/>
-          <a:chOff x="0" y="0"/>
-          <a:chExt cx="0" cy="0"/>
-        </a:xfrm>
-      </p:grpSpPr>
-      <p:sp>
-        <p:nvSpPr>
-          <p:cNvPr id="84" name="Google Shape;84;g3bb3f331a3b_0_144:notes"/>
-          <p:cNvSpPr/>
-          <p:nvPr>
-            <p:ph idx="2" type="sldImg"/>
-          </p:nvPr>
-        </p:nvSpPr>
-        <p:spPr>
-          <a:xfrm>
-            <a:off x="685800" y="1143000"/>
-            <a:ext cx="5486400" cy="3086100"/>
-          </a:xfrm>
-          <a:custGeom>
-            <a:rect b="b" l="l" r="r" t="t"/>
-            <a:pathLst>
-              <a:path extrusionOk="0" h="120000" w="120000">
-                <a:moveTo>
-                  <a:pt x="0" y="0"/>
-                </a:moveTo>
-                <a:lnTo>
-                  <a:pt x="120000" y="0"/>
-                </a:lnTo>
-                <a:lnTo>
-                  <a:pt x="120000" y="120000"/>
-                </a:lnTo>
-                <a:lnTo>
-                  <a:pt x="0" y="120000"/>
-                </a:lnTo>
-                <a:close/>
-              </a:path>
-            </a:pathLst>
-          </a:custGeom>
-          <a:noFill/>
-          <a:ln cap="flat" cmpd="sng" w="12700">
-            <a:solidFill>
-              <a:srgbClr val="000000"/>
-            </a:solidFill>
-            <a:prstDash val="solid"/>
-            <a:round/>
-            <a:headEnd len="sm" w="sm" type="none"/>
-            <a:tailEnd len="sm" w="sm" type="none"/>
-          </a:ln>
-        </p:spPr>
-      </p:sp>
-      <p:sp>
-        <p:nvSpPr>
-          <p:cNvPr id="85" name="Google Shape;85;g3bb3f331a3b_0_144:notes"/>
-          <p:cNvSpPr txBox="1"/>
-          <p:nvPr>
-            <p:ph idx="1" type="body"/>
-          </p:nvPr>
-        </p:nvSpPr>
-        <p:spPr>
-          <a:xfrm>
-            <a:off x="685800" y="4400550"/>
-            <a:ext cx="5486400" cy="3600600"/>
-          </a:xfrm>
-          <a:prstGeom prst="rect">
-            <a:avLst/>
-          </a:prstGeom>
-          <a:noFill/>
-          <a:ln>
-            <a:noFill/>
-          </a:ln>
-        </p:spPr>
-        <p:txBody>
-          <a:bodyPr anchorCtr="0" anchor="t" bIns="45700" lIns="91425" spcFirstLastPara="1" rIns="91425" wrap="square" tIns="45700">
-            <a:noAutofit/>
-          </a:bodyPr>
-          <a:lstStyle/>
-          <a:p>
-            <a:pPr indent="0" lvl="0" marL="0" rtl="0" algn="l">
-              <a:lnSpc>
-                <a:spcPct val="100000"/>
-              </a:lnSpc>
-              <a:spcBef>
-                <a:spcPts val="0"/>
-              </a:spcBef>
-              <a:spcAft>
-                <a:spcPts val="0"/>
-              </a:spcAft>
-              <a:buSzPts val="1400"/>
-              <a:buNone/>
-            </a:pPr>
-            <a:r>
-              <a:t/>
-            </a:r>
-            <a:endParaRPr/>
-          </a:p>
-        </p:txBody>
-      </p:sp>
-      <p:sp>
-        <p:nvSpPr>
-          <p:cNvPr id="86" name="Google Shape;86;g3bb3f331a3b_0_144:notes"/>
-          <p:cNvSpPr txBox="1"/>
-          <p:nvPr>
-            <p:ph idx="12" type="sldNum"/>
-          </p:nvPr>
-        </p:nvSpPr>
-        <p:spPr>
-          <a:xfrm>
-            <a:off x="3884613" y="8685213"/>
-            <a:ext cx="2971800" cy="458700"/>
-          </a:xfrm>
-          <a:prstGeom prst="rect">
-            <a:avLst/>
-          </a:prstGeom>
-          <a:noFill/>
-          <a:ln>
-            <a:noFill/>
-          </a:ln>
-        </p:spPr>
-        <p:txBody>
-          <a:bodyPr anchorCtr="0" anchor="b" bIns="45700" lIns="91425" spcFirstLastPara="1" rIns="91425" wrap="square" tIns="45700">
-            <a:noAutofit/>
-          </a:bodyPr>
-          <a:lstStyle/>
-          <a:p>
-            <a:pPr indent="0" lvl="0" marL="0" rtl="0" algn="r">
-              <a:lnSpc>
-                <a:spcPct val="100000"/>
-              </a:lnSpc>
-              <a:spcBef>
-                <a:spcPts val="0"/>
-              </a:spcBef>
-              <a:spcAft>
-                <a:spcPts val="0"/>
-              </a:spcAft>
-              <a:buClr>
-                <a:srgbClr val="000000"/>
-              </a:buClr>
-              <a:buSzPts val="1400"/>
-              <a:buFont typeface="Arial"/>
-              <a:buNone/>
-            </a:pPr>
-            <a:fld id="{00000000-1234-1234-1234-123412341234}" type="slidenum">
-              <a:rPr lang="en-US"/>
-              <a:t>‹#›</a:t>
-            </a:fld>
             <a:endParaRPr/>
           </a:p>
         </p:txBody>
@@ -6558,6 +6915,18 @@
               <a:buNone/>
             </a:pPr>
             <a:r>
+              <a:rPr lang="en-US" sz="975">
+                <a:solidFill>
+                  <a:srgbClr val="71767B"/>
+                </a:solidFill>
+                <a:latin typeface="Quattrocento Sans"/>
+                <a:ea typeface="Quattrocento Sans"/>
+                <a:cs typeface="Quattrocento Sans"/>
+                <a:sym typeface="Quattrocento Sans"/>
+              </a:rPr>
+              <a:t>이국준 </a:t>
+            </a:r>
+            <a:r>
               <a:rPr b="0" i="0" lang="en-US" sz="975" u="none" cap="none" strike="noStrike">
                 <a:solidFill>
                   <a:srgbClr val="71767B"/>
@@ -6567,7 +6936,31 @@
                 <a:cs typeface="Quattrocento Sans"/>
                 <a:sym typeface="Quattrocento Sans"/>
               </a:rPr>
-              <a:t>Backend Engineer · Sakak</a:t>
+              <a:t>Backend Engineer</a:t>
+            </a:r>
+            <a:r>
+              <a:rPr lang="en-US" sz="975">
+                <a:solidFill>
+                  <a:srgbClr val="71767B"/>
+                </a:solidFill>
+                <a:latin typeface="Quattrocento Sans"/>
+                <a:ea typeface="Quattrocento Sans"/>
+                <a:cs typeface="Quattrocento Sans"/>
+                <a:sym typeface="Quattrocento Sans"/>
+              </a:rPr>
+              <a:t> </a:t>
+            </a:r>
+            <a:r>
+              <a:rPr b="0" i="0" lang="en-US" sz="975" u="none" cap="none" strike="noStrike">
+                <a:solidFill>
+                  <a:srgbClr val="71767B"/>
+                </a:solidFill>
+                <a:latin typeface="Quattrocento Sans"/>
+                <a:ea typeface="Quattrocento Sans"/>
+                <a:cs typeface="Quattrocento Sans"/>
+                <a:sym typeface="Quattrocento Sans"/>
+              </a:rPr>
+              <a:t>· Sakak</a:t>
             </a:r>
             <a:endParaRPr b="0" i="0" sz="975" u="none" cap="none" strike="noStrike">
               <a:solidFill>
@@ -6594,7 +6987,7 @@
   <p:cSld>
     <p:spTree>
       <p:nvGrpSpPr>
-        <p:cNvPr id="96" name="Shape 96"/>
+        <p:cNvPr id="97" name="Shape 97"/>
         <p:cNvGrpSpPr/>
         <p:nvPr/>
       </p:nvGrpSpPr>
@@ -6608,32 +7001,32 @@
       </p:grpSpPr>
       <p:sp>
         <p:nvSpPr>
-          <p:cNvPr id="97" name="Google Shape;97;p4"/>
-          <p:cNvSpPr/>
-          <p:nvPr/>
+          <p:cNvPr id="98" name="Google Shape;98;g3bb3f331a3b_0_144"/>
+          <p:cNvSpPr txBox="1"/>
+          <p:nvPr>
+            <p:ph idx="1" type="body"/>
+          </p:nvPr>
         </p:nvSpPr>
         <p:spPr>
           <a:xfrm>
-            <a:off x="0" y="0"/>
-            <a:ext cx="57150" cy="5143500"/>
+            <a:off x="311700" y="1152475"/>
+            <a:ext cx="8520600" cy="3416400"/>
           </a:xfrm>
           <a:prstGeom prst="rect">
             <a:avLst/>
           </a:prstGeom>
-          <a:solidFill>
-            <a:srgbClr val="EF4444"/>
-          </a:solidFill>
+          <a:noFill/>
           <a:ln>
             <a:noFill/>
           </a:ln>
         </p:spPr>
         <p:txBody>
-          <a:bodyPr anchorCtr="0" anchor="ctr" bIns="45700" lIns="91425" spcFirstLastPara="1" rIns="91425" wrap="square" tIns="45700">
+          <a:bodyPr anchorCtr="0" anchor="ctr" bIns="91425" lIns="91425" spcFirstLastPara="1" rIns="91425" wrap="square" tIns="91425">
             <a:noAutofit/>
           </a:bodyPr>
           <a:lstStyle/>
           <a:p>
-            <a:pPr indent="0" lvl="0" marL="0" marR="0" rtl="0" algn="l">
+            <a:pPr indent="0" lvl="0" marL="0" rtl="0" algn="l">
               <a:lnSpc>
                 <a:spcPct val="100000"/>
               </a:lnSpc>
@@ -6643,37 +7036,198 @@
               <a:spcAft>
                 <a:spcPts val="0"/>
               </a:spcAft>
-              <a:buClr>
-                <a:schemeClr val="dk1"/>
-              </a:buClr>
-              <a:buSzPts val="1800"/>
-              <a:buFont typeface="Calibri"/>
+              <a:buSzPts val="1400"/>
               <a:buNone/>
             </a:pPr>
             <a:r>
               <a:t/>
             </a:r>
-            <a:endParaRPr b="0" i="0" sz="1800" u="none" cap="none" strike="noStrike">
+            <a:endParaRPr/>
+          </a:p>
+        </p:txBody>
+      </p:sp>
+      <p:pic>
+        <p:nvPicPr>
+          <p:cNvPr id="99" name="Google Shape;99;g3bb3f331a3b_0_144"/>
+          <p:cNvPicPr preferRelativeResize="0"/>
+          <p:nvPr/>
+        </p:nvPicPr>
+        <p:blipFill rotWithShape="1">
+          <a:blip r:embed="rId3">
+            <a:alphaModFix/>
+          </a:blip>
+          <a:srcRect b="0" l="0" r="0" t="0"/>
+          <a:stretch/>
+        </p:blipFill>
+        <p:spPr>
+          <a:xfrm>
+            <a:off x="171350" y="1368150"/>
+            <a:ext cx="5684024" cy="2985074"/>
+          </a:xfrm>
+          <a:prstGeom prst="rect">
+            <a:avLst/>
+          </a:prstGeom>
+          <a:noFill/>
+          <a:ln>
+            <a:noFill/>
+          </a:ln>
+        </p:spPr>
+      </p:pic>
+      <p:pic>
+        <p:nvPicPr>
+          <p:cNvPr id="100" name="Google Shape;100;g3bb3f331a3b_0_144"/>
+          <p:cNvPicPr preferRelativeResize="0"/>
+          <p:nvPr/>
+        </p:nvPicPr>
+        <p:blipFill rotWithShape="1">
+          <a:blip r:embed="rId4">
+            <a:alphaModFix/>
+          </a:blip>
+          <a:srcRect b="0" l="0" r="0" t="0"/>
+          <a:stretch/>
+        </p:blipFill>
+        <p:spPr>
+          <a:xfrm>
+            <a:off x="5516675" y="1048959"/>
+            <a:ext cx="3315626" cy="3623475"/>
+          </a:xfrm>
+          <a:prstGeom prst="rect">
+            <a:avLst/>
+          </a:prstGeom>
+          <a:noFill/>
+          <a:ln>
+            <a:noFill/>
+          </a:ln>
+        </p:spPr>
+      </p:pic>
+      <p:sp>
+        <p:nvSpPr>
+          <p:cNvPr id="101" name="Google Shape;101;g3bb3f331a3b_0_144"/>
+          <p:cNvSpPr txBox="1"/>
+          <p:nvPr/>
+        </p:nvSpPr>
+        <p:spPr>
+          <a:xfrm>
+            <a:off x="461200" y="409300"/>
+            <a:ext cx="3000000" cy="431100"/>
+          </a:xfrm>
+          <a:prstGeom prst="rect">
+            <a:avLst/>
+          </a:prstGeom>
+          <a:noFill/>
+          <a:ln>
+            <a:noFill/>
+          </a:ln>
+        </p:spPr>
+        <p:txBody>
+          <a:bodyPr anchorCtr="0" anchor="t" bIns="91425" lIns="91425" spcFirstLastPara="1" rIns="91425" wrap="square" tIns="91425">
+            <a:spAutoFit/>
+          </a:bodyPr>
+          <a:lstStyle/>
+          <a:p>
+            <a:pPr indent="0" lvl="0" marL="0" marR="0" rtl="0" algn="l">
+              <a:lnSpc>
+                <a:spcPct val="100000"/>
+              </a:lnSpc>
+              <a:spcBef>
+                <a:spcPts val="0"/>
+              </a:spcBef>
+              <a:spcAft>
+                <a:spcPts val="0"/>
+              </a:spcAft>
+              <a:buClr>
+                <a:srgbClr val="000000"/>
+              </a:buClr>
+              <a:buSzPts val="1600"/>
+              <a:buFont typeface="Arial"/>
+              <a:buNone/>
+            </a:pPr>
+            <a:r>
+              <a:rPr b="1" i="0" lang="en-US" sz="1600" u="none" cap="none" strike="noStrike">
+                <a:solidFill>
+                  <a:srgbClr val="E7E9EA"/>
+                </a:solidFill>
+                <a:latin typeface="Quattrocento Sans"/>
+                <a:ea typeface="Quattrocento Sans"/>
+                <a:cs typeface="Quattrocento Sans"/>
+                <a:sym typeface="Quattrocento Sans"/>
+              </a:rPr>
+              <a:t>2차 요청 흐름</a:t>
+            </a:r>
+            <a:endParaRPr b="1" i="0" sz="1600" u="none" cap="none" strike="noStrike">
               <a:solidFill>
-                <a:schemeClr val="dk1"/>
+                <a:srgbClr val="E7E9EA"/>
               </a:solidFill>
-              <a:latin typeface="Calibri"/>
-              <a:ea typeface="Calibri"/>
-              <a:cs typeface="Calibri"/>
-              <a:sym typeface="Calibri"/>
+              <a:latin typeface="Quattrocento Sans"/>
+              <a:ea typeface="Quattrocento Sans"/>
+              <a:cs typeface="Quattrocento Sans"/>
+              <a:sym typeface="Quattrocento Sans"/>
             </a:endParaRPr>
           </a:p>
         </p:txBody>
       </p:sp>
+    </p:spTree>
+  </p:cSld>
+  <p:clrMapOvr>
+    <a:masterClrMapping/>
+  </p:clrMapOvr>
+</p:sld>
+</file>
+
+<file path=ppt/slides/slide11.xml><?xml version="1.0" encoding="utf-8"?>
+<p:sld xmlns:a="http://schemas.openxmlformats.org/drawingml/2006/main" xmlns:r="http://schemas.openxmlformats.org/officeDocument/2006/relationships" xmlns:mc="http://schemas.openxmlformats.org/markup-compatibility/2006" xmlns:mv="urn:schemas-microsoft-com:mac:vml" xmlns:p="http://schemas.openxmlformats.org/presentationml/2006/main" xmlns:c="http://schemas.openxmlformats.org/drawingml/2006/chart" xmlns:dgm="http://schemas.openxmlformats.org/drawingml/2006/diagram" xmlns:o="urn:schemas-microsoft-com:office:office" xmlns:v="urn:schemas-microsoft-com:vml" xmlns:pvml="urn:schemas-microsoft-com:office:powerpoint" xmlns:com="http://schemas.openxmlformats.org/drawingml/2006/compatibility" xmlns:p14="http://schemas.microsoft.com/office/powerpoint/2010/main" xmlns:p15="http://schemas.microsoft.com/office/powerpoint/2012/main" xmlns:ahyp="http://schemas.microsoft.com/office/drawing/2018/hyperlinkcolor">
+  <p:cSld>
+    <p:spTree>
+      <p:nvGrpSpPr>
+        <p:cNvPr id="106" name="Shape 106"/>
+        <p:cNvGrpSpPr/>
+        <p:nvPr/>
+      </p:nvGrpSpPr>
+      <p:grpSpPr>
+        <a:xfrm>
+          <a:off x="0" y="0"/>
+          <a:ext cx="0" cy="0"/>
+          <a:chOff x="0" y="0"/>
+          <a:chExt cx="0" cy="0"/>
+        </a:xfrm>
+      </p:grpSpPr>
+      <p:pic>
+        <p:nvPicPr>
+          <p:cNvPr id="107" name="Google Shape;107;g3bb3f331a3b_0_211"/>
+          <p:cNvPicPr preferRelativeResize="0"/>
+          <p:nvPr/>
+        </p:nvPicPr>
+        <p:blipFill>
+          <a:blip r:embed="rId3">
+            <a:alphaModFix/>
+          </a:blip>
+          <a:stretch>
+            <a:fillRect/>
+          </a:stretch>
+        </p:blipFill>
+        <p:spPr>
+          <a:xfrm>
+            <a:off x="693563" y="585188"/>
+            <a:ext cx="7756877" cy="3973124"/>
+          </a:xfrm>
+          <a:prstGeom prst="rect">
+            <a:avLst/>
+          </a:prstGeom>
+          <a:noFill/>
+          <a:ln>
+            <a:noFill/>
+          </a:ln>
+        </p:spPr>
+      </p:pic>
       <p:sp>
         <p:nvSpPr>
-          <p:cNvPr id="98" name="Google Shape;98;p4"/>
+          <p:cNvPr id="108" name="Google Shape;108;g3bb3f331a3b_0_211"/>
           <p:cNvSpPr/>
           <p:nvPr/>
         </p:nvSpPr>
         <p:spPr>
           <a:xfrm>
-            <a:off x="381000" y="571500"/>
+            <a:off x="441975" y="585200"/>
             <a:ext cx="6887700" cy="342900"/>
           </a:xfrm>
           <a:prstGeom prst="rect">
@@ -6767,34 +7321,6 @@
           </a:p>
         </p:txBody>
       </p:sp>
-      <p:pic>
-        <p:nvPicPr>
-          <p:cNvPr id="99" name="Google Shape;99;p4"/>
-          <p:cNvPicPr preferRelativeResize="0"/>
-          <p:nvPr/>
-        </p:nvPicPr>
-        <p:blipFill>
-          <a:blip r:embed="rId3">
-            <a:alphaModFix/>
-          </a:blip>
-          <a:stretch>
-            <a:fillRect/>
-          </a:stretch>
-        </p:blipFill>
-        <p:spPr>
-          <a:xfrm>
-            <a:off x="1847600" y="1066800"/>
-            <a:ext cx="5448791" cy="3924300"/>
-          </a:xfrm>
-          <a:prstGeom prst="rect">
-            <a:avLst/>
-          </a:prstGeom>
-          <a:noFill/>
-          <a:ln>
-            <a:noFill/>
-          </a:ln>
-        </p:spPr>
-      </p:pic>
     </p:spTree>
   </p:cSld>
   <p:clrMapOvr>
@@ -6803,12 +7329,12 @@
 </p:sld>
 </file>
 
-<file path=ppt/slides/slide11.xml><?xml version="1.0" encoding="utf-8"?>
+<file path=ppt/slides/slide12.xml><?xml version="1.0" encoding="utf-8"?>
 <p:sld xmlns:a="http://schemas.openxmlformats.org/drawingml/2006/main" xmlns:r="http://schemas.openxmlformats.org/officeDocument/2006/relationships" xmlns:mc="http://schemas.openxmlformats.org/markup-compatibility/2006" xmlns:mv="urn:schemas-microsoft-com:mac:vml" xmlns:p="http://schemas.openxmlformats.org/presentationml/2006/main" xmlns:c="http://schemas.openxmlformats.org/drawingml/2006/chart" xmlns:dgm="http://schemas.openxmlformats.org/drawingml/2006/diagram" xmlns:o="urn:schemas-microsoft-com:office:office" xmlns:v="urn:schemas-microsoft-com:vml" xmlns:pvml="urn:schemas-microsoft-com:office:powerpoint" xmlns:com="http://schemas.openxmlformats.org/drawingml/2006/compatibility" xmlns:p14="http://schemas.microsoft.com/office/powerpoint/2010/main" xmlns:p15="http://schemas.microsoft.com/office/powerpoint/2012/main" xmlns:ahyp="http://schemas.microsoft.com/office/drawing/2018/hyperlinkcolor">
   <p:cSld>
     <p:spTree>
       <p:nvGrpSpPr>
-        <p:cNvPr id="103" name="Shape 103"/>
+        <p:cNvPr id="112" name="Shape 112"/>
         <p:cNvGrpSpPr/>
         <p:nvPr/>
       </p:nvGrpSpPr>
@@ -6822,7 +7348,7 @@
       </p:grpSpPr>
       <p:sp>
         <p:nvSpPr>
-          <p:cNvPr id="104" name="Google Shape;104;p12"/>
+          <p:cNvPr id="113" name="Google Shape;113;p12"/>
           <p:cNvSpPr txBox="1"/>
           <p:nvPr/>
         </p:nvSpPr>
@@ -6875,7 +7401,7 @@
       </p:sp>
       <p:sp>
         <p:nvSpPr>
-          <p:cNvPr id="105" name="Google Shape;105;p12"/>
+          <p:cNvPr id="114" name="Google Shape;114;p12"/>
           <p:cNvSpPr txBox="1"/>
           <p:nvPr/>
         </p:nvSpPr>
@@ -6928,7 +7454,7 @@
       </p:sp>
       <p:pic>
         <p:nvPicPr>
-          <p:cNvPr id="106" name="Google Shape;106;p12"/>
+          <p:cNvPr id="115" name="Google Shape;115;p12"/>
           <p:cNvPicPr preferRelativeResize="0"/>
           <p:nvPr/>
         </p:nvPicPr>
@@ -6962,12 +7488,12 @@
 </p:sld>
 </file>
 
-<file path=ppt/slides/slide12.xml><?xml version="1.0" encoding="utf-8"?>
+<file path=ppt/slides/slide13.xml><?xml version="1.0" encoding="utf-8"?>
 <p:sld xmlns:a="http://schemas.openxmlformats.org/drawingml/2006/main" xmlns:r="http://schemas.openxmlformats.org/officeDocument/2006/relationships" xmlns:mc="http://schemas.openxmlformats.org/markup-compatibility/2006" xmlns:mv="urn:schemas-microsoft-com:mac:vml" xmlns:p="http://schemas.openxmlformats.org/presentationml/2006/main" xmlns:c="http://schemas.openxmlformats.org/drawingml/2006/chart" xmlns:dgm="http://schemas.openxmlformats.org/drawingml/2006/diagram" xmlns:o="urn:schemas-microsoft-com:office:office" xmlns:v="urn:schemas-microsoft-com:vml" xmlns:pvml="urn:schemas-microsoft-com:office:powerpoint" xmlns:com="http://schemas.openxmlformats.org/drawingml/2006/compatibility" xmlns:p14="http://schemas.microsoft.com/office/powerpoint/2010/main" xmlns:p15="http://schemas.microsoft.com/office/powerpoint/2012/main" xmlns:ahyp="http://schemas.microsoft.com/office/drawing/2018/hyperlinkcolor">
   <p:cSld>
     <p:spTree>
       <p:nvGrpSpPr>
-        <p:cNvPr id="110" name="Shape 110"/>
+        <p:cNvPr id="119" name="Shape 119"/>
         <p:cNvGrpSpPr/>
         <p:nvPr/>
       </p:nvGrpSpPr>
@@ -6981,7 +7507,7 @@
       </p:grpSpPr>
       <p:sp>
         <p:nvSpPr>
-          <p:cNvPr id="111" name="Google Shape;111;p13"/>
+          <p:cNvPr id="120" name="Google Shape;120;p13"/>
           <p:cNvSpPr txBox="1"/>
           <p:nvPr/>
         </p:nvSpPr>
@@ -7034,7 +7560,7 @@
       </p:sp>
       <p:sp>
         <p:nvSpPr>
-          <p:cNvPr id="112" name="Google Shape;112;p13"/>
+          <p:cNvPr id="121" name="Google Shape;121;p13"/>
           <p:cNvSpPr txBox="1"/>
           <p:nvPr/>
         </p:nvSpPr>
@@ -7087,7 +7613,7 @@
       </p:sp>
       <p:pic>
         <p:nvPicPr>
-          <p:cNvPr id="113" name="Google Shape;113;p13"/>
+          <p:cNvPr id="122" name="Google Shape;122;p13"/>
           <p:cNvPicPr preferRelativeResize="0"/>
           <p:nvPr/>
         </p:nvPicPr>
@@ -7121,12 +7647,12 @@
 </p:sld>
 </file>
 
-<file path=ppt/slides/slide13.xml><?xml version="1.0" encoding="utf-8"?>
+<file path=ppt/slides/slide14.xml><?xml version="1.0" encoding="utf-8"?>
 <p:sld xmlns:a="http://schemas.openxmlformats.org/drawingml/2006/main" xmlns:r="http://schemas.openxmlformats.org/officeDocument/2006/relationships" xmlns:mc="http://schemas.openxmlformats.org/markup-compatibility/2006" xmlns:mv="urn:schemas-microsoft-com:mac:vml" xmlns:p="http://schemas.openxmlformats.org/presentationml/2006/main" xmlns:c="http://schemas.openxmlformats.org/drawingml/2006/chart" xmlns:dgm="http://schemas.openxmlformats.org/drawingml/2006/diagram" xmlns:o="urn:schemas-microsoft-com:office:office" xmlns:v="urn:schemas-microsoft-com:vml" xmlns:pvml="urn:schemas-microsoft-com:office:powerpoint" xmlns:com="http://schemas.openxmlformats.org/drawingml/2006/compatibility" xmlns:p14="http://schemas.microsoft.com/office/powerpoint/2010/main" xmlns:p15="http://schemas.microsoft.com/office/powerpoint/2012/main" xmlns:ahyp="http://schemas.microsoft.com/office/drawing/2018/hyperlinkcolor">
   <p:cSld>
     <p:spTree>
       <p:nvGrpSpPr>
-        <p:cNvPr id="117" name="Shape 117"/>
+        <p:cNvPr id="126" name="Shape 126"/>
         <p:cNvGrpSpPr/>
         <p:nvPr/>
       </p:nvGrpSpPr>
@@ -7140,7 +7666,7 @@
       </p:grpSpPr>
       <p:sp>
         <p:nvSpPr>
-          <p:cNvPr id="118" name="Google Shape;118;p14"/>
+          <p:cNvPr id="127" name="Google Shape;127;p14"/>
           <p:cNvSpPr txBox="1"/>
           <p:nvPr/>
         </p:nvSpPr>
@@ -7193,7 +7719,7 @@
       </p:sp>
       <p:sp>
         <p:nvSpPr>
-          <p:cNvPr id="119" name="Google Shape;119;p14"/>
+          <p:cNvPr id="128" name="Google Shape;128;p14"/>
           <p:cNvSpPr txBox="1"/>
           <p:nvPr/>
         </p:nvSpPr>
@@ -7246,7 +7772,7 @@
       </p:sp>
       <p:pic>
         <p:nvPicPr>
-          <p:cNvPr id="120" name="Google Shape;120;p14"/>
+          <p:cNvPr id="129" name="Google Shape;129;p14"/>
           <p:cNvPicPr preferRelativeResize="0"/>
           <p:nvPr/>
         </p:nvPicPr>
@@ -7280,12 +7806,12 @@
 </p:sld>
 </file>
 
-<file path=ppt/slides/slide14.xml><?xml version="1.0" encoding="utf-8"?>
+<file path=ppt/slides/slide15.xml><?xml version="1.0" encoding="utf-8"?>
 <p:sld xmlns:a="http://schemas.openxmlformats.org/drawingml/2006/main" xmlns:r="http://schemas.openxmlformats.org/officeDocument/2006/relationships" xmlns:mc="http://schemas.openxmlformats.org/markup-compatibility/2006" xmlns:mv="urn:schemas-microsoft-com:mac:vml" xmlns:p="http://schemas.openxmlformats.org/presentationml/2006/main" xmlns:c="http://schemas.openxmlformats.org/drawingml/2006/chart" xmlns:dgm="http://schemas.openxmlformats.org/drawingml/2006/diagram" xmlns:o="urn:schemas-microsoft-com:office:office" xmlns:v="urn:schemas-microsoft-com:vml" xmlns:pvml="urn:schemas-microsoft-com:office:powerpoint" xmlns:com="http://schemas.openxmlformats.org/drawingml/2006/compatibility" xmlns:p14="http://schemas.microsoft.com/office/powerpoint/2010/main" xmlns:p15="http://schemas.microsoft.com/office/powerpoint/2012/main" xmlns:ahyp="http://schemas.microsoft.com/office/drawing/2018/hyperlinkcolor">
   <p:cSld>
     <p:spTree>
       <p:nvGrpSpPr>
-        <p:cNvPr id="124" name="Shape 124"/>
+        <p:cNvPr id="133" name="Shape 133"/>
         <p:cNvGrpSpPr/>
         <p:nvPr/>
       </p:nvGrpSpPr>
@@ -7299,7 +7825,7 @@
       </p:grpSpPr>
       <p:sp>
         <p:nvSpPr>
-          <p:cNvPr id="125" name="Google Shape;125;p15"/>
+          <p:cNvPr id="134" name="Google Shape;134;p15"/>
           <p:cNvSpPr txBox="1"/>
           <p:nvPr/>
         </p:nvSpPr>
@@ -7352,7 +7878,7 @@
       </p:sp>
       <p:sp>
         <p:nvSpPr>
-          <p:cNvPr id="126" name="Google Shape;126;p15"/>
+          <p:cNvPr id="135" name="Google Shape;135;p15"/>
           <p:cNvSpPr txBox="1"/>
           <p:nvPr/>
         </p:nvSpPr>
@@ -7405,7 +7931,7 @@
       </p:sp>
       <p:pic>
         <p:nvPicPr>
-          <p:cNvPr id="127" name="Google Shape;127;p15"/>
+          <p:cNvPr id="136" name="Google Shape;136;p15"/>
           <p:cNvPicPr preferRelativeResize="0"/>
           <p:nvPr/>
         </p:nvPicPr>
@@ -7439,12 +7965,12 @@
 </p:sld>
 </file>
 
-<file path=ppt/slides/slide15.xml><?xml version="1.0" encoding="utf-8"?>
+<file path=ppt/slides/slide16.xml><?xml version="1.0" encoding="utf-8"?>
 <p:sld xmlns:a="http://schemas.openxmlformats.org/drawingml/2006/main" xmlns:r="http://schemas.openxmlformats.org/officeDocument/2006/relationships" xmlns:mc="http://schemas.openxmlformats.org/markup-compatibility/2006" xmlns:mv="urn:schemas-microsoft-com:mac:vml" xmlns:p="http://schemas.openxmlformats.org/presentationml/2006/main" xmlns:c="http://schemas.openxmlformats.org/drawingml/2006/chart" xmlns:dgm="http://schemas.openxmlformats.org/drawingml/2006/diagram" xmlns:o="urn:schemas-microsoft-com:office:office" xmlns:v="urn:schemas-microsoft-com:vml" xmlns:pvml="urn:schemas-microsoft-com:office:powerpoint" xmlns:com="http://schemas.openxmlformats.org/drawingml/2006/compatibility" xmlns:p14="http://schemas.microsoft.com/office/powerpoint/2010/main" xmlns:p15="http://schemas.microsoft.com/office/powerpoint/2012/main" xmlns:ahyp="http://schemas.microsoft.com/office/drawing/2018/hyperlinkcolor">
   <p:cSld>
     <p:spTree>
       <p:nvGrpSpPr>
-        <p:cNvPr id="131" name="Shape 131"/>
+        <p:cNvPr id="140" name="Shape 140"/>
         <p:cNvGrpSpPr/>
         <p:nvPr/>
       </p:nvGrpSpPr>
@@ -7458,7 +7984,7 @@
       </p:grpSpPr>
       <p:sp>
         <p:nvSpPr>
-          <p:cNvPr id="132" name="Google Shape;132;p16"/>
+          <p:cNvPr id="141" name="Google Shape;141;p16"/>
           <p:cNvSpPr txBox="1"/>
           <p:nvPr/>
         </p:nvSpPr>
@@ -7509,221 +8035,236 @@
           </a:p>
         </p:txBody>
       </p:sp>
-      <p:sp>
-        <p:nvSpPr>
-          <p:cNvPr id="133" name="Google Shape;133;p16"/>
-          <p:cNvSpPr txBox="1"/>
+      <p:grpSp>
+        <p:nvGrpSpPr>
+          <p:cNvPr id="142" name="Google Shape;142;p16"/>
+          <p:cNvGrpSpPr/>
           <p:nvPr/>
-        </p:nvSpPr>
-        <p:spPr>
-          <a:xfrm>
-            <a:off x="5434025" y="2233288"/>
-            <a:ext cx="3096900" cy="279900"/>
-          </a:xfrm>
-          <a:prstGeom prst="rect">
-            <a:avLst/>
-          </a:prstGeom>
-          <a:noFill/>
-          <a:ln>
+        </p:nvGrpSpPr>
+        <p:grpSpPr>
+          <a:xfrm>
+            <a:off x="6410300" y="2233300"/>
+            <a:ext cx="2386500" cy="988776"/>
+            <a:chOff x="5802975" y="2233300"/>
+            <a:chExt cx="2386500" cy="988776"/>
+          </a:xfrm>
+        </p:grpSpPr>
+        <p:sp>
+          <p:nvSpPr>
+            <p:cNvPr id="143" name="Google Shape;143;p16"/>
+            <p:cNvSpPr txBox="1"/>
+            <p:nvPr/>
+          </p:nvSpPr>
+          <p:spPr>
+            <a:xfrm>
+              <a:off x="5802975" y="2233300"/>
+              <a:ext cx="2386500" cy="279900"/>
+            </a:xfrm>
+            <a:prstGeom prst="rect">
+              <a:avLst/>
+            </a:prstGeom>
             <a:noFill/>
-          </a:ln>
-        </p:spPr>
-        <p:txBody>
-          <a:bodyPr anchorCtr="0" anchor="t" bIns="34625" lIns="69300" spcFirstLastPara="1" rIns="69300" wrap="square" tIns="34625">
-            <a:spAutoFit/>
-          </a:bodyPr>
-          <a:lstStyle/>
-          <a:p>
-            <a:pPr indent="0" lvl="0" marL="0" marR="0" rtl="0" algn="l">
-              <a:lnSpc>
-                <a:spcPct val="100000"/>
-              </a:lnSpc>
-              <a:spcBef>
-                <a:spcPts val="0"/>
-              </a:spcBef>
-              <a:spcAft>
-                <a:spcPts val="0"/>
-              </a:spcAft>
-              <a:buNone/>
-            </a:pPr>
-            <a:r>
-              <a:rPr b="1" i="0" lang="en-US" sz="1364" u="none" cap="none" strike="noStrike">
-                <a:solidFill>
-                  <a:srgbClr val="FFFFFF"/>
-                </a:solidFill>
-                <a:latin typeface="Arial"/>
-                <a:ea typeface="Arial"/>
-                <a:cs typeface="Arial"/>
-                <a:sym typeface="Arial"/>
-              </a:rPr>
-              <a:t>장점</a:t>
-            </a:r>
-            <a:endParaRPr sz="1061"/>
-          </a:p>
-        </p:txBody>
-      </p:sp>
-      <p:sp>
-        <p:nvSpPr>
-          <p:cNvPr id="134" name="Google Shape;134;p16"/>
-          <p:cNvSpPr txBox="1"/>
-          <p:nvPr/>
-        </p:nvSpPr>
-        <p:spPr>
-          <a:xfrm>
-            <a:off x="5502842" y="2545150"/>
-            <a:ext cx="2924700" cy="233400"/>
-          </a:xfrm>
-          <a:prstGeom prst="rect">
-            <a:avLst/>
-          </a:prstGeom>
-          <a:noFill/>
-          <a:ln>
+            <a:ln>
+              <a:noFill/>
+            </a:ln>
+          </p:spPr>
+          <p:txBody>
+            <a:bodyPr anchorCtr="0" anchor="t" bIns="34625" lIns="69300" spcFirstLastPara="1" rIns="69300" wrap="square" tIns="34625">
+              <a:spAutoFit/>
+            </a:bodyPr>
+            <a:lstStyle/>
+            <a:p>
+              <a:pPr indent="0" lvl="0" marL="0" marR="0" rtl="0" algn="l">
+                <a:lnSpc>
+                  <a:spcPct val="100000"/>
+                </a:lnSpc>
+                <a:spcBef>
+                  <a:spcPts val="0"/>
+                </a:spcBef>
+                <a:spcAft>
+                  <a:spcPts val="0"/>
+                </a:spcAft>
+                <a:buNone/>
+              </a:pPr>
+              <a:r>
+                <a:rPr b="1" i="0" lang="en-US" sz="1364" u="none" cap="none" strike="noStrike">
+                  <a:solidFill>
+                    <a:srgbClr val="FFFFFF"/>
+                  </a:solidFill>
+                  <a:latin typeface="Arial"/>
+                  <a:ea typeface="Arial"/>
+                  <a:cs typeface="Arial"/>
+                  <a:sym typeface="Arial"/>
+                </a:rPr>
+                <a:t>장점</a:t>
+              </a:r>
+              <a:endParaRPr sz="1061"/>
+            </a:p>
+          </p:txBody>
+        </p:sp>
+        <p:sp>
+          <p:nvSpPr>
+            <p:cNvPr id="144" name="Google Shape;144;p16"/>
+            <p:cNvSpPr txBox="1"/>
+            <p:nvPr/>
+          </p:nvSpPr>
+          <p:spPr>
+            <a:xfrm>
+              <a:off x="5856010" y="2545153"/>
+              <a:ext cx="2254200" cy="233400"/>
+            </a:xfrm>
+            <a:prstGeom prst="rect">
+              <a:avLst/>
+            </a:prstGeom>
             <a:noFill/>
-          </a:ln>
-        </p:spPr>
-        <p:txBody>
-          <a:bodyPr anchorCtr="0" anchor="t" bIns="34625" lIns="69300" spcFirstLastPara="1" rIns="69300" wrap="square" tIns="34625">
-            <a:spAutoFit/>
-          </a:bodyPr>
-          <a:lstStyle/>
-          <a:p>
-            <a:pPr indent="0" lvl="0" marL="0" marR="0" rtl="0" algn="l">
-              <a:lnSpc>
-                <a:spcPct val="100000"/>
-              </a:lnSpc>
-              <a:spcBef>
-                <a:spcPts val="0"/>
-              </a:spcBef>
-              <a:spcAft>
-                <a:spcPts val="0"/>
-              </a:spcAft>
-              <a:buNone/>
-            </a:pPr>
-            <a:r>
-              <a:rPr b="0" i="0" lang="en-US" sz="1061" u="none" cap="none" strike="noStrike">
-                <a:solidFill>
-                  <a:srgbClr val="E0E0E0"/>
-                </a:solidFill>
-                <a:latin typeface="Arial"/>
-                <a:ea typeface="Arial"/>
-                <a:cs typeface="Arial"/>
-                <a:sym typeface="Arial"/>
-              </a:rPr>
-              <a:t>✅ 서버 추가/제거에도 기존 세션 유지</a:t>
-            </a:r>
-            <a:endParaRPr sz="1061"/>
-          </a:p>
-        </p:txBody>
-      </p:sp>
-      <p:sp>
-        <p:nvSpPr>
-          <p:cNvPr id="135" name="Google Shape;135;p16"/>
-          <p:cNvSpPr txBox="1"/>
-          <p:nvPr/>
-        </p:nvSpPr>
-        <p:spPr>
-          <a:xfrm>
-            <a:off x="5502842" y="2766919"/>
-            <a:ext cx="2924700" cy="233400"/>
-          </a:xfrm>
-          <a:prstGeom prst="rect">
-            <a:avLst/>
-          </a:prstGeom>
-          <a:noFill/>
-          <a:ln>
+            <a:ln>
+              <a:noFill/>
+            </a:ln>
+          </p:spPr>
+          <p:txBody>
+            <a:bodyPr anchorCtr="0" anchor="t" bIns="34625" lIns="69300" spcFirstLastPara="1" rIns="69300" wrap="square" tIns="34625">
+              <a:spAutoFit/>
+            </a:bodyPr>
+            <a:lstStyle/>
+            <a:p>
+              <a:pPr indent="0" lvl="0" marL="0" marR="0" rtl="0" algn="l">
+                <a:lnSpc>
+                  <a:spcPct val="100000"/>
+                </a:lnSpc>
+                <a:spcBef>
+                  <a:spcPts val="0"/>
+                </a:spcBef>
+                <a:spcAft>
+                  <a:spcPts val="0"/>
+                </a:spcAft>
+                <a:buNone/>
+              </a:pPr>
+              <a:r>
+                <a:rPr b="0" i="0" lang="en-US" sz="1061" u="none" cap="none" strike="noStrike">
+                  <a:solidFill>
+                    <a:srgbClr val="E0E0E0"/>
+                  </a:solidFill>
+                  <a:latin typeface="Arial"/>
+                  <a:ea typeface="Arial"/>
+                  <a:cs typeface="Arial"/>
+                  <a:sym typeface="Arial"/>
+                </a:rPr>
+                <a:t>✅ 서버 추가/제거에도 기존 세션 유지</a:t>
+              </a:r>
+              <a:endParaRPr sz="1061"/>
+            </a:p>
+          </p:txBody>
+        </p:sp>
+        <p:sp>
+          <p:nvSpPr>
+            <p:cNvPr id="145" name="Google Shape;145;p16"/>
+            <p:cNvSpPr txBox="1"/>
+            <p:nvPr/>
+          </p:nvSpPr>
+          <p:spPr>
+            <a:xfrm>
+              <a:off x="5856010" y="2766915"/>
+              <a:ext cx="2254200" cy="233400"/>
+            </a:xfrm>
+            <a:prstGeom prst="rect">
+              <a:avLst/>
+            </a:prstGeom>
             <a:noFill/>
-          </a:ln>
-        </p:spPr>
-        <p:txBody>
-          <a:bodyPr anchorCtr="0" anchor="t" bIns="34625" lIns="69300" spcFirstLastPara="1" rIns="69300" wrap="square" tIns="34625">
-            <a:spAutoFit/>
-          </a:bodyPr>
-          <a:lstStyle/>
-          <a:p>
-            <a:pPr indent="0" lvl="0" marL="0" marR="0" rtl="0" algn="l">
-              <a:lnSpc>
-                <a:spcPct val="100000"/>
-              </a:lnSpc>
-              <a:spcBef>
-                <a:spcPts val="0"/>
-              </a:spcBef>
-              <a:spcAft>
-                <a:spcPts val="0"/>
-              </a:spcAft>
-              <a:buNone/>
-            </a:pPr>
-            <a:r>
-              <a:rPr b="0" i="0" lang="en-US" sz="1061" u="none" cap="none" strike="noStrike">
-                <a:solidFill>
-                  <a:srgbClr val="E0E0E0"/>
-                </a:solidFill>
-                <a:latin typeface="Arial"/>
-                <a:ea typeface="Arial"/>
-                <a:cs typeface="Arial"/>
-                <a:sym typeface="Arial"/>
-              </a:rPr>
-              <a:t>✅ 요청 단위 라우팅으로 IP 분산 가능</a:t>
-            </a:r>
-            <a:endParaRPr sz="1061"/>
-          </a:p>
-        </p:txBody>
-      </p:sp>
-      <p:sp>
-        <p:nvSpPr>
-          <p:cNvPr id="136" name="Google Shape;136;p16"/>
-          <p:cNvSpPr txBox="1"/>
-          <p:nvPr/>
-        </p:nvSpPr>
-        <p:spPr>
-          <a:xfrm>
-            <a:off x="5502842" y="2988687"/>
-            <a:ext cx="2924700" cy="233400"/>
-          </a:xfrm>
-          <a:prstGeom prst="rect">
-            <a:avLst/>
-          </a:prstGeom>
-          <a:noFill/>
-          <a:ln>
+            <a:ln>
+              <a:noFill/>
+            </a:ln>
+          </p:spPr>
+          <p:txBody>
+            <a:bodyPr anchorCtr="0" anchor="t" bIns="34625" lIns="69300" spcFirstLastPara="1" rIns="69300" wrap="square" tIns="34625">
+              <a:spAutoFit/>
+            </a:bodyPr>
+            <a:lstStyle/>
+            <a:p>
+              <a:pPr indent="0" lvl="0" marL="0" marR="0" rtl="0" algn="l">
+                <a:lnSpc>
+                  <a:spcPct val="100000"/>
+                </a:lnSpc>
+                <a:spcBef>
+                  <a:spcPts val="0"/>
+                </a:spcBef>
+                <a:spcAft>
+                  <a:spcPts val="0"/>
+                </a:spcAft>
+                <a:buNone/>
+              </a:pPr>
+              <a:r>
+                <a:rPr b="0" i="0" lang="en-US" sz="1061" u="none" cap="none" strike="noStrike">
+                  <a:solidFill>
+                    <a:srgbClr val="E0E0E0"/>
+                  </a:solidFill>
+                  <a:latin typeface="Arial"/>
+                  <a:ea typeface="Arial"/>
+                  <a:cs typeface="Arial"/>
+                  <a:sym typeface="Arial"/>
+                </a:rPr>
+                <a:t>✅ 요청 단위 라우팅으로 IP 분산 가능</a:t>
+              </a:r>
+              <a:endParaRPr sz="1061"/>
+            </a:p>
+          </p:txBody>
+        </p:sp>
+        <p:sp>
+          <p:nvSpPr>
+            <p:cNvPr id="146" name="Google Shape;146;p16"/>
+            <p:cNvSpPr txBox="1"/>
+            <p:nvPr/>
+          </p:nvSpPr>
+          <p:spPr>
+            <a:xfrm>
+              <a:off x="5856010" y="2988676"/>
+              <a:ext cx="2254200" cy="233400"/>
+            </a:xfrm>
+            <a:prstGeom prst="rect">
+              <a:avLst/>
+            </a:prstGeom>
             <a:noFill/>
-          </a:ln>
-        </p:spPr>
-        <p:txBody>
-          <a:bodyPr anchorCtr="0" anchor="t" bIns="34625" lIns="69300" spcFirstLastPara="1" rIns="69300" wrap="square" tIns="34625">
-            <a:spAutoFit/>
-          </a:bodyPr>
-          <a:lstStyle/>
-          <a:p>
-            <a:pPr indent="0" lvl="0" marL="0" marR="0" rtl="0" algn="l">
-              <a:lnSpc>
-                <a:spcPct val="100000"/>
-              </a:lnSpc>
-              <a:spcBef>
-                <a:spcPts val="0"/>
-              </a:spcBef>
-              <a:spcAft>
-                <a:spcPts val="0"/>
-              </a:spcAft>
-              <a:buNone/>
-            </a:pPr>
-            <a:r>
-              <a:rPr b="0" i="0" lang="en-US" sz="1061" u="none" cap="none" strike="noStrike">
-                <a:solidFill>
-                  <a:srgbClr val="E0E0E0"/>
-                </a:solidFill>
-                <a:latin typeface="Arial"/>
-                <a:ea typeface="Arial"/>
-                <a:cs typeface="Arial"/>
-                <a:sym typeface="Arial"/>
-              </a:rPr>
-              <a:t>✅ 기존 코드 최소 변경</a:t>
-            </a:r>
-            <a:endParaRPr sz="1061"/>
-          </a:p>
-        </p:txBody>
-      </p:sp>
+            <a:ln>
+              <a:noFill/>
+            </a:ln>
+          </p:spPr>
+          <p:txBody>
+            <a:bodyPr anchorCtr="0" anchor="t" bIns="34625" lIns="69300" spcFirstLastPara="1" rIns="69300" wrap="square" tIns="34625">
+              <a:spAutoFit/>
+            </a:bodyPr>
+            <a:lstStyle/>
+            <a:p>
+              <a:pPr indent="0" lvl="0" marL="0" marR="0" rtl="0" algn="l">
+                <a:lnSpc>
+                  <a:spcPct val="100000"/>
+                </a:lnSpc>
+                <a:spcBef>
+                  <a:spcPts val="0"/>
+                </a:spcBef>
+                <a:spcAft>
+                  <a:spcPts val="0"/>
+                </a:spcAft>
+                <a:buNone/>
+              </a:pPr>
+              <a:r>
+                <a:rPr b="0" i="0" lang="en-US" sz="1061" u="none" cap="none" strike="noStrike">
+                  <a:solidFill>
+                    <a:srgbClr val="E0E0E0"/>
+                  </a:solidFill>
+                  <a:latin typeface="Arial"/>
+                  <a:ea typeface="Arial"/>
+                  <a:cs typeface="Arial"/>
+                  <a:sym typeface="Arial"/>
+                </a:rPr>
+                <a:t>✅ 기존 코드 최소 변경</a:t>
+              </a:r>
+              <a:endParaRPr sz="1061"/>
+            </a:p>
+          </p:txBody>
+        </p:sp>
+      </p:grpSp>
       <p:pic>
         <p:nvPicPr>
-          <p:cNvPr id="137" name="Google Shape;137;p16"/>
+          <p:cNvPr id="147" name="Google Shape;147;p16"/>
           <p:cNvPicPr preferRelativeResize="0"/>
           <p:nvPr/>
         </p:nvPicPr>
@@ -7737,8 +8278,8 @@
         </p:blipFill>
         <p:spPr>
           <a:xfrm>
-            <a:off x="595800" y="1287888"/>
-            <a:ext cx="4907049" cy="3191485"/>
+            <a:off x="595800" y="1039443"/>
+            <a:ext cx="5814502" cy="3781658"/>
           </a:xfrm>
           <a:prstGeom prst="rect">
             <a:avLst/>
@@ -7749,6 +8290,74 @@
           </a:ln>
         </p:spPr>
       </p:pic>
+      <p:sp>
+        <p:nvSpPr>
+          <p:cNvPr id="148" name="Google Shape;148;p16"/>
+          <p:cNvSpPr/>
+          <p:nvPr/>
+        </p:nvSpPr>
+        <p:spPr>
+          <a:xfrm>
+            <a:off x="0" y="0"/>
+            <a:ext cx="57300" cy="5143500"/>
+          </a:xfrm>
+          <a:prstGeom prst="rect">
+            <a:avLst/>
+          </a:prstGeom>
+          <a:solidFill>
+            <a:srgbClr val="1D9BF0"/>
+          </a:solidFill>
+          <a:ln>
+            <a:noFill/>
+          </a:ln>
+        </p:spPr>
+        <p:txBody>
+          <a:bodyPr anchorCtr="0" anchor="ctr" bIns="45700" lIns="91425" spcFirstLastPara="1" rIns="91425" wrap="square" tIns="45700">
+            <a:noAutofit/>
+          </a:bodyPr>
+          <a:lstStyle/>
+          <a:p>
+            <a:pPr indent="0" lvl="0" marL="0" marR="0" rtl="0" algn="l">
+              <a:lnSpc>
+                <a:spcPct val="100000"/>
+              </a:lnSpc>
+              <a:spcBef>
+                <a:spcPts val="0"/>
+              </a:spcBef>
+              <a:spcAft>
+                <a:spcPts val="0"/>
+              </a:spcAft>
+              <a:buClr>
+                <a:schemeClr val="dk1"/>
+              </a:buClr>
+              <a:buSzPts val="1800"/>
+              <a:buFont typeface="Calibri"/>
+              <a:buNone/>
+            </a:pPr>
+            <a:r>
+              <a:rPr b="0" i="0" lang="en-US" sz="1800" u="none" cap="none" strike="noStrike">
+                <a:solidFill>
+                  <a:schemeClr val="dk1"/>
+                </a:solidFill>
+                <a:latin typeface="Calibri"/>
+                <a:ea typeface="Calibri"/>
+                <a:cs typeface="Calibri"/>
+                <a:sym typeface="Calibri"/>
+              </a:rPr>
+              <a:t>leek	</a:t>
+            </a:r>
+            <a:endParaRPr b="0" i="0" sz="1800" u="none" cap="none" strike="noStrike">
+              <a:solidFill>
+                <a:schemeClr val="dk1"/>
+              </a:solidFill>
+              <a:latin typeface="Calibri"/>
+              <a:ea typeface="Calibri"/>
+              <a:cs typeface="Calibri"/>
+              <a:sym typeface="Calibri"/>
+            </a:endParaRPr>
+          </a:p>
+        </p:txBody>
+      </p:sp>
     </p:spTree>
   </p:cSld>
   <p:clrMapOvr>
@@ -7757,12 +8366,12 @@
 </p:sld>
 </file>
 
-<file path=ppt/slides/slide16.xml><?xml version="1.0" encoding="utf-8"?>
+<file path=ppt/slides/slide17.xml><?xml version="1.0" encoding="utf-8"?>
 <p:sld xmlns:a="http://schemas.openxmlformats.org/drawingml/2006/main" xmlns:r="http://schemas.openxmlformats.org/officeDocument/2006/relationships" xmlns:mc="http://schemas.openxmlformats.org/markup-compatibility/2006" xmlns:mv="urn:schemas-microsoft-com:mac:vml" xmlns:p="http://schemas.openxmlformats.org/presentationml/2006/main" xmlns:c="http://schemas.openxmlformats.org/drawingml/2006/chart" xmlns:dgm="http://schemas.openxmlformats.org/drawingml/2006/diagram" xmlns:o="urn:schemas-microsoft-com:office:office" xmlns:v="urn:schemas-microsoft-com:vml" xmlns:pvml="urn:schemas-microsoft-com:office:powerpoint" xmlns:com="http://schemas.openxmlformats.org/drawingml/2006/compatibility" xmlns:p14="http://schemas.microsoft.com/office/powerpoint/2010/main" xmlns:p15="http://schemas.microsoft.com/office/powerpoint/2012/main" xmlns:ahyp="http://schemas.microsoft.com/office/drawing/2018/hyperlinkcolor">
   <p:cSld>
     <p:spTree>
       <p:nvGrpSpPr>
-        <p:cNvPr id="141" name="Shape 141"/>
+        <p:cNvPr id="152" name="Shape 152"/>
         <p:cNvGrpSpPr/>
         <p:nvPr/>
       </p:nvGrpSpPr>
@@ -7776,7 +8385,7 @@
       </p:grpSpPr>
       <p:sp>
         <p:nvSpPr>
-          <p:cNvPr id="142" name="Google Shape;142;p17"/>
+          <p:cNvPr id="153" name="Google Shape;153;p17"/>
           <p:cNvSpPr txBox="1"/>
           <p:nvPr/>
         </p:nvSpPr>
@@ -7829,7 +8438,7 @@
       </p:sp>
       <p:pic>
         <p:nvPicPr>
-          <p:cNvPr id="143" name="Google Shape;143;p17"/>
+          <p:cNvPr id="154" name="Google Shape;154;p17"/>
           <p:cNvPicPr preferRelativeResize="0"/>
           <p:nvPr/>
         </p:nvPicPr>
@@ -7863,12 +8472,12 @@
 </p:sld>
 </file>
 
-<file path=ppt/slides/slide17.xml><?xml version="1.0" encoding="utf-8"?>
+<file path=ppt/slides/slide18.xml><?xml version="1.0" encoding="utf-8"?>
 <p:sld xmlns:a="http://schemas.openxmlformats.org/drawingml/2006/main" xmlns:r="http://schemas.openxmlformats.org/officeDocument/2006/relationships" xmlns:mc="http://schemas.openxmlformats.org/markup-compatibility/2006" xmlns:mv="urn:schemas-microsoft-com:mac:vml" xmlns:p="http://schemas.openxmlformats.org/presentationml/2006/main" xmlns:c="http://schemas.openxmlformats.org/drawingml/2006/chart" xmlns:dgm="http://schemas.openxmlformats.org/drawingml/2006/diagram" xmlns:o="urn:schemas-microsoft-com:office:office" xmlns:v="urn:schemas-microsoft-com:vml" xmlns:pvml="urn:schemas-microsoft-com:office:powerpoint" xmlns:com="http://schemas.openxmlformats.org/drawingml/2006/compatibility" xmlns:p14="http://schemas.microsoft.com/office/powerpoint/2010/main" xmlns:p15="http://schemas.microsoft.com/office/powerpoint/2012/main" xmlns:ahyp="http://schemas.microsoft.com/office/drawing/2018/hyperlinkcolor">
   <p:cSld>
     <p:spTree>
       <p:nvGrpSpPr>
-        <p:cNvPr id="147" name="Shape 147"/>
+        <p:cNvPr id="158" name="Shape 158"/>
         <p:cNvGrpSpPr/>
         <p:nvPr/>
       </p:nvGrpSpPr>
@@ -7880,16 +8489,122 @@
           <a:chExt cx="0" cy="0"/>
         </a:xfrm>
       </p:grpSpPr>
+      <p:pic>
+        <p:nvPicPr>
+          <p:cNvPr id="159" name="Google Shape;159;p18"/>
+          <p:cNvPicPr preferRelativeResize="0"/>
+          <p:nvPr/>
+        </p:nvPicPr>
+        <p:blipFill>
+          <a:blip r:embed="rId3">
+            <a:alphaModFix/>
+          </a:blip>
+          <a:stretch>
+            <a:fillRect/>
+          </a:stretch>
+        </p:blipFill>
+        <p:spPr>
+          <a:xfrm>
+            <a:off x="825813" y="655315"/>
+            <a:ext cx="5250632" cy="3832859"/>
+          </a:xfrm>
+          <a:prstGeom prst="rect">
+            <a:avLst/>
+          </a:prstGeom>
+          <a:noFill/>
+          <a:ln>
+            <a:noFill/>
+          </a:ln>
+        </p:spPr>
+      </p:pic>
       <p:sp>
         <p:nvSpPr>
-          <p:cNvPr id="148" name="Google Shape;148;p18"/>
+          <p:cNvPr id="160" name="Google Shape;160;p18"/>
           <p:cNvSpPr txBox="1"/>
           <p:nvPr/>
         </p:nvSpPr>
         <p:spPr>
           <a:xfrm>
+            <a:off x="5469250" y="4154825"/>
+            <a:ext cx="371400" cy="400200"/>
+          </a:xfrm>
+          <a:prstGeom prst="rect">
+            <a:avLst/>
+          </a:prstGeom>
+          <a:noFill/>
+          <a:ln>
+            <a:noFill/>
+          </a:ln>
+        </p:spPr>
+        <p:txBody>
+          <a:bodyPr anchorCtr="0" anchor="t" bIns="91425" lIns="91425" spcFirstLastPara="1" rIns="91425" wrap="square" tIns="91425">
+            <a:spAutoFit/>
+          </a:bodyPr>
+          <a:lstStyle/>
+          <a:p>
+            <a:pPr indent="0" lvl="0" marL="0" rtl="0" algn="l">
+              <a:spcBef>
+                <a:spcPts val="0"/>
+              </a:spcBef>
+              <a:spcAft>
+                <a:spcPts val="0"/>
+              </a:spcAft>
+              <a:buNone/>
+            </a:pPr>
+            <a:r>
+              <a:rPr lang="en-US">
+                <a:solidFill>
+                  <a:schemeClr val="lt1"/>
+                </a:solidFill>
+              </a:rPr>
+              <a:t>…</a:t>
+            </a:r>
+            <a:endParaRPr>
+              <a:solidFill>
+                <a:schemeClr val="lt1"/>
+              </a:solidFill>
+            </a:endParaRPr>
+          </a:p>
+        </p:txBody>
+      </p:sp>
+      <p:pic>
+        <p:nvPicPr>
+          <p:cNvPr id="161" name="Google Shape;161;p18" title="icons8-테라폼-480.png"/>
+          <p:cNvPicPr preferRelativeResize="0"/>
+          <p:nvPr/>
+        </p:nvPicPr>
+        <p:blipFill>
+          <a:blip r:embed="rId4">
+            <a:alphaModFix/>
+          </a:blip>
+          <a:stretch>
+            <a:fillRect/>
+          </a:stretch>
+        </p:blipFill>
+        <p:spPr>
+          <a:xfrm>
+            <a:off x="6076445" y="655324"/>
+            <a:ext cx="922300" cy="922300"/>
+          </a:xfrm>
+          <a:prstGeom prst="rect">
+            <a:avLst/>
+          </a:prstGeom>
+          <a:noFill/>
+          <a:ln>
+            <a:noFill/>
+          </a:ln>
+        </p:spPr>
+      </p:pic>
+      <p:sp>
+        <p:nvSpPr>
+          <p:cNvPr id="162" name="Google Shape;162;p18"/>
+          <p:cNvSpPr txBox="1"/>
+          <p:nvPr/>
+        </p:nvSpPr>
+        <p:spPr>
+          <a:xfrm>
             <a:off x="457200" y="365760"/>
-            <a:ext cx="8229600" cy="640080"/>
+            <a:ext cx="8229600" cy="523200"/>
           </a:xfrm>
           <a:prstGeom prst="rect">
             <a:avLst/>
@@ -7933,34 +8648,6 @@
           </a:p>
         </p:txBody>
       </p:sp>
-      <p:pic>
-        <p:nvPicPr>
-          <p:cNvPr id="149" name="Google Shape;149;p18"/>
-          <p:cNvPicPr preferRelativeResize="0"/>
-          <p:nvPr/>
-        </p:nvPicPr>
-        <p:blipFill>
-          <a:blip r:embed="rId3">
-            <a:alphaModFix/>
-          </a:blip>
-          <a:stretch>
-            <a:fillRect/>
-          </a:stretch>
-        </p:blipFill>
-        <p:spPr>
-          <a:xfrm>
-            <a:off x="1946688" y="1005840"/>
-            <a:ext cx="5250632" cy="3832859"/>
-          </a:xfrm>
-          <a:prstGeom prst="rect">
-            <a:avLst/>
-          </a:prstGeom>
-          <a:noFill/>
-          <a:ln>
-            <a:noFill/>
-          </a:ln>
-        </p:spPr>
-      </p:pic>
     </p:spTree>
   </p:cSld>
   <p:clrMapOvr>
@@ -7969,12 +8656,12 @@
 </p:sld>
 </file>
 
-<file path=ppt/slides/slide18.xml><?xml version="1.0" encoding="utf-8"?>
+<file path=ppt/slides/slide19.xml><?xml version="1.0" encoding="utf-8"?>
 <p:sld xmlns:a="http://schemas.openxmlformats.org/drawingml/2006/main" xmlns:r="http://schemas.openxmlformats.org/officeDocument/2006/relationships" xmlns:mc="http://schemas.openxmlformats.org/markup-compatibility/2006" xmlns:mv="urn:schemas-microsoft-com:mac:vml" xmlns:p="http://schemas.openxmlformats.org/presentationml/2006/main" xmlns:c="http://schemas.openxmlformats.org/drawingml/2006/chart" xmlns:dgm="http://schemas.openxmlformats.org/drawingml/2006/diagram" xmlns:o="urn:schemas-microsoft-com:office:office" xmlns:v="urn:schemas-microsoft-com:vml" xmlns:pvml="urn:schemas-microsoft-com:office:powerpoint" xmlns:com="http://schemas.openxmlformats.org/drawingml/2006/compatibility" xmlns:p14="http://schemas.microsoft.com/office/powerpoint/2010/main" xmlns:p15="http://schemas.microsoft.com/office/powerpoint/2012/main" xmlns:ahyp="http://schemas.microsoft.com/office/drawing/2018/hyperlinkcolor">
   <p:cSld>
     <p:spTree>
       <p:nvGrpSpPr>
-        <p:cNvPr id="154" name="Shape 154"/>
+        <p:cNvPr id="167" name="Shape 167"/>
         <p:cNvGrpSpPr/>
         <p:nvPr/>
       </p:nvGrpSpPr>
@@ -7988,7 +8675,7 @@
       </p:grpSpPr>
       <p:sp>
         <p:nvSpPr>
-          <p:cNvPr id="155" name="Google Shape;155;p7"/>
+          <p:cNvPr id="168" name="Google Shape;168;p7"/>
           <p:cNvSpPr/>
           <p:nvPr/>
         </p:nvSpPr>
@@ -8047,7 +8734,7 @@
       </p:sp>
       <p:sp>
         <p:nvSpPr>
-          <p:cNvPr id="156" name="Google Shape;156;p7"/>
+          <p:cNvPr id="169" name="Google Shape;169;p7"/>
           <p:cNvSpPr/>
           <p:nvPr/>
         </p:nvSpPr>
@@ -8113,7 +8800,7 @@
       </p:sp>
       <p:sp>
         <p:nvSpPr>
-          <p:cNvPr id="157" name="Google Shape;157;p7"/>
+          <p:cNvPr id="170" name="Google Shape;170;p7"/>
           <p:cNvSpPr/>
           <p:nvPr/>
         </p:nvSpPr>
@@ -8174,7 +8861,7 @@
       </p:sp>
       <p:sp>
         <p:nvSpPr>
-          <p:cNvPr id="158" name="Google Shape;158;p7"/>
+          <p:cNvPr id="171" name="Google Shape;171;p7"/>
           <p:cNvSpPr/>
           <p:nvPr/>
         </p:nvSpPr>
@@ -8240,7 +8927,7 @@
       </p:sp>
       <p:sp>
         <p:nvSpPr>
-          <p:cNvPr id="159" name="Google Shape;159;p7"/>
+          <p:cNvPr id="172" name="Google Shape;172;p7"/>
           <p:cNvSpPr/>
           <p:nvPr/>
         </p:nvSpPr>
@@ -8306,7 +8993,7 @@
       </p:sp>
       <p:sp>
         <p:nvSpPr>
-          <p:cNvPr id="160" name="Google Shape;160;p7"/>
+          <p:cNvPr id="173" name="Google Shape;173;p7"/>
           <p:cNvSpPr/>
           <p:nvPr/>
         </p:nvSpPr>
@@ -8372,7 +9059,7 @@
       </p:sp>
       <p:sp>
         <p:nvSpPr>
-          <p:cNvPr id="161" name="Google Shape;161;p7"/>
+          <p:cNvPr id="174" name="Google Shape;174;p7"/>
           <p:cNvSpPr/>
           <p:nvPr/>
         </p:nvSpPr>
@@ -8438,7 +9125,7 @@
       </p:sp>
       <p:sp>
         <p:nvSpPr>
-          <p:cNvPr id="162" name="Google Shape;162;p7"/>
+          <p:cNvPr id="175" name="Google Shape;175;p7"/>
           <p:cNvSpPr/>
           <p:nvPr/>
         </p:nvSpPr>
@@ -8504,7 +9191,7 @@
       </p:sp>
       <p:sp>
         <p:nvSpPr>
-          <p:cNvPr id="163" name="Google Shape;163;p7"/>
+          <p:cNvPr id="176" name="Google Shape;176;p7"/>
           <p:cNvSpPr/>
           <p:nvPr/>
         </p:nvSpPr>
@@ -8570,7 +9257,7 @@
       </p:sp>
       <p:sp>
         <p:nvSpPr>
-          <p:cNvPr id="164" name="Google Shape;164;p7"/>
+          <p:cNvPr id="177" name="Google Shape;177;p7"/>
           <p:cNvSpPr/>
           <p:nvPr/>
         </p:nvSpPr>
@@ -8636,7 +9323,7 @@
       </p:sp>
       <p:sp>
         <p:nvSpPr>
-          <p:cNvPr id="165" name="Google Shape;165;p7"/>
+          <p:cNvPr id="178" name="Google Shape;178;p7"/>
           <p:cNvSpPr/>
           <p:nvPr/>
         </p:nvSpPr>
@@ -8708,12 +9395,65 @@
 </p:sld>
 </file>
 
-<file path=ppt/slides/slide19.xml><?xml version="1.0" encoding="utf-8"?>
+<file path=ppt/slides/slide2.xml><?xml version="1.0" encoding="utf-8"?>
 <p:sld xmlns:a="http://schemas.openxmlformats.org/drawingml/2006/main" xmlns:r="http://schemas.openxmlformats.org/officeDocument/2006/relationships" xmlns:mc="http://schemas.openxmlformats.org/markup-compatibility/2006" xmlns:mv="urn:schemas-microsoft-com:mac:vml" xmlns:p="http://schemas.openxmlformats.org/presentationml/2006/main" xmlns:c="http://schemas.openxmlformats.org/drawingml/2006/chart" xmlns:dgm="http://schemas.openxmlformats.org/drawingml/2006/diagram" xmlns:o="urn:schemas-microsoft-com:office:office" xmlns:v="urn:schemas-microsoft-com:vml" xmlns:pvml="urn:schemas-microsoft-com:office:powerpoint" xmlns:com="http://schemas.openxmlformats.org/drawingml/2006/compatibility" xmlns:p14="http://schemas.microsoft.com/office/powerpoint/2010/main" xmlns:p15="http://schemas.microsoft.com/office/powerpoint/2012/main" xmlns:ahyp="http://schemas.microsoft.com/office/drawing/2018/hyperlinkcolor">
   <p:cSld>
     <p:spTree>
       <p:nvGrpSpPr>
-        <p:cNvPr id="170" name="Shape 170"/>
+        <p:cNvPr id="29" name="Shape 29"/>
+        <p:cNvGrpSpPr/>
+        <p:nvPr/>
+      </p:nvGrpSpPr>
+      <p:grpSpPr>
+        <a:xfrm>
+          <a:off x="0" y="0"/>
+          <a:ext cx="0" cy="0"/>
+          <a:chOff x="0" y="0"/>
+          <a:chExt cx="0" cy="0"/>
+        </a:xfrm>
+      </p:grpSpPr>
+      <p:pic>
+        <p:nvPicPr>
+          <p:cNvPr id="30" name="Google Shape;30;g3bbe688209e_0_20"/>
+          <p:cNvPicPr preferRelativeResize="0"/>
+          <p:nvPr/>
+        </p:nvPicPr>
+        <p:blipFill>
+          <a:blip r:embed="rId3">
+            <a:alphaModFix/>
+          </a:blip>
+          <a:stretch>
+            <a:fillRect/>
+          </a:stretch>
+        </p:blipFill>
+        <p:spPr>
+          <a:xfrm>
+            <a:off x="704063" y="152400"/>
+            <a:ext cx="7735875" cy="4838699"/>
+          </a:xfrm>
+          <a:prstGeom prst="rect">
+            <a:avLst/>
+          </a:prstGeom>
+          <a:noFill/>
+          <a:ln>
+            <a:noFill/>
+          </a:ln>
+        </p:spPr>
+      </p:pic>
+    </p:spTree>
+  </p:cSld>
+  <p:clrMapOvr>
+    <a:masterClrMapping/>
+  </p:clrMapOvr>
+</p:sld>
+</file>
+
+<file path=ppt/slides/slide20.xml><?xml version="1.0" encoding="utf-8"?>
+<p:sld xmlns:a="http://schemas.openxmlformats.org/drawingml/2006/main" xmlns:r="http://schemas.openxmlformats.org/officeDocument/2006/relationships" xmlns:mc="http://schemas.openxmlformats.org/markup-compatibility/2006" xmlns:mv="urn:schemas-microsoft-com:mac:vml" xmlns:p="http://schemas.openxmlformats.org/presentationml/2006/main" xmlns:c="http://schemas.openxmlformats.org/drawingml/2006/chart" xmlns:dgm="http://schemas.openxmlformats.org/drawingml/2006/diagram" xmlns:o="urn:schemas-microsoft-com:office:office" xmlns:v="urn:schemas-microsoft-com:vml" xmlns:pvml="urn:schemas-microsoft-com:office:powerpoint" xmlns:com="http://schemas.openxmlformats.org/drawingml/2006/compatibility" xmlns:p14="http://schemas.microsoft.com/office/powerpoint/2010/main" xmlns:p15="http://schemas.microsoft.com/office/powerpoint/2012/main" xmlns:ahyp="http://schemas.microsoft.com/office/drawing/2018/hyperlinkcolor">
+  <p:cSld>
+    <p:spTree>
+      <p:nvGrpSpPr>
+        <p:cNvPr id="183" name="Shape 183"/>
         <p:cNvGrpSpPr/>
         <p:nvPr/>
       </p:nvGrpSpPr>
@@ -8727,7 +9467,7 @@
       </p:grpSpPr>
       <p:sp>
         <p:nvSpPr>
-          <p:cNvPr id="171" name="Google Shape;171;p8"/>
+          <p:cNvPr id="184" name="Google Shape;184;p8"/>
           <p:cNvSpPr/>
           <p:nvPr/>
         </p:nvSpPr>
@@ -8786,7 +9526,7 @@
       </p:sp>
       <p:sp>
         <p:nvSpPr>
-          <p:cNvPr id="172" name="Google Shape;172;p8"/>
+          <p:cNvPr id="185" name="Google Shape;185;p8"/>
           <p:cNvSpPr/>
           <p:nvPr/>
         </p:nvSpPr>
@@ -8852,7 +9592,7 @@
       </p:sp>
       <p:pic>
         <p:nvPicPr>
-          <p:cNvPr id="173" name="Google Shape;173;p8"/>
+          <p:cNvPr id="186" name="Google Shape;186;p8"/>
           <p:cNvPicPr preferRelativeResize="0"/>
           <p:nvPr/>
         </p:nvPicPr>
@@ -8878,6 +9618,34 @@
           </a:ln>
         </p:spPr>
       </p:pic>
+      <p:pic>
+        <p:nvPicPr>
+          <p:cNvPr id="187" name="Google Shape;187;p8" title="icons8-테라폼-480.png"/>
+          <p:cNvPicPr preferRelativeResize="0"/>
+          <p:nvPr/>
+        </p:nvPicPr>
+        <p:blipFill>
+          <a:blip r:embed="rId4">
+            <a:alphaModFix/>
+          </a:blip>
+          <a:stretch>
+            <a:fillRect/>
+          </a:stretch>
+        </p:blipFill>
+        <p:spPr>
+          <a:xfrm>
+            <a:off x="7147548" y="3104199"/>
+            <a:ext cx="515600" cy="515600"/>
+          </a:xfrm>
+          <a:prstGeom prst="rect">
+            <a:avLst/>
+          </a:prstGeom>
+          <a:noFill/>
+          <a:ln>
+            <a:noFill/>
+          </a:ln>
+        </p:spPr>
+      </p:pic>
     </p:spTree>
   </p:cSld>
   <p:clrMapOvr>
@@ -8886,12 +9654,12 @@
 </p:sld>
 </file>
 
-<file path=ppt/slides/slide2.xml><?xml version="1.0" encoding="utf-8"?>
+<file path=ppt/slides/slide21.xml><?xml version="1.0" encoding="utf-8"?>
 <p:sld xmlns:a="http://schemas.openxmlformats.org/drawingml/2006/main" xmlns:r="http://schemas.openxmlformats.org/officeDocument/2006/relationships" xmlns:mc="http://schemas.openxmlformats.org/markup-compatibility/2006" xmlns:mv="urn:schemas-microsoft-com:mac:vml" xmlns:p="http://schemas.openxmlformats.org/presentationml/2006/main" xmlns:c="http://schemas.openxmlformats.org/drawingml/2006/chart" xmlns:dgm="http://schemas.openxmlformats.org/drawingml/2006/diagram" xmlns:o="urn:schemas-microsoft-com:office:office" xmlns:v="urn:schemas-microsoft-com:vml" xmlns:pvml="urn:schemas-microsoft-com:office:powerpoint" xmlns:com="http://schemas.openxmlformats.org/drawingml/2006/compatibility" xmlns:p14="http://schemas.microsoft.com/office/powerpoint/2010/main" xmlns:p15="http://schemas.microsoft.com/office/powerpoint/2012/main" xmlns:ahyp="http://schemas.microsoft.com/office/drawing/2018/hyperlinkcolor">
   <p:cSld>
     <p:spTree>
       <p:nvGrpSpPr>
-        <p:cNvPr id="29" name="Shape 29"/>
+        <p:cNvPr id="192" name="Shape 192"/>
         <p:cNvGrpSpPr/>
         <p:nvPr/>
       </p:nvGrpSpPr>
@@ -8905,7 +9673,426 @@
       </p:grpSpPr>
       <p:sp>
         <p:nvSpPr>
-          <p:cNvPr id="30" name="Google Shape;30;g3bdec654bb2_0_34"/>
+          <p:cNvPr id="193" name="Google Shape;193;g3bdec654bb2_0_27"/>
+          <p:cNvSpPr/>
+          <p:nvPr/>
+        </p:nvSpPr>
+        <p:spPr>
+          <a:xfrm>
+            <a:off x="0" y="0"/>
+            <a:ext cx="57300" cy="5143500"/>
+          </a:xfrm>
+          <a:prstGeom prst="rect">
+            <a:avLst/>
+          </a:prstGeom>
+          <a:solidFill>
+            <a:srgbClr val="A855F7"/>
+          </a:solidFill>
+          <a:ln>
+            <a:noFill/>
+          </a:ln>
+        </p:spPr>
+        <p:txBody>
+          <a:bodyPr anchorCtr="0" anchor="ctr" bIns="45700" lIns="91425" spcFirstLastPara="1" rIns="91425" wrap="square" tIns="45700">
+            <a:noAutofit/>
+          </a:bodyPr>
+          <a:lstStyle/>
+          <a:p>
+            <a:pPr indent="0" lvl="0" marL="0" marR="0" rtl="0" algn="l">
+              <a:lnSpc>
+                <a:spcPct val="100000"/>
+              </a:lnSpc>
+              <a:spcBef>
+                <a:spcPts val="0"/>
+              </a:spcBef>
+              <a:spcAft>
+                <a:spcPts val="0"/>
+              </a:spcAft>
+              <a:buClr>
+                <a:schemeClr val="dk1"/>
+              </a:buClr>
+              <a:buSzPts val="1800"/>
+              <a:buFont typeface="Calibri"/>
+              <a:buNone/>
+            </a:pPr>
+            <a:r>
+              <a:t/>
+            </a:r>
+            <a:endParaRPr b="0" i="0" sz="1800" u="none" cap="none" strike="noStrike">
+              <a:solidFill>
+                <a:schemeClr val="dk1"/>
+              </a:solidFill>
+              <a:latin typeface="Calibri"/>
+              <a:ea typeface="Calibri"/>
+              <a:cs typeface="Calibri"/>
+              <a:sym typeface="Calibri"/>
+            </a:endParaRPr>
+          </a:p>
+        </p:txBody>
+      </p:sp>
+      <p:sp>
+        <p:nvSpPr>
+          <p:cNvPr id="194" name="Google Shape;194;g3bdec654bb2_0_27"/>
+          <p:cNvSpPr/>
+          <p:nvPr/>
+        </p:nvSpPr>
+        <p:spPr>
+          <a:xfrm>
+            <a:off x="381000" y="571500"/>
+            <a:ext cx="4284600" cy="342900"/>
+          </a:xfrm>
+          <a:prstGeom prst="rect">
+            <a:avLst/>
+          </a:prstGeom>
+          <a:noFill/>
+          <a:ln>
+            <a:noFill/>
+          </a:ln>
+        </p:spPr>
+        <p:txBody>
+          <a:bodyPr anchorCtr="0" anchor="t" bIns="0" lIns="0" spcFirstLastPara="1" rIns="0" wrap="square" tIns="0">
+            <a:noAutofit/>
+          </a:bodyPr>
+          <a:lstStyle/>
+          <a:p>
+            <a:pPr indent="0" lvl="0" marL="0" marR="0" rtl="0" algn="l">
+              <a:lnSpc>
+                <a:spcPct val="100000"/>
+              </a:lnSpc>
+              <a:spcBef>
+                <a:spcPts val="0"/>
+              </a:spcBef>
+              <a:spcAft>
+                <a:spcPts val="0"/>
+              </a:spcAft>
+              <a:buClr>
+                <a:srgbClr val="E7E9EA"/>
+              </a:buClr>
+              <a:buSzPts val="2700"/>
+              <a:buFont typeface="Quattrocento Sans"/>
+              <a:buNone/>
+            </a:pPr>
+            <a:r>
+              <a:rPr b="1" lang="en-US" sz="2700">
+                <a:solidFill>
+                  <a:srgbClr val="E7E9EA"/>
+                </a:solidFill>
+                <a:latin typeface="Quattrocento Sans"/>
+                <a:ea typeface="Quattrocento Sans"/>
+                <a:cs typeface="Quattrocento Sans"/>
+                <a:sym typeface="Quattrocento Sans"/>
+              </a:rPr>
+              <a:t>느낀점</a:t>
+            </a:r>
+            <a:endParaRPr b="0" i="0" sz="2700" u="none" cap="none" strike="noStrike">
+              <a:solidFill>
+                <a:schemeClr val="dk1"/>
+              </a:solidFill>
+              <a:latin typeface="Calibri"/>
+              <a:ea typeface="Calibri"/>
+              <a:cs typeface="Calibri"/>
+              <a:sym typeface="Calibri"/>
+            </a:endParaRPr>
+          </a:p>
+        </p:txBody>
+      </p:sp>
+      <p:pic>
+        <p:nvPicPr>
+          <p:cNvPr id="195" name="Google Shape;195;g3bdec654bb2_0_27"/>
+          <p:cNvPicPr preferRelativeResize="0"/>
+          <p:nvPr/>
+        </p:nvPicPr>
+        <p:blipFill>
+          <a:blip r:embed="rId3">
+            <a:alphaModFix/>
+          </a:blip>
+          <a:stretch>
+            <a:fillRect/>
+          </a:stretch>
+        </p:blipFill>
+        <p:spPr>
+          <a:xfrm>
+            <a:off x="452063" y="1287075"/>
+            <a:ext cx="8239877" cy="2981325"/>
+          </a:xfrm>
+          <a:prstGeom prst="rect">
+            <a:avLst/>
+          </a:prstGeom>
+          <a:noFill/>
+          <a:ln>
+            <a:noFill/>
+          </a:ln>
+        </p:spPr>
+      </p:pic>
+    </p:spTree>
+  </p:cSld>
+  <p:clrMapOvr>
+    <a:masterClrMapping/>
+  </p:clrMapOvr>
+</p:sld>
+</file>
+
+<file path=ppt/slides/slide22.xml><?xml version="1.0" encoding="utf-8"?>
+<p:sld xmlns:a="http://schemas.openxmlformats.org/drawingml/2006/main" xmlns:r="http://schemas.openxmlformats.org/officeDocument/2006/relationships" xmlns:mc="http://schemas.openxmlformats.org/markup-compatibility/2006" xmlns:mv="urn:schemas-microsoft-com:mac:vml" xmlns:p="http://schemas.openxmlformats.org/presentationml/2006/main" xmlns:c="http://schemas.openxmlformats.org/drawingml/2006/chart" xmlns:dgm="http://schemas.openxmlformats.org/drawingml/2006/diagram" xmlns:o="urn:schemas-microsoft-com:office:office" xmlns:v="urn:schemas-microsoft-com:vml" xmlns:pvml="urn:schemas-microsoft-com:office:powerpoint" xmlns:com="http://schemas.openxmlformats.org/drawingml/2006/compatibility" xmlns:p14="http://schemas.microsoft.com/office/powerpoint/2010/main" xmlns:p15="http://schemas.microsoft.com/office/powerpoint/2012/main" xmlns:ahyp="http://schemas.microsoft.com/office/drawing/2018/hyperlinkcolor">
+  <p:cSld>
+    <p:spTree>
+      <p:nvGrpSpPr>
+        <p:cNvPr id="200" name="Shape 200"/>
+        <p:cNvGrpSpPr/>
+        <p:nvPr/>
+      </p:nvGrpSpPr>
+      <p:grpSpPr>
+        <a:xfrm>
+          <a:off x="0" y="0"/>
+          <a:ext cx="0" cy="0"/>
+          <a:chOff x="0" y="0"/>
+          <a:chExt cx="0" cy="0"/>
+        </a:xfrm>
+      </p:grpSpPr>
+      <p:pic>
+        <p:nvPicPr>
+          <p:cNvPr descr="/tmp/rasterized-gradient-3cf720be.png" id="201" name="Google Shape;201;p9"/>
+          <p:cNvPicPr preferRelativeResize="0"/>
+          <p:nvPr/>
+        </p:nvPicPr>
+        <p:blipFill rotWithShape="1">
+          <a:blip r:embed="rId3">
+            <a:alphaModFix/>
+          </a:blip>
+          <a:srcRect b="0" l="0" r="0" t="0"/>
+          <a:stretch/>
+        </p:blipFill>
+        <p:spPr>
+          <a:xfrm>
+            <a:off x="0" y="0"/>
+            <a:ext cx="9144000" cy="57150"/>
+          </a:xfrm>
+          <a:prstGeom prst="rect">
+            <a:avLst/>
+          </a:prstGeom>
+          <a:noFill/>
+          <a:ln>
+            <a:noFill/>
+          </a:ln>
+        </p:spPr>
+      </p:pic>
+      <p:sp>
+        <p:nvSpPr>
+          <p:cNvPr id="202" name="Google Shape;202;p9"/>
+          <p:cNvSpPr/>
+          <p:nvPr/>
+        </p:nvSpPr>
+        <p:spPr>
+          <a:xfrm>
+            <a:off x="3967363" y="2305045"/>
+            <a:ext cx="1209000" cy="533400"/>
+          </a:xfrm>
+          <a:prstGeom prst="rect">
+            <a:avLst/>
+          </a:prstGeom>
+          <a:noFill/>
+          <a:ln>
+            <a:noFill/>
+          </a:ln>
+        </p:spPr>
+        <p:txBody>
+          <a:bodyPr anchorCtr="0" anchor="t" bIns="0" lIns="0" spcFirstLastPara="1" rIns="0" wrap="square" tIns="0">
+            <a:noAutofit/>
+          </a:bodyPr>
+          <a:lstStyle/>
+          <a:p>
+            <a:pPr indent="0" lvl="0" marL="0" marR="0" rtl="0" algn="ctr">
+              <a:lnSpc>
+                <a:spcPct val="100000"/>
+              </a:lnSpc>
+              <a:spcBef>
+                <a:spcPts val="0"/>
+              </a:spcBef>
+              <a:spcAft>
+                <a:spcPts val="0"/>
+              </a:spcAft>
+              <a:buClr>
+                <a:srgbClr val="E7E9EA"/>
+              </a:buClr>
+              <a:buSzPts val="4200"/>
+              <a:buFont typeface="Quattrocento Sans"/>
+              <a:buNone/>
+            </a:pPr>
+            <a:r>
+              <a:rPr b="1" i="0" lang="en-US" sz="4200" u="none" cap="none" strike="noStrike">
+                <a:solidFill>
+                  <a:srgbClr val="E7E9EA"/>
+                </a:solidFill>
+                <a:latin typeface="Quattrocento Sans"/>
+                <a:ea typeface="Quattrocento Sans"/>
+                <a:cs typeface="Quattrocento Sans"/>
+                <a:sym typeface="Quattrocento Sans"/>
+              </a:rPr>
+              <a:t>Q&amp;A</a:t>
+            </a:r>
+            <a:endParaRPr b="0" i="0" sz="4200" u="none" cap="none" strike="noStrike">
+              <a:solidFill>
+                <a:schemeClr val="dk1"/>
+              </a:solidFill>
+              <a:latin typeface="Calibri"/>
+              <a:ea typeface="Calibri"/>
+              <a:cs typeface="Calibri"/>
+              <a:sym typeface="Calibri"/>
+            </a:endParaRPr>
+          </a:p>
+        </p:txBody>
+      </p:sp>
+      <p:pic>
+        <p:nvPicPr>
+          <p:cNvPr id="203" name="Google Shape;203;p9"/>
+          <p:cNvPicPr preferRelativeResize="0"/>
+          <p:nvPr/>
+        </p:nvPicPr>
+        <p:blipFill>
+          <a:blip r:embed="rId4">
+            <a:alphaModFix/>
+          </a:blip>
+          <a:stretch>
+            <a:fillRect/>
+          </a:stretch>
+        </p:blipFill>
+        <p:spPr>
+          <a:xfrm>
+            <a:off x="534475" y="1104626"/>
+            <a:ext cx="3432899" cy="2934249"/>
+          </a:xfrm>
+          <a:prstGeom prst="rect">
+            <a:avLst/>
+          </a:prstGeom>
+          <a:noFill/>
+          <a:ln>
+            <a:noFill/>
+          </a:ln>
+        </p:spPr>
+      </p:pic>
+    </p:spTree>
+  </p:cSld>
+  <p:clrMapOvr>
+    <a:masterClrMapping/>
+  </p:clrMapOvr>
+</p:sld>
+</file>
+
+<file path=ppt/slides/slide3.xml><?xml version="1.0" encoding="utf-8"?>
+<p:sld xmlns:a="http://schemas.openxmlformats.org/drawingml/2006/main" xmlns:r="http://schemas.openxmlformats.org/officeDocument/2006/relationships" xmlns:mc="http://schemas.openxmlformats.org/markup-compatibility/2006" xmlns:mv="urn:schemas-microsoft-com:mac:vml" xmlns:p="http://schemas.openxmlformats.org/presentationml/2006/main" xmlns:c="http://schemas.openxmlformats.org/drawingml/2006/chart" xmlns:dgm="http://schemas.openxmlformats.org/drawingml/2006/diagram" xmlns:o="urn:schemas-microsoft-com:office:office" xmlns:v="urn:schemas-microsoft-com:vml" xmlns:pvml="urn:schemas-microsoft-com:office:powerpoint" xmlns:com="http://schemas.openxmlformats.org/drawingml/2006/compatibility" xmlns:p14="http://schemas.microsoft.com/office/powerpoint/2010/main" xmlns:p15="http://schemas.microsoft.com/office/powerpoint/2012/main" xmlns:ahyp="http://schemas.microsoft.com/office/drawing/2018/hyperlinkcolor">
+  <p:cSld>
+    <p:spTree>
+      <p:nvGrpSpPr>
+        <p:cNvPr id="35" name="Shape 35"/>
+        <p:cNvGrpSpPr/>
+        <p:nvPr/>
+      </p:nvGrpSpPr>
+      <p:grpSpPr>
+        <a:xfrm>
+          <a:off x="0" y="0"/>
+          <a:ext cx="0" cy="0"/>
+          <a:chOff x="0" y="0"/>
+          <a:chExt cx="0" cy="0"/>
+        </a:xfrm>
+      </p:grpSpPr>
+      <p:pic>
+        <p:nvPicPr>
+          <p:cNvPr id="36" name="Google Shape;36;g3bbe688209e_0_25"/>
+          <p:cNvPicPr preferRelativeResize="0"/>
+          <p:nvPr/>
+        </p:nvPicPr>
+        <p:blipFill>
+          <a:blip r:embed="rId3">
+            <a:alphaModFix/>
+          </a:blip>
+          <a:stretch>
+            <a:fillRect/>
+          </a:stretch>
+        </p:blipFill>
+        <p:spPr>
+          <a:xfrm>
+            <a:off x="704063" y="152400"/>
+            <a:ext cx="7735875" cy="4838699"/>
+          </a:xfrm>
+          <a:prstGeom prst="rect">
+            <a:avLst/>
+          </a:prstGeom>
+          <a:noFill/>
+          <a:ln>
+            <a:noFill/>
+          </a:ln>
+        </p:spPr>
+      </p:pic>
+      <p:sp>
+        <p:nvSpPr>
+          <p:cNvPr id="37" name="Google Shape;37;g3bbe688209e_0_25"/>
+          <p:cNvSpPr txBox="1"/>
+          <p:nvPr/>
+        </p:nvSpPr>
+        <p:spPr>
+          <a:xfrm>
+            <a:off x="704075" y="4353200"/>
+            <a:ext cx="3793500" cy="400200"/>
+          </a:xfrm>
+          <a:prstGeom prst="rect">
+            <a:avLst/>
+          </a:prstGeom>
+          <a:noFill/>
+          <a:ln>
+            <a:noFill/>
+          </a:ln>
+        </p:spPr>
+        <p:txBody>
+          <a:bodyPr anchorCtr="0" anchor="t" bIns="91425" lIns="91425" spcFirstLastPara="1" rIns="91425" wrap="square" tIns="91425">
+            <a:spAutoFit/>
+          </a:bodyPr>
+          <a:lstStyle/>
+          <a:p>
+            <a:pPr indent="0" lvl="0" marL="0" rtl="0" algn="l">
+              <a:spcBef>
+                <a:spcPts val="0"/>
+              </a:spcBef>
+              <a:spcAft>
+                <a:spcPts val="0"/>
+              </a:spcAft>
+              <a:buNone/>
+            </a:pPr>
+            <a:r>
+              <a:rPr lang="en-US"/>
+              <a:t>경력직 채용중 …</a:t>
+            </a:r>
+            <a:endParaRPr/>
+          </a:p>
+        </p:txBody>
+      </p:sp>
+    </p:spTree>
+  </p:cSld>
+  <p:clrMapOvr>
+    <a:masterClrMapping/>
+  </p:clrMapOvr>
+</p:sld>
+</file>
+
+<file path=ppt/slides/slide4.xml><?xml version="1.0" encoding="utf-8"?>
+<p:sld xmlns:a="http://schemas.openxmlformats.org/drawingml/2006/main" xmlns:r="http://schemas.openxmlformats.org/officeDocument/2006/relationships" xmlns:mc="http://schemas.openxmlformats.org/markup-compatibility/2006" xmlns:mv="urn:schemas-microsoft-com:mac:vml" xmlns:p="http://schemas.openxmlformats.org/presentationml/2006/main" xmlns:c="http://schemas.openxmlformats.org/drawingml/2006/chart" xmlns:dgm="http://schemas.openxmlformats.org/drawingml/2006/diagram" xmlns:o="urn:schemas-microsoft-com:office:office" xmlns:v="urn:schemas-microsoft-com:vml" xmlns:pvml="urn:schemas-microsoft-com:office:powerpoint" xmlns:com="http://schemas.openxmlformats.org/drawingml/2006/compatibility" xmlns:p14="http://schemas.microsoft.com/office/powerpoint/2010/main" xmlns:p15="http://schemas.microsoft.com/office/powerpoint/2012/main" xmlns:ahyp="http://schemas.microsoft.com/office/drawing/2018/hyperlinkcolor">
+  <p:cSld>
+    <p:spTree>
+      <p:nvGrpSpPr>
+        <p:cNvPr id="42" name="Shape 42"/>
+        <p:cNvGrpSpPr/>
+        <p:nvPr/>
+      </p:nvGrpSpPr>
+      <p:grpSpPr>
+        <a:xfrm>
+          <a:off x="0" y="0"/>
+          <a:ext cx="0" cy="0"/>
+          <a:chOff x="0" y="0"/>
+          <a:chExt cx="0" cy="0"/>
+        </a:xfrm>
+      </p:grpSpPr>
+      <p:sp>
+        <p:nvSpPr>
+          <p:cNvPr id="43" name="Google Shape;43;g3bdec654bb2_0_34"/>
           <p:cNvSpPr/>
           <p:nvPr/>
         </p:nvSpPr>
@@ -8971,37 +10158,196 @@
           </a:p>
         </p:txBody>
       </p:sp>
-      <p:pic>
-        <p:nvPicPr>
-          <p:cNvPr id="31" name="Google Shape;31;g3bdec654bb2_0_34"/>
-          <p:cNvPicPr preferRelativeResize="0"/>
+      <p:grpSp>
+        <p:nvGrpSpPr>
+          <p:cNvPr id="44" name="Google Shape;44;g3bdec654bb2_0_34"/>
+          <p:cNvGrpSpPr/>
           <p:nvPr/>
-        </p:nvPicPr>
-        <p:blipFill>
-          <a:blip r:embed="rId3">
-            <a:alphaModFix/>
-          </a:blip>
-          <a:stretch>
-            <a:fillRect/>
-          </a:stretch>
-        </p:blipFill>
-        <p:spPr>
-          <a:xfrm>
-            <a:off x="1145825" y="475564"/>
-            <a:ext cx="6852352" cy="4192375"/>
-          </a:xfrm>
-          <a:prstGeom prst="rect">
-            <a:avLst/>
-          </a:prstGeom>
-          <a:noFill/>
-          <a:ln>
+        </p:nvGrpSpPr>
+        <p:grpSpPr>
+          <a:xfrm>
+            <a:off x="1145825" y="875589"/>
+            <a:ext cx="6852450" cy="4192375"/>
+            <a:chOff x="1145825" y="875589"/>
+            <a:chExt cx="6852450" cy="4192375"/>
+          </a:xfrm>
+        </p:grpSpPr>
+        <p:pic>
+          <p:nvPicPr>
+            <p:cNvPr id="45" name="Google Shape;45;g3bdec654bb2_0_34"/>
+            <p:cNvPicPr preferRelativeResize="0"/>
+            <p:nvPr/>
+          </p:nvPicPr>
+          <p:blipFill>
+            <a:blip r:embed="rId3">
+              <a:alphaModFix/>
+            </a:blip>
+            <a:stretch>
+              <a:fillRect/>
+            </a:stretch>
+          </p:blipFill>
+          <p:spPr>
+            <a:xfrm>
+              <a:off x="1145825" y="875589"/>
+              <a:ext cx="6852352" cy="4192375"/>
+            </a:xfrm>
+            <a:prstGeom prst="rect">
+              <a:avLst/>
+            </a:prstGeom>
             <a:noFill/>
-          </a:ln>
-        </p:spPr>
-      </p:pic>
+            <a:ln>
+              <a:noFill/>
+            </a:ln>
+          </p:spPr>
+        </p:pic>
+        <p:pic>
+          <p:nvPicPr>
+            <p:cNvPr id="46" name="Google Shape;46;g3bdec654bb2_0_34"/>
+            <p:cNvPicPr preferRelativeResize="0"/>
+            <p:nvPr/>
+          </p:nvPicPr>
+          <p:blipFill>
+            <a:blip r:embed="rId4">
+              <a:alphaModFix/>
+            </a:blip>
+            <a:stretch>
+              <a:fillRect/>
+            </a:stretch>
+          </p:blipFill>
+          <p:spPr>
+            <a:xfrm>
+              <a:off x="3818946" y="3737346"/>
+              <a:ext cx="1506100" cy="1239225"/>
+            </a:xfrm>
+            <a:prstGeom prst="rect">
+              <a:avLst/>
+            </a:prstGeom>
+            <a:noFill/>
+            <a:ln>
+              <a:noFill/>
+            </a:ln>
+          </p:spPr>
+        </p:pic>
+        <p:sp>
+          <p:nvSpPr>
+            <p:cNvPr id="47" name="Google Shape;47;g3bdec654bb2_0_34"/>
+            <p:cNvSpPr/>
+            <p:nvPr/>
+          </p:nvSpPr>
+          <p:spPr>
+            <a:xfrm>
+              <a:off x="5594975" y="1131550"/>
+              <a:ext cx="2403300" cy="1503000"/>
+            </a:xfrm>
+            <a:prstGeom prst="roundRect">
+              <a:avLst>
+                <a:gd fmla="val 16667" name="adj"/>
+              </a:avLst>
+            </a:prstGeom>
+            <a:solidFill>
+              <a:schemeClr val="lt2"/>
+            </a:solidFill>
+            <a:ln cap="flat" cmpd="sng" w="9525">
+              <a:solidFill>
+                <a:schemeClr val="dk2"/>
+              </a:solidFill>
+              <a:prstDash val="solid"/>
+              <a:round/>
+              <a:headEnd len="sm" w="sm" type="none"/>
+              <a:tailEnd len="sm" w="sm" type="none"/>
+            </a:ln>
+          </p:spPr>
+          <p:txBody>
+            <a:bodyPr anchorCtr="0" anchor="ctr" bIns="91425" lIns="91425" spcFirstLastPara="1" rIns="91425" wrap="square" tIns="91425">
+              <a:noAutofit/>
+            </a:bodyPr>
+            <a:lstStyle/>
+            <a:p>
+              <a:pPr indent="0" lvl="0" marL="0" rtl="0" algn="l">
+                <a:spcBef>
+                  <a:spcPts val="0"/>
+                </a:spcBef>
+                <a:spcAft>
+                  <a:spcPts val="0"/>
+                </a:spcAft>
+                <a:buNone/>
+              </a:pPr>
+              <a:r>
+                <a:rPr lang="en-US" sz="1300"/>
+                <a:t>1</a:t>
+              </a:r>
+              <a:r>
+                <a:rPr lang="en-US" sz="1300"/>
+                <a:t>주일 안에</a:t>
+              </a:r>
+              <a:endParaRPr sz="1300"/>
+            </a:p>
+            <a:p>
+              <a:pPr indent="0" lvl="0" marL="0" rtl="0" algn="l">
+                <a:spcBef>
+                  <a:spcPts val="0"/>
+                </a:spcBef>
+                <a:spcAft>
+                  <a:spcPts val="0"/>
+                </a:spcAft>
+                <a:buNone/>
+              </a:pPr>
+              <a:r>
+                <a:t/>
+              </a:r>
+              <a:endParaRPr sz="1300"/>
+            </a:p>
+            <a:p>
+              <a:pPr indent="0" lvl="0" marL="0" rtl="0" algn="l">
+                <a:spcBef>
+                  <a:spcPts val="0"/>
+                </a:spcBef>
+                <a:spcAft>
+                  <a:spcPts val="0"/>
+                </a:spcAft>
+                <a:buNone/>
+              </a:pPr>
+              <a:r>
+                <a:rPr b="1" lang="en-US" sz="1300"/>
+                <a:t>안정적인 서비스 가능</a:t>
+              </a:r>
+              <a:endParaRPr b="1" sz="1300"/>
+            </a:p>
+            <a:p>
+              <a:pPr indent="0" lvl="0" marL="0" rtl="0" algn="l">
+                <a:spcBef>
+                  <a:spcPts val="0"/>
+                </a:spcBef>
+                <a:spcAft>
+                  <a:spcPts val="0"/>
+                </a:spcAft>
+                <a:buClr>
+                  <a:schemeClr val="dk1"/>
+                </a:buClr>
+                <a:buSzPts val="1100"/>
+                <a:buFont typeface="Arial"/>
+                <a:buNone/>
+              </a:pPr>
+              <a:r>
+                <a:rPr b="1" lang="en-US" sz="1200">
+                  <a:solidFill>
+                    <a:schemeClr val="dk1"/>
+                  </a:solidFill>
+                  <a:latin typeface="Calibri"/>
+                  <a:ea typeface="Calibri"/>
+                  <a:cs typeface="Calibri"/>
+                  <a:sym typeface="Calibri"/>
+                </a:rPr>
+                <a:t>서버는 필요에 따라 증설과 감축 필요</a:t>
+              </a:r>
+              <a:endParaRPr b="1" sz="1300"/>
+            </a:p>
+          </p:txBody>
+        </p:sp>
+      </p:grpSp>
       <p:sp>
         <p:nvSpPr>
-          <p:cNvPr id="32" name="Google Shape;32;g3bdec654bb2_0_34"/>
+          <p:cNvPr id="48" name="Google Shape;48;g3bdec654bb2_0_34"/>
           <p:cNvSpPr/>
           <p:nvPr/>
         </p:nvSpPr>
@@ -9073,12 +10419,12 @@
 </p:sld>
 </file>
 
-<file path=ppt/slides/slide20.xml><?xml version="1.0" encoding="utf-8"?>
+<file path=ppt/slides/slide5.xml><?xml version="1.0" encoding="utf-8"?>
 <p:sld xmlns:a="http://schemas.openxmlformats.org/drawingml/2006/main" xmlns:r="http://schemas.openxmlformats.org/officeDocument/2006/relationships" xmlns:mc="http://schemas.openxmlformats.org/markup-compatibility/2006" xmlns:mv="urn:schemas-microsoft-com:mac:vml" xmlns:p="http://schemas.openxmlformats.org/presentationml/2006/main" xmlns:c="http://schemas.openxmlformats.org/drawingml/2006/chart" xmlns:dgm="http://schemas.openxmlformats.org/drawingml/2006/diagram" xmlns:o="urn:schemas-microsoft-com:office:office" xmlns:v="urn:schemas-microsoft-com:vml" xmlns:pvml="urn:schemas-microsoft-com:office:powerpoint" xmlns:com="http://schemas.openxmlformats.org/drawingml/2006/compatibility" xmlns:p14="http://schemas.microsoft.com/office/powerpoint/2010/main" xmlns:p15="http://schemas.microsoft.com/office/powerpoint/2012/main" xmlns:ahyp="http://schemas.microsoft.com/office/drawing/2018/hyperlinkcolor">
   <p:cSld>
     <p:spTree>
       <p:nvGrpSpPr>
-        <p:cNvPr id="178" name="Shape 178"/>
+        <p:cNvPr id="53" name="Shape 53"/>
         <p:cNvGrpSpPr/>
         <p:nvPr/>
       </p:nvGrpSpPr>
@@ -9092,303 +10438,7 @@
       </p:grpSpPr>
       <p:sp>
         <p:nvSpPr>
-          <p:cNvPr id="179" name="Google Shape;179;g3bdec654bb2_0_27"/>
-          <p:cNvSpPr/>
-          <p:nvPr/>
-        </p:nvSpPr>
-        <p:spPr>
-          <a:xfrm>
-            <a:off x="0" y="0"/>
-            <a:ext cx="57300" cy="5143500"/>
-          </a:xfrm>
-          <a:prstGeom prst="rect">
-            <a:avLst/>
-          </a:prstGeom>
-          <a:solidFill>
-            <a:srgbClr val="A855F7"/>
-          </a:solidFill>
-          <a:ln>
-            <a:noFill/>
-          </a:ln>
-        </p:spPr>
-        <p:txBody>
-          <a:bodyPr anchorCtr="0" anchor="ctr" bIns="45700" lIns="91425" spcFirstLastPara="1" rIns="91425" wrap="square" tIns="45700">
-            <a:noAutofit/>
-          </a:bodyPr>
-          <a:lstStyle/>
-          <a:p>
-            <a:pPr indent="0" lvl="0" marL="0" marR="0" rtl="0" algn="l">
-              <a:lnSpc>
-                <a:spcPct val="100000"/>
-              </a:lnSpc>
-              <a:spcBef>
-                <a:spcPts val="0"/>
-              </a:spcBef>
-              <a:spcAft>
-                <a:spcPts val="0"/>
-              </a:spcAft>
-              <a:buClr>
-                <a:schemeClr val="dk1"/>
-              </a:buClr>
-              <a:buSzPts val="1800"/>
-              <a:buFont typeface="Calibri"/>
-              <a:buNone/>
-            </a:pPr>
-            <a:r>
-              <a:t/>
-            </a:r>
-            <a:endParaRPr b="0" i="0" sz="1800" u="none" cap="none" strike="noStrike">
-              <a:solidFill>
-                <a:schemeClr val="dk1"/>
-              </a:solidFill>
-              <a:latin typeface="Calibri"/>
-              <a:ea typeface="Calibri"/>
-              <a:cs typeface="Calibri"/>
-              <a:sym typeface="Calibri"/>
-            </a:endParaRPr>
-          </a:p>
-        </p:txBody>
-      </p:sp>
-      <p:sp>
-        <p:nvSpPr>
-          <p:cNvPr id="180" name="Google Shape;180;g3bdec654bb2_0_27"/>
-          <p:cNvSpPr/>
-          <p:nvPr/>
-        </p:nvSpPr>
-        <p:spPr>
-          <a:xfrm>
-            <a:off x="381000" y="571500"/>
-            <a:ext cx="4284600" cy="342900"/>
-          </a:xfrm>
-          <a:prstGeom prst="rect">
-            <a:avLst/>
-          </a:prstGeom>
-          <a:noFill/>
-          <a:ln>
-            <a:noFill/>
-          </a:ln>
-        </p:spPr>
-        <p:txBody>
-          <a:bodyPr anchorCtr="0" anchor="t" bIns="0" lIns="0" spcFirstLastPara="1" rIns="0" wrap="square" tIns="0">
-            <a:noAutofit/>
-          </a:bodyPr>
-          <a:lstStyle/>
-          <a:p>
-            <a:pPr indent="0" lvl="0" marL="0" marR="0" rtl="0" algn="l">
-              <a:lnSpc>
-                <a:spcPct val="100000"/>
-              </a:lnSpc>
-              <a:spcBef>
-                <a:spcPts val="0"/>
-              </a:spcBef>
-              <a:spcAft>
-                <a:spcPts val="0"/>
-              </a:spcAft>
-              <a:buClr>
-                <a:srgbClr val="E7E9EA"/>
-              </a:buClr>
-              <a:buSzPts val="2700"/>
-              <a:buFont typeface="Quattrocento Sans"/>
-              <a:buNone/>
-            </a:pPr>
-            <a:r>
-              <a:rPr b="1" lang="en-US" sz="2700">
-                <a:solidFill>
-                  <a:srgbClr val="E7E9EA"/>
-                </a:solidFill>
-                <a:latin typeface="Quattrocento Sans"/>
-                <a:ea typeface="Quattrocento Sans"/>
-                <a:cs typeface="Quattrocento Sans"/>
-                <a:sym typeface="Quattrocento Sans"/>
-              </a:rPr>
-              <a:t>느낀점</a:t>
-            </a:r>
-            <a:endParaRPr b="0" i="0" sz="2700" u="none" cap="none" strike="noStrike">
-              <a:solidFill>
-                <a:schemeClr val="dk1"/>
-              </a:solidFill>
-              <a:latin typeface="Calibri"/>
-              <a:ea typeface="Calibri"/>
-              <a:cs typeface="Calibri"/>
-              <a:sym typeface="Calibri"/>
-            </a:endParaRPr>
-          </a:p>
-        </p:txBody>
-      </p:sp>
-      <p:pic>
-        <p:nvPicPr>
-          <p:cNvPr id="181" name="Google Shape;181;g3bdec654bb2_0_27"/>
-          <p:cNvPicPr preferRelativeResize="0"/>
-          <p:nvPr/>
-        </p:nvPicPr>
-        <p:blipFill>
-          <a:blip r:embed="rId3">
-            <a:alphaModFix/>
-          </a:blip>
-          <a:stretch>
-            <a:fillRect/>
-          </a:stretch>
-        </p:blipFill>
-        <p:spPr>
-          <a:xfrm>
-            <a:off x="452063" y="1287075"/>
-            <a:ext cx="8239877" cy="2981325"/>
-          </a:xfrm>
-          <a:prstGeom prst="rect">
-            <a:avLst/>
-          </a:prstGeom>
-          <a:noFill/>
-          <a:ln>
-            <a:noFill/>
-          </a:ln>
-        </p:spPr>
-      </p:pic>
-    </p:spTree>
-  </p:cSld>
-  <p:clrMapOvr>
-    <a:masterClrMapping/>
-  </p:clrMapOvr>
-</p:sld>
-</file>
-
-<file path=ppt/slides/slide21.xml><?xml version="1.0" encoding="utf-8"?>
-<p:sld xmlns:a="http://schemas.openxmlformats.org/drawingml/2006/main" xmlns:r="http://schemas.openxmlformats.org/officeDocument/2006/relationships" xmlns:mc="http://schemas.openxmlformats.org/markup-compatibility/2006" xmlns:mv="urn:schemas-microsoft-com:mac:vml" xmlns:p="http://schemas.openxmlformats.org/presentationml/2006/main" xmlns:c="http://schemas.openxmlformats.org/drawingml/2006/chart" xmlns:dgm="http://schemas.openxmlformats.org/drawingml/2006/diagram" xmlns:o="urn:schemas-microsoft-com:office:office" xmlns:v="urn:schemas-microsoft-com:vml" xmlns:pvml="urn:schemas-microsoft-com:office:powerpoint" xmlns:com="http://schemas.openxmlformats.org/drawingml/2006/compatibility" xmlns:p14="http://schemas.microsoft.com/office/powerpoint/2010/main" xmlns:p15="http://schemas.microsoft.com/office/powerpoint/2012/main" xmlns:ahyp="http://schemas.microsoft.com/office/drawing/2018/hyperlinkcolor">
-  <p:cSld>
-    <p:spTree>
-      <p:nvGrpSpPr>
-        <p:cNvPr id="186" name="Shape 186"/>
-        <p:cNvGrpSpPr/>
-        <p:nvPr/>
-      </p:nvGrpSpPr>
-      <p:grpSpPr>
-        <a:xfrm>
-          <a:off x="0" y="0"/>
-          <a:ext cx="0" cy="0"/>
-          <a:chOff x="0" y="0"/>
-          <a:chExt cx="0" cy="0"/>
-        </a:xfrm>
-      </p:grpSpPr>
-      <p:pic>
-        <p:nvPicPr>
-          <p:cNvPr descr="/tmp/rasterized-gradient-3cf720be.png" id="187" name="Google Shape;187;p9"/>
-          <p:cNvPicPr preferRelativeResize="0"/>
-          <p:nvPr/>
-        </p:nvPicPr>
-        <p:blipFill rotWithShape="1">
-          <a:blip r:embed="rId3">
-            <a:alphaModFix/>
-          </a:blip>
-          <a:srcRect b="0" l="0" r="0" t="0"/>
-          <a:stretch/>
-        </p:blipFill>
-        <p:spPr>
-          <a:xfrm>
-            <a:off x="0" y="0"/>
-            <a:ext cx="9144000" cy="57150"/>
-          </a:xfrm>
-          <a:prstGeom prst="rect">
-            <a:avLst/>
-          </a:prstGeom>
-          <a:noFill/>
-          <a:ln>
-            <a:noFill/>
-          </a:ln>
-        </p:spPr>
-      </p:pic>
-      <p:sp>
-        <p:nvSpPr>
-          <p:cNvPr id="188" name="Google Shape;188;p9"/>
-          <p:cNvSpPr/>
-          <p:nvPr/>
-        </p:nvSpPr>
-        <p:spPr>
-          <a:xfrm>
-            <a:off x="3967363" y="2032695"/>
-            <a:ext cx="1209124" cy="533400"/>
-          </a:xfrm>
-          <a:prstGeom prst="rect">
-            <a:avLst/>
-          </a:prstGeom>
-          <a:noFill/>
-          <a:ln>
-            <a:noFill/>
-          </a:ln>
-        </p:spPr>
-        <p:txBody>
-          <a:bodyPr anchorCtr="0" anchor="t" bIns="0" lIns="0" spcFirstLastPara="1" rIns="0" wrap="square" tIns="0">
-            <a:noAutofit/>
-          </a:bodyPr>
-          <a:lstStyle/>
-          <a:p>
-            <a:pPr indent="0" lvl="0" marL="0" marR="0" rtl="0" algn="ctr">
-              <a:lnSpc>
-                <a:spcPct val="100000"/>
-              </a:lnSpc>
-              <a:spcBef>
-                <a:spcPts val="0"/>
-              </a:spcBef>
-              <a:spcAft>
-                <a:spcPts val="0"/>
-              </a:spcAft>
-              <a:buClr>
-                <a:srgbClr val="E7E9EA"/>
-              </a:buClr>
-              <a:buSzPts val="4200"/>
-              <a:buFont typeface="Quattrocento Sans"/>
-              <a:buNone/>
-            </a:pPr>
-            <a:r>
-              <a:rPr b="1" i="0" lang="en-US" sz="4200" u="none" cap="none" strike="noStrike">
-                <a:solidFill>
-                  <a:srgbClr val="E7E9EA"/>
-                </a:solidFill>
-                <a:latin typeface="Quattrocento Sans"/>
-                <a:ea typeface="Quattrocento Sans"/>
-                <a:cs typeface="Quattrocento Sans"/>
-                <a:sym typeface="Quattrocento Sans"/>
-              </a:rPr>
-              <a:t>Q&amp;A</a:t>
-            </a:r>
-            <a:endParaRPr b="0" i="0" sz="4200" u="none" cap="none" strike="noStrike">
-              <a:solidFill>
-                <a:schemeClr val="dk1"/>
-              </a:solidFill>
-              <a:latin typeface="Calibri"/>
-              <a:ea typeface="Calibri"/>
-              <a:cs typeface="Calibri"/>
-              <a:sym typeface="Calibri"/>
-            </a:endParaRPr>
-          </a:p>
-        </p:txBody>
-      </p:sp>
-    </p:spTree>
-  </p:cSld>
-  <p:clrMapOvr>
-    <a:masterClrMapping/>
-  </p:clrMapOvr>
-</p:sld>
-</file>
-
-<file path=ppt/slides/slide3.xml><?xml version="1.0" encoding="utf-8"?>
-<p:sld xmlns:a="http://schemas.openxmlformats.org/drawingml/2006/main" xmlns:r="http://schemas.openxmlformats.org/officeDocument/2006/relationships" xmlns:mc="http://schemas.openxmlformats.org/markup-compatibility/2006" xmlns:mv="urn:schemas-microsoft-com:mac:vml" xmlns:p="http://schemas.openxmlformats.org/presentationml/2006/main" xmlns:c="http://schemas.openxmlformats.org/drawingml/2006/chart" xmlns:dgm="http://schemas.openxmlformats.org/drawingml/2006/diagram" xmlns:o="urn:schemas-microsoft-com:office:office" xmlns:v="urn:schemas-microsoft-com:vml" xmlns:pvml="urn:schemas-microsoft-com:office:powerpoint" xmlns:com="http://schemas.openxmlformats.org/drawingml/2006/compatibility" xmlns:p14="http://schemas.microsoft.com/office/powerpoint/2010/main" xmlns:p15="http://schemas.microsoft.com/office/powerpoint/2012/main" xmlns:ahyp="http://schemas.microsoft.com/office/drawing/2018/hyperlinkcolor">
-  <p:cSld>
-    <p:spTree>
-      <p:nvGrpSpPr>
-        <p:cNvPr id="37" name="Shape 37"/>
-        <p:cNvGrpSpPr/>
-        <p:nvPr/>
-      </p:nvGrpSpPr>
-      <p:grpSpPr>
-        <a:xfrm>
-          <a:off x="0" y="0"/>
-          <a:ext cx="0" cy="0"/>
-          <a:chOff x="0" y="0"/>
-          <a:chExt cx="0" cy="0"/>
-        </a:xfrm>
-      </p:grpSpPr>
-      <p:sp>
-        <p:nvSpPr>
-          <p:cNvPr id="38" name="Google Shape;38;p2"/>
+          <p:cNvPr id="54" name="Google Shape;54;p2"/>
           <p:cNvSpPr/>
           <p:nvPr/>
         </p:nvSpPr>
@@ -9456,14 +10506,14 @@
       </p:sp>
       <p:sp>
         <p:nvSpPr>
-          <p:cNvPr id="39" name="Google Shape;39;p2"/>
+          <p:cNvPr id="55" name="Google Shape;55;p2"/>
           <p:cNvSpPr/>
           <p:nvPr/>
         </p:nvSpPr>
         <p:spPr>
           <a:xfrm>
             <a:off x="381000" y="571500"/>
-            <a:ext cx="4284536" cy="342900"/>
+            <a:ext cx="5082600" cy="342900"/>
           </a:xfrm>
           <a:prstGeom prst="rect">
             <a:avLst/>
@@ -9497,7 +10547,7 @@
               <a:buNone/>
             </a:pPr>
             <a:r>
-              <a:rPr b="1" i="0" lang="en-US" sz="2700" u="none" cap="none" strike="noStrike">
+              <a:rPr b="1" lang="en-US" sz="2700">
                 <a:solidFill>
                   <a:srgbClr val="E7E9EA"/>
                 </a:solidFill>
@@ -9506,7 +10556,7 @@
                 <a:cs typeface="Quattrocento Sans"/>
                 <a:sym typeface="Quattrocento Sans"/>
               </a:rPr>
-              <a:t>"서버 확장 좀 해주세요"</a:t>
+              <a:t>일반적으로는 … Stateless한 서버는</a:t>
             </a:r>
             <a:endParaRPr b="0" i="0" sz="2700" u="none" cap="none" strike="noStrike">
               <a:solidFill>
@@ -9520,251 +10570,9 @@
           </a:p>
         </p:txBody>
       </p:sp>
-      <p:sp>
-        <p:nvSpPr>
-          <p:cNvPr id="40" name="Google Shape;40;p2"/>
-          <p:cNvSpPr/>
-          <p:nvPr/>
-        </p:nvSpPr>
-        <p:spPr>
-          <a:xfrm>
-            <a:off x="381000" y="2115587"/>
-            <a:ext cx="8382000" cy="912300"/>
-          </a:xfrm>
-          <a:prstGeom prst="rect">
-            <a:avLst/>
-          </a:prstGeom>
-          <a:solidFill>
-            <a:srgbClr val="1E2732"/>
-          </a:solidFill>
-          <a:ln>
-            <a:noFill/>
-          </a:ln>
-        </p:spPr>
-        <p:txBody>
-          <a:bodyPr anchorCtr="0" anchor="ctr" bIns="45700" lIns="91425" spcFirstLastPara="1" rIns="91425" wrap="square" tIns="45700">
-            <a:noAutofit/>
-          </a:bodyPr>
-          <a:lstStyle/>
-          <a:p>
-            <a:pPr indent="0" lvl="0" marL="0" marR="0" rtl="0" algn="l">
-              <a:lnSpc>
-                <a:spcPct val="100000"/>
-              </a:lnSpc>
-              <a:spcBef>
-                <a:spcPts val="0"/>
-              </a:spcBef>
-              <a:spcAft>
-                <a:spcPts val="0"/>
-              </a:spcAft>
-              <a:buClr>
-                <a:schemeClr val="dk1"/>
-              </a:buClr>
-              <a:buSzPts val="1800"/>
-              <a:buFont typeface="Calibri"/>
-              <a:buNone/>
-            </a:pPr>
-            <a:r>
-              <a:t/>
-            </a:r>
-            <a:endParaRPr b="0" i="0" sz="1800" u="none" cap="none" strike="noStrike">
-              <a:solidFill>
-                <a:schemeClr val="dk1"/>
-              </a:solidFill>
-              <a:latin typeface="Calibri"/>
-              <a:ea typeface="Calibri"/>
-              <a:cs typeface="Calibri"/>
-              <a:sym typeface="Calibri"/>
-            </a:endParaRPr>
-          </a:p>
-        </p:txBody>
-      </p:sp>
-      <p:cxnSp>
-        <p:nvCxnSpPr>
-          <p:cNvPr id="41" name="Google Shape;41;p2"/>
-          <p:cNvCxnSpPr/>
-          <p:nvPr/>
-        </p:nvCxnSpPr>
-        <p:spPr>
-          <a:xfrm>
-            <a:off x="400050" y="2115612"/>
-            <a:ext cx="0" cy="912300"/>
-          </a:xfrm>
-          <a:prstGeom prst="straightConnector1">
-            <a:avLst/>
-          </a:prstGeom>
-          <a:noFill/>
-          <a:ln cap="flat" cmpd="sng" w="38100">
-            <a:solidFill>
-              <a:srgbClr val="F7931A"/>
-            </a:solidFill>
-            <a:prstDash val="solid"/>
-            <a:round/>
-            <a:headEnd len="sm" w="sm" type="none"/>
-            <a:tailEnd len="sm" w="sm" type="none"/>
-          </a:ln>
-        </p:spPr>
-      </p:cxnSp>
-      <p:sp>
-        <p:nvSpPr>
-          <p:cNvPr id="42" name="Google Shape;42;p2"/>
-          <p:cNvSpPr/>
-          <p:nvPr/>
-        </p:nvSpPr>
-        <p:spPr>
-          <a:xfrm>
-            <a:off x="647700" y="2306087"/>
-            <a:ext cx="8044500" cy="243900"/>
-          </a:xfrm>
-          <a:prstGeom prst="rect">
-            <a:avLst/>
-          </a:prstGeom>
-          <a:noFill/>
-          <a:ln>
-            <a:noFill/>
-          </a:ln>
-        </p:spPr>
-        <p:txBody>
-          <a:bodyPr anchorCtr="0" anchor="t" bIns="0" lIns="0" spcFirstLastPara="1" rIns="0" wrap="square" tIns="0">
-            <a:noAutofit/>
-          </a:bodyPr>
-          <a:lstStyle/>
-          <a:p>
-            <a:pPr indent="0" lvl="0" marL="0" marR="0" rtl="0" algn="l">
-              <a:lnSpc>
-                <a:spcPct val="160000"/>
-              </a:lnSpc>
-              <a:spcBef>
-                <a:spcPts val="0"/>
-              </a:spcBef>
-              <a:spcAft>
-                <a:spcPts val="0"/>
-              </a:spcAft>
-              <a:buClr>
-                <a:srgbClr val="E7E9EA"/>
-              </a:buClr>
-              <a:buSzPts val="1200"/>
-              <a:buFont typeface="Quattrocento Sans"/>
-              <a:buNone/>
-            </a:pPr>
-            <a:r>
-              <a:rPr b="0" i="0" lang="en-US" sz="1200" u="none" cap="none" strike="noStrike">
-                <a:solidFill>
-                  <a:srgbClr val="E7E9EA"/>
-                </a:solidFill>
-                <a:latin typeface="Quattrocento Sans"/>
-                <a:ea typeface="Quattrocento Sans"/>
-                <a:cs typeface="Quattrocento Sans"/>
-                <a:sym typeface="Quattrocento Sans"/>
-              </a:rPr>
-              <a:t>단일 서버 환경에서 수평 확장(Scale-out) 구조로 전환해주세요.</a:t>
-            </a:r>
-            <a:endParaRPr b="0" i="0" sz="1200" u="none" cap="none" strike="noStrike">
-              <a:solidFill>
-                <a:schemeClr val="dk1"/>
-              </a:solidFill>
-              <a:latin typeface="Calibri"/>
-              <a:ea typeface="Calibri"/>
-              <a:cs typeface="Calibri"/>
-              <a:sym typeface="Calibri"/>
-            </a:endParaRPr>
-          </a:p>
-        </p:txBody>
-      </p:sp>
-      <p:sp>
-        <p:nvSpPr>
-          <p:cNvPr id="43" name="Google Shape;43;p2"/>
-          <p:cNvSpPr/>
-          <p:nvPr/>
-        </p:nvSpPr>
-        <p:spPr>
-          <a:xfrm>
-            <a:off x="647700" y="2664167"/>
-            <a:ext cx="8044500" cy="173100"/>
-          </a:xfrm>
-          <a:prstGeom prst="rect">
-            <a:avLst/>
-          </a:prstGeom>
-          <a:noFill/>
-          <a:ln>
-            <a:noFill/>
-          </a:ln>
-        </p:spPr>
-        <p:txBody>
-          <a:bodyPr anchorCtr="0" anchor="t" bIns="0" lIns="0" spcFirstLastPara="1" rIns="0" wrap="square" tIns="0">
-            <a:noAutofit/>
-          </a:bodyPr>
-          <a:lstStyle/>
-          <a:p>
-            <a:pPr indent="0" lvl="0" marL="0" marR="0" rtl="0" algn="l">
-              <a:lnSpc>
-                <a:spcPct val="140000"/>
-              </a:lnSpc>
-              <a:spcBef>
-                <a:spcPts val="0"/>
-              </a:spcBef>
-              <a:spcAft>
-                <a:spcPts val="0"/>
-              </a:spcAft>
-              <a:buClr>
-                <a:srgbClr val="71767B"/>
-              </a:buClr>
-              <a:buSzPts val="975"/>
-              <a:buFont typeface="Quattrocento Sans"/>
-              <a:buNone/>
-            </a:pPr>
-            <a:r>
-              <a:rPr b="0" i="0" lang="en-US" sz="975" u="none" cap="none" strike="noStrike">
-                <a:solidFill>
-                  <a:srgbClr val="71767B"/>
-                </a:solidFill>
-                <a:latin typeface="Quattrocento Sans"/>
-                <a:ea typeface="Quattrocento Sans"/>
-                <a:cs typeface="Quattrocento Sans"/>
-                <a:sym typeface="Quattrocento Sans"/>
-              </a:rPr>
-              <a:t>— 요구사항</a:t>
-            </a:r>
-            <a:endParaRPr b="0" i="0" sz="975" u="none" cap="none" strike="noStrike">
-              <a:solidFill>
-                <a:schemeClr val="dk1"/>
-              </a:solidFill>
-              <a:latin typeface="Calibri"/>
-              <a:ea typeface="Calibri"/>
-              <a:cs typeface="Calibri"/>
-              <a:sym typeface="Calibri"/>
-            </a:endParaRPr>
-          </a:p>
-        </p:txBody>
-      </p:sp>
-    </p:spTree>
-  </p:cSld>
-  <p:clrMapOvr>
-    <a:masterClrMapping/>
-  </p:clrMapOvr>
-</p:sld>
-</file>
-
-<file path=ppt/slides/slide4.xml><?xml version="1.0" encoding="utf-8"?>
-<p:sld xmlns:a="http://schemas.openxmlformats.org/drawingml/2006/main" xmlns:r="http://schemas.openxmlformats.org/officeDocument/2006/relationships" xmlns:mc="http://schemas.openxmlformats.org/markup-compatibility/2006" xmlns:mv="urn:schemas-microsoft-com:mac:vml" xmlns:p="http://schemas.openxmlformats.org/presentationml/2006/main" xmlns:c="http://schemas.openxmlformats.org/drawingml/2006/chart" xmlns:dgm="http://schemas.openxmlformats.org/drawingml/2006/diagram" xmlns:o="urn:schemas-microsoft-com:office:office" xmlns:v="urn:schemas-microsoft-com:vml" xmlns:pvml="urn:schemas-microsoft-com:office:powerpoint" xmlns:com="http://schemas.openxmlformats.org/drawingml/2006/compatibility" xmlns:p14="http://schemas.microsoft.com/office/powerpoint/2010/main" xmlns:p15="http://schemas.microsoft.com/office/powerpoint/2012/main" xmlns:ahyp="http://schemas.microsoft.com/office/drawing/2018/hyperlinkcolor">
-  <p:cSld>
-    <p:spTree>
-      <p:nvGrpSpPr>
-        <p:cNvPr id="48" name="Shape 48"/>
-        <p:cNvGrpSpPr/>
-        <p:nvPr/>
-      </p:nvGrpSpPr>
-      <p:grpSpPr>
-        <a:xfrm>
-          <a:off x="0" y="0"/>
-          <a:ext cx="0" cy="0"/>
-          <a:chOff x="0" y="0"/>
-          <a:chExt cx="0" cy="0"/>
-        </a:xfrm>
-      </p:grpSpPr>
       <p:pic>
         <p:nvPicPr>
-          <p:cNvPr id="49" name="Google Shape;49;g3bb3f331a3b_0_113"/>
+          <p:cNvPr id="56" name="Google Shape;56;p2" title="stateless-server-explain.png"/>
           <p:cNvPicPr preferRelativeResize="0"/>
           <p:nvPr/>
         </p:nvPicPr>
@@ -9778,61 +10586,8 @@
         </p:blipFill>
         <p:spPr>
           <a:xfrm>
-            <a:off x="790575" y="943225"/>
-            <a:ext cx="7562849" cy="3257050"/>
-          </a:xfrm>
-          <a:prstGeom prst="rect">
-            <a:avLst/>
-          </a:prstGeom>
-          <a:noFill/>
-          <a:ln>
-            <a:noFill/>
-          </a:ln>
-        </p:spPr>
-      </p:pic>
-    </p:spTree>
-  </p:cSld>
-  <p:clrMapOvr>
-    <a:masterClrMapping/>
-  </p:clrMapOvr>
-</p:sld>
-</file>
-
-<file path=ppt/slides/slide5.xml><?xml version="1.0" encoding="utf-8"?>
-<p:sld xmlns:a="http://schemas.openxmlformats.org/drawingml/2006/main" xmlns:r="http://schemas.openxmlformats.org/officeDocument/2006/relationships" xmlns:mc="http://schemas.openxmlformats.org/markup-compatibility/2006" xmlns:mv="urn:schemas-microsoft-com:mac:vml" xmlns:p="http://schemas.openxmlformats.org/presentationml/2006/main" xmlns:c="http://schemas.openxmlformats.org/drawingml/2006/chart" xmlns:dgm="http://schemas.openxmlformats.org/drawingml/2006/diagram" xmlns:o="urn:schemas-microsoft-com:office:office" xmlns:v="urn:schemas-microsoft-com:vml" xmlns:pvml="urn:schemas-microsoft-com:office:powerpoint" xmlns:com="http://schemas.openxmlformats.org/drawingml/2006/compatibility" xmlns:p14="http://schemas.microsoft.com/office/powerpoint/2010/main" xmlns:p15="http://schemas.microsoft.com/office/powerpoint/2012/main" xmlns:ahyp="http://schemas.microsoft.com/office/drawing/2018/hyperlinkcolor">
-  <p:cSld>
-    <p:spTree>
-      <p:nvGrpSpPr>
-        <p:cNvPr id="54" name="Shape 54"/>
-        <p:cNvGrpSpPr/>
-        <p:nvPr/>
-      </p:nvGrpSpPr>
-      <p:grpSpPr>
-        <a:xfrm>
-          <a:off x="0" y="0"/>
-          <a:ext cx="0" cy="0"/>
-          <a:chOff x="0" y="0"/>
-          <a:chExt cx="0" cy="0"/>
-        </a:xfrm>
-      </p:grpSpPr>
-      <p:pic>
-        <p:nvPicPr>
-          <p:cNvPr id="55" name="Google Shape;55;g3bb3f331a3b_0_211"/>
-          <p:cNvPicPr preferRelativeResize="0"/>
-          <p:nvPr/>
-        </p:nvPicPr>
-        <p:blipFill>
-          <a:blip r:embed="rId3">
-            <a:alphaModFix/>
-          </a:blip>
-          <a:stretch>
-            <a:fillRect/>
-          </a:stretch>
-        </p:blipFill>
-        <p:spPr>
-          <a:xfrm>
-            <a:off x="693563" y="585188"/>
-            <a:ext cx="7756877" cy="3973124"/>
+            <a:off x="1040125" y="1021075"/>
+            <a:ext cx="7063740" cy="3924300"/>
           </a:xfrm>
           <a:prstGeom prst="rect">
             <a:avLst/>
@@ -9856,7 +10611,60 @@
   <p:cSld>
     <p:spTree>
       <p:nvGrpSpPr>
-        <p:cNvPr id="60" name="Shape 60"/>
+        <p:cNvPr id="61" name="Shape 61"/>
+        <p:cNvGrpSpPr/>
+        <p:nvPr/>
+      </p:nvGrpSpPr>
+      <p:grpSpPr>
+        <a:xfrm>
+          <a:off x="0" y="0"/>
+          <a:ext cx="0" cy="0"/>
+          <a:chOff x="0" y="0"/>
+          <a:chExt cx="0" cy="0"/>
+        </a:xfrm>
+      </p:grpSpPr>
+      <p:pic>
+        <p:nvPicPr>
+          <p:cNvPr id="62" name="Google Shape;62;g3bb3f331a3b_0_113"/>
+          <p:cNvPicPr preferRelativeResize="0"/>
+          <p:nvPr/>
+        </p:nvPicPr>
+        <p:blipFill>
+          <a:blip r:embed="rId3">
+            <a:alphaModFix/>
+          </a:blip>
+          <a:stretch>
+            <a:fillRect/>
+          </a:stretch>
+        </p:blipFill>
+        <p:spPr>
+          <a:xfrm>
+            <a:off x="790575" y="943225"/>
+            <a:ext cx="7562849" cy="3257050"/>
+          </a:xfrm>
+          <a:prstGeom prst="rect">
+            <a:avLst/>
+          </a:prstGeom>
+          <a:noFill/>
+          <a:ln>
+            <a:noFill/>
+          </a:ln>
+        </p:spPr>
+      </p:pic>
+    </p:spTree>
+  </p:cSld>
+  <p:clrMapOvr>
+    <a:masterClrMapping/>
+  </p:clrMapOvr>
+</p:sld>
+</file>
+
+<file path=ppt/slides/slide7.xml><?xml version="1.0" encoding="utf-8"?>
+<p:sld xmlns:a="http://schemas.openxmlformats.org/drawingml/2006/main" xmlns:r="http://schemas.openxmlformats.org/officeDocument/2006/relationships" xmlns:mc="http://schemas.openxmlformats.org/markup-compatibility/2006" xmlns:mv="urn:schemas-microsoft-com:mac:vml" xmlns:p="http://schemas.openxmlformats.org/presentationml/2006/main" xmlns:c="http://schemas.openxmlformats.org/drawingml/2006/chart" xmlns:dgm="http://schemas.openxmlformats.org/drawingml/2006/diagram" xmlns:o="urn:schemas-microsoft-com:office:office" xmlns:v="urn:schemas-microsoft-com:vml" xmlns:pvml="urn:schemas-microsoft-com:office:powerpoint" xmlns:com="http://schemas.openxmlformats.org/drawingml/2006/compatibility" xmlns:p14="http://schemas.microsoft.com/office/powerpoint/2010/main" xmlns:p15="http://schemas.microsoft.com/office/powerpoint/2012/main" xmlns:ahyp="http://schemas.microsoft.com/office/drawing/2018/hyperlinkcolor">
+  <p:cSld>
+    <p:spTree>
+      <p:nvGrpSpPr>
+        <p:cNvPr id="67" name="Shape 67"/>
         <p:cNvGrpSpPr/>
         <p:nvPr/>
       </p:nvGrpSpPr>
@@ -9870,7 +10678,7 @@
       </p:grpSpPr>
       <p:sp>
         <p:nvSpPr>
-          <p:cNvPr id="61" name="Google Shape;61;p3"/>
+          <p:cNvPr id="68" name="Google Shape;68;p3"/>
           <p:cNvSpPr/>
           <p:nvPr/>
         </p:nvSpPr>
@@ -9934,24 +10742,529 @@
           </a:p>
         </p:txBody>
       </p:sp>
+      <p:grpSp>
+        <p:nvGrpSpPr>
+          <p:cNvPr id="69" name="Google Shape;69;p3"/>
+          <p:cNvGrpSpPr/>
+          <p:nvPr/>
+        </p:nvGrpSpPr>
+        <p:grpSpPr>
+          <a:xfrm>
+            <a:off x="684601" y="1097271"/>
+            <a:ext cx="3671400" cy="939000"/>
+            <a:chOff x="687563" y="1472246"/>
+            <a:chExt cx="3671400" cy="939000"/>
+          </a:xfrm>
+        </p:grpSpPr>
+        <p:sp>
+          <p:nvSpPr>
+            <p:cNvPr id="70" name="Google Shape;70;p3"/>
+            <p:cNvSpPr/>
+            <p:nvPr/>
+          </p:nvSpPr>
+          <p:spPr>
+            <a:xfrm>
+              <a:off x="687563" y="1472246"/>
+              <a:ext cx="3671400" cy="939000"/>
+            </a:xfrm>
+            <a:prstGeom prst="roundRect">
+              <a:avLst>
+                <a:gd fmla="val 8114" name="adj"/>
+              </a:avLst>
+            </a:prstGeom>
+            <a:solidFill>
+              <a:srgbClr val="1E2732"/>
+            </a:solidFill>
+            <a:ln>
+              <a:noFill/>
+            </a:ln>
+          </p:spPr>
+          <p:txBody>
+            <a:bodyPr anchorCtr="0" anchor="ctr" bIns="45700" lIns="91425" spcFirstLastPara="1" rIns="91425" wrap="square" tIns="45700">
+              <a:noAutofit/>
+            </a:bodyPr>
+            <a:lstStyle/>
+            <a:p>
+              <a:pPr indent="0" lvl="0" marL="0" marR="0" rtl="0" algn="l">
+                <a:lnSpc>
+                  <a:spcPct val="100000"/>
+                </a:lnSpc>
+                <a:spcBef>
+                  <a:spcPts val="0"/>
+                </a:spcBef>
+                <a:spcAft>
+                  <a:spcPts val="0"/>
+                </a:spcAft>
+                <a:buClr>
+                  <a:schemeClr val="dk1"/>
+                </a:buClr>
+                <a:buSzPts val="1800"/>
+                <a:buFont typeface="Calibri"/>
+                <a:buNone/>
+              </a:pPr>
+              <a:r>
+                <a:t/>
+              </a:r>
+              <a:endParaRPr b="0" i="0" sz="1800" u="none" cap="none" strike="noStrike">
+                <a:solidFill>
+                  <a:schemeClr val="dk1"/>
+                </a:solidFill>
+                <a:latin typeface="Calibri"/>
+                <a:ea typeface="Calibri"/>
+                <a:cs typeface="Calibri"/>
+                <a:sym typeface="Calibri"/>
+              </a:endParaRPr>
+            </a:p>
+          </p:txBody>
+        </p:sp>
+        <p:sp>
+          <p:nvSpPr>
+            <p:cNvPr id="71" name="Google Shape;71;p3"/>
+            <p:cNvSpPr/>
+            <p:nvPr/>
+          </p:nvSpPr>
+          <p:spPr>
+            <a:xfrm>
+              <a:off x="878063" y="1624646"/>
+              <a:ext cx="3356400" cy="186600"/>
+            </a:xfrm>
+            <a:prstGeom prst="rect">
+              <a:avLst/>
+            </a:prstGeom>
+            <a:noFill/>
+            <a:ln>
+              <a:noFill/>
+            </a:ln>
+          </p:spPr>
+          <p:txBody>
+            <a:bodyPr anchorCtr="0" anchor="t" bIns="0" lIns="0" spcFirstLastPara="1" rIns="0" wrap="square" tIns="0">
+              <a:noAutofit/>
+            </a:bodyPr>
+            <a:lstStyle/>
+            <a:p>
+              <a:pPr indent="0" lvl="0" marL="0" marR="0" rtl="0" algn="l">
+                <a:lnSpc>
+                  <a:spcPct val="140000"/>
+                </a:lnSpc>
+                <a:spcBef>
+                  <a:spcPts val="0"/>
+                </a:spcBef>
+                <a:spcAft>
+                  <a:spcPts val="0"/>
+                </a:spcAft>
+                <a:buClr>
+                  <a:srgbClr val="1D9BF0"/>
+                </a:buClr>
+                <a:buSzPts val="1050"/>
+                <a:buFont typeface="Quattrocento Sans"/>
+                <a:buNone/>
+              </a:pPr>
+              <a:r>
+                <a:rPr b="1" i="0" lang="en-US" sz="1050" u="none" cap="none" strike="noStrike">
+                  <a:solidFill>
+                    <a:srgbClr val="1D9BF0"/>
+                  </a:solidFill>
+                  <a:latin typeface="Quattrocento Sans"/>
+                  <a:ea typeface="Quattrocento Sans"/>
+                  <a:cs typeface="Quattrocento Sans"/>
+                  <a:sym typeface="Quattrocento Sans"/>
+                </a:rPr>
+                <a:t>Playwright</a:t>
+              </a:r>
+              <a:endParaRPr b="0" i="0" sz="1050" u="none" cap="none" strike="noStrike">
+                <a:solidFill>
+                  <a:schemeClr val="dk1"/>
+                </a:solidFill>
+                <a:latin typeface="Calibri"/>
+                <a:ea typeface="Calibri"/>
+                <a:cs typeface="Calibri"/>
+                <a:sym typeface="Calibri"/>
+              </a:endParaRPr>
+            </a:p>
+          </p:txBody>
+        </p:sp>
+        <p:sp>
+          <p:nvSpPr>
+            <p:cNvPr id="72" name="Google Shape;72;p3"/>
+            <p:cNvSpPr/>
+            <p:nvPr/>
+          </p:nvSpPr>
+          <p:spPr>
+            <a:xfrm>
+              <a:off x="878063" y="1887477"/>
+              <a:ext cx="3356400" cy="371400"/>
+            </a:xfrm>
+            <a:prstGeom prst="rect">
+              <a:avLst/>
+            </a:prstGeom>
+            <a:noFill/>
+            <a:ln>
+              <a:noFill/>
+            </a:ln>
+          </p:spPr>
+          <p:txBody>
+            <a:bodyPr anchorCtr="0" anchor="t" bIns="0" lIns="0" spcFirstLastPara="1" rIns="0" wrap="square" tIns="0">
+              <a:noAutofit/>
+            </a:bodyPr>
+            <a:lstStyle/>
+            <a:p>
+              <a:pPr indent="0" lvl="0" marL="0" marR="0" rtl="0" algn="l">
+                <a:lnSpc>
+                  <a:spcPct val="150051"/>
+                </a:lnSpc>
+                <a:spcBef>
+                  <a:spcPts val="0"/>
+                </a:spcBef>
+                <a:spcAft>
+                  <a:spcPts val="0"/>
+                </a:spcAft>
+                <a:buClr>
+                  <a:srgbClr val="E7E9EA"/>
+                </a:buClr>
+                <a:buSzPts val="975"/>
+                <a:buFont typeface="Quattrocento Sans"/>
+                <a:buNone/>
+              </a:pPr>
+              <a:r>
+                <a:rPr b="0" i="0" lang="en-US" sz="975" u="none" cap="none" strike="noStrike">
+                  <a:solidFill>
+                    <a:srgbClr val="E7E9EA"/>
+                  </a:solidFill>
+                  <a:latin typeface="Quattrocento Sans"/>
+                  <a:ea typeface="Quattrocento Sans"/>
+                  <a:cs typeface="Quattrocento Sans"/>
+                  <a:sym typeface="Quattrocento Sans"/>
+                </a:rPr>
+                <a:t>브라우저를 코드로 조작하는 자동화 도구.</a:t>
+              </a:r>
+              <a:endParaRPr b="0" i="0" sz="975" u="none" cap="none" strike="noStrike">
+                <a:solidFill>
+                  <a:schemeClr val="dk1"/>
+                </a:solidFill>
+                <a:latin typeface="Calibri"/>
+                <a:ea typeface="Calibri"/>
+                <a:cs typeface="Calibri"/>
+                <a:sym typeface="Calibri"/>
+              </a:endParaRPr>
+            </a:p>
+            <a:p>
+              <a:pPr indent="0" lvl="0" marL="0" marR="0" rtl="0" algn="l">
+                <a:lnSpc>
+                  <a:spcPct val="150051"/>
+                </a:lnSpc>
+                <a:spcBef>
+                  <a:spcPts val="0"/>
+                </a:spcBef>
+                <a:spcAft>
+                  <a:spcPts val="0"/>
+                </a:spcAft>
+                <a:buClr>
+                  <a:srgbClr val="E7E9EA"/>
+                </a:buClr>
+                <a:buSzPts val="975"/>
+                <a:buFont typeface="Quattrocento Sans"/>
+                <a:buNone/>
+              </a:pPr>
+              <a:r>
+                <a:rPr b="0" i="0" lang="en-US" sz="975" u="none" cap="none" strike="noStrike">
+                  <a:solidFill>
+                    <a:srgbClr val="E7E9EA"/>
+                  </a:solidFill>
+                  <a:latin typeface="Quattrocento Sans"/>
+                  <a:ea typeface="Quattrocento Sans"/>
+                  <a:cs typeface="Quattrocento Sans"/>
+                  <a:sym typeface="Quattrocento Sans"/>
+                </a:rPr>
+                <a:t>서버에서 실제 브라우저를 띄워서 웹사이트를 탐색한다.</a:t>
+              </a:r>
+              <a:endParaRPr b="0" i="0" sz="975" u="none" cap="none" strike="noStrike">
+                <a:solidFill>
+                  <a:schemeClr val="dk1"/>
+                </a:solidFill>
+                <a:latin typeface="Calibri"/>
+                <a:ea typeface="Calibri"/>
+                <a:cs typeface="Calibri"/>
+                <a:sym typeface="Calibri"/>
+              </a:endParaRPr>
+            </a:p>
+          </p:txBody>
+        </p:sp>
+      </p:grpSp>
+      <p:grpSp>
+        <p:nvGrpSpPr>
+          <p:cNvPr id="73" name="Google Shape;73;p3"/>
+          <p:cNvGrpSpPr/>
+          <p:nvPr/>
+        </p:nvGrpSpPr>
+        <p:grpSpPr>
+          <a:xfrm>
+            <a:off x="4787976" y="1097277"/>
+            <a:ext cx="3671400" cy="939000"/>
+            <a:chOff x="687563" y="3523202"/>
+            <a:chExt cx="3671400" cy="939000"/>
+          </a:xfrm>
+        </p:grpSpPr>
+        <p:sp>
+          <p:nvSpPr>
+            <p:cNvPr id="74" name="Google Shape;74;p3"/>
+            <p:cNvSpPr/>
+            <p:nvPr/>
+          </p:nvSpPr>
+          <p:spPr>
+            <a:xfrm>
+              <a:off x="687563" y="3523202"/>
+              <a:ext cx="3671400" cy="939000"/>
+            </a:xfrm>
+            <a:prstGeom prst="roundRect">
+              <a:avLst>
+                <a:gd fmla="val 8114" name="adj"/>
+              </a:avLst>
+            </a:prstGeom>
+            <a:solidFill>
+              <a:srgbClr val="1E2732"/>
+            </a:solidFill>
+            <a:ln>
+              <a:noFill/>
+            </a:ln>
+          </p:spPr>
+          <p:txBody>
+            <a:bodyPr anchorCtr="0" anchor="ctr" bIns="45700" lIns="91425" spcFirstLastPara="1" rIns="91425" wrap="square" tIns="45700">
+              <a:noAutofit/>
+            </a:bodyPr>
+            <a:lstStyle/>
+            <a:p>
+              <a:pPr indent="0" lvl="0" marL="0" marR="0" rtl="0" algn="l">
+                <a:lnSpc>
+                  <a:spcPct val="100000"/>
+                </a:lnSpc>
+                <a:spcBef>
+                  <a:spcPts val="0"/>
+                </a:spcBef>
+                <a:spcAft>
+                  <a:spcPts val="0"/>
+                </a:spcAft>
+                <a:buClr>
+                  <a:schemeClr val="dk1"/>
+                </a:buClr>
+                <a:buSzPts val="1800"/>
+                <a:buFont typeface="Calibri"/>
+                <a:buNone/>
+              </a:pPr>
+              <a:r>
+                <a:t/>
+              </a:r>
+              <a:endParaRPr b="0" i="0" sz="1800" u="none" cap="none" strike="noStrike">
+                <a:solidFill>
+                  <a:schemeClr val="dk1"/>
+                </a:solidFill>
+                <a:latin typeface="Calibri"/>
+                <a:ea typeface="Calibri"/>
+                <a:cs typeface="Calibri"/>
+                <a:sym typeface="Calibri"/>
+              </a:endParaRPr>
+            </a:p>
+          </p:txBody>
+        </p:sp>
+        <p:sp>
+          <p:nvSpPr>
+            <p:cNvPr id="75" name="Google Shape;75;p3"/>
+            <p:cNvSpPr/>
+            <p:nvPr/>
+          </p:nvSpPr>
+          <p:spPr>
+            <a:xfrm>
+              <a:off x="878063" y="3675602"/>
+              <a:ext cx="3356400" cy="186600"/>
+            </a:xfrm>
+            <a:prstGeom prst="rect">
+              <a:avLst/>
+            </a:prstGeom>
+            <a:noFill/>
+            <a:ln>
+              <a:noFill/>
+            </a:ln>
+          </p:spPr>
+          <p:txBody>
+            <a:bodyPr anchorCtr="0" anchor="t" bIns="0" lIns="0" spcFirstLastPara="1" rIns="0" wrap="square" tIns="0">
+              <a:noAutofit/>
+            </a:bodyPr>
+            <a:lstStyle/>
+            <a:p>
+              <a:pPr indent="0" lvl="0" marL="0" marR="0" rtl="0" algn="l">
+                <a:lnSpc>
+                  <a:spcPct val="140000"/>
+                </a:lnSpc>
+                <a:spcBef>
+                  <a:spcPts val="0"/>
+                </a:spcBef>
+                <a:spcAft>
+                  <a:spcPts val="0"/>
+                </a:spcAft>
+                <a:buClr>
+                  <a:srgbClr val="F7931A"/>
+                </a:buClr>
+                <a:buSzPts val="1050"/>
+                <a:buFont typeface="Quattrocento Sans"/>
+                <a:buNone/>
+              </a:pPr>
+              <a:r>
+                <a:rPr b="1" i="0" lang="en-US" sz="1050" u="none" cap="none" strike="noStrike">
+                  <a:solidFill>
+                    <a:srgbClr val="F7931A"/>
+                  </a:solidFill>
+                  <a:latin typeface="Quattrocento Sans"/>
+                  <a:ea typeface="Quattrocento Sans"/>
+                  <a:cs typeface="Quattrocento Sans"/>
+                  <a:sym typeface="Quattrocento Sans"/>
+                </a:rPr>
+                <a:t>핵심 제약</a:t>
+              </a:r>
+              <a:endParaRPr b="0" i="0" sz="1050" u="none" cap="none" strike="noStrike">
+                <a:solidFill>
+                  <a:schemeClr val="dk1"/>
+                </a:solidFill>
+                <a:latin typeface="Calibri"/>
+                <a:ea typeface="Calibri"/>
+                <a:cs typeface="Calibri"/>
+                <a:sym typeface="Calibri"/>
+              </a:endParaRPr>
+            </a:p>
+          </p:txBody>
+        </p:sp>
+        <p:sp>
+          <p:nvSpPr>
+            <p:cNvPr id="76" name="Google Shape;76;p3"/>
+            <p:cNvSpPr/>
+            <p:nvPr/>
+          </p:nvSpPr>
+          <p:spPr>
+            <a:xfrm>
+              <a:off x="878063" y="3938432"/>
+              <a:ext cx="3356400" cy="371400"/>
+            </a:xfrm>
+            <a:prstGeom prst="rect">
+              <a:avLst/>
+            </a:prstGeom>
+            <a:noFill/>
+            <a:ln>
+              <a:noFill/>
+            </a:ln>
+          </p:spPr>
+          <p:txBody>
+            <a:bodyPr anchorCtr="0" anchor="t" bIns="0" lIns="0" spcFirstLastPara="1" rIns="0" wrap="square" tIns="0">
+              <a:noAutofit/>
+            </a:bodyPr>
+            <a:lstStyle/>
+            <a:p>
+              <a:pPr indent="0" lvl="0" marL="0" marR="0" rtl="0" algn="l">
+                <a:lnSpc>
+                  <a:spcPct val="150051"/>
+                </a:lnSpc>
+                <a:spcBef>
+                  <a:spcPts val="0"/>
+                </a:spcBef>
+                <a:spcAft>
+                  <a:spcPts val="0"/>
+                </a:spcAft>
+                <a:buClr>
+                  <a:srgbClr val="E7E9EA"/>
+                </a:buClr>
+                <a:buSzPts val="975"/>
+                <a:buFont typeface="Quattrocento Sans"/>
+                <a:buNone/>
+              </a:pPr>
+              <a:r>
+                <a:rPr b="0" i="0" lang="en-US" sz="975" u="none" cap="none" strike="noStrike">
+                  <a:solidFill>
+                    <a:srgbClr val="E7E9EA"/>
+                  </a:solidFill>
+                  <a:latin typeface="Quattrocento Sans"/>
+                  <a:ea typeface="Quattrocento Sans"/>
+                  <a:cs typeface="Quattrocento Sans"/>
+                  <a:sym typeface="Quattrocento Sans"/>
+                </a:rPr>
+                <a:t>브라우저</a:t>
+              </a:r>
+              <a:r>
+                <a:rPr lang="en-US" sz="975">
+                  <a:solidFill>
+                    <a:srgbClr val="E7E9EA"/>
+                  </a:solidFill>
+                  <a:latin typeface="Quattrocento Sans"/>
+                  <a:ea typeface="Quattrocento Sans"/>
+                  <a:cs typeface="Quattrocento Sans"/>
+                  <a:sym typeface="Quattrocento Sans"/>
+                </a:rPr>
+                <a:t> 정보가</a:t>
+              </a:r>
+              <a:r>
+                <a:rPr b="0" i="0" lang="en-US" sz="975" u="none" cap="none" strike="noStrike">
+                  <a:solidFill>
+                    <a:srgbClr val="E7E9EA"/>
+                  </a:solidFill>
+                  <a:latin typeface="Quattrocento Sans"/>
+                  <a:ea typeface="Quattrocento Sans"/>
+                  <a:cs typeface="Quattrocento Sans"/>
+                  <a:sym typeface="Quattrocento Sans"/>
+                </a:rPr>
+                <a:t> 서버 메모리에 종속되어야 함</a:t>
+              </a:r>
+              <a:endParaRPr b="0" i="0" sz="975" u="none" cap="none" strike="noStrike">
+                <a:solidFill>
+                  <a:schemeClr val="dk1"/>
+                </a:solidFill>
+                <a:latin typeface="Calibri"/>
+                <a:ea typeface="Calibri"/>
+                <a:cs typeface="Calibri"/>
+                <a:sym typeface="Calibri"/>
+              </a:endParaRPr>
+            </a:p>
+          </p:txBody>
+        </p:sp>
+      </p:grpSp>
+      <p:pic>
+        <p:nvPicPr>
+          <p:cNvPr id="77" name="Google Shape;77;p3" title="playwright-context-v2.png"/>
+          <p:cNvPicPr preferRelativeResize="0"/>
+          <p:nvPr/>
+        </p:nvPicPr>
+        <p:blipFill rotWithShape="1">
+          <a:blip r:embed="rId3">
+            <a:alphaModFix/>
+          </a:blip>
+          <a:srcRect b="0" l="0" r="0" t="0"/>
+          <a:stretch/>
+        </p:blipFill>
+        <p:spPr>
+          <a:xfrm>
+            <a:off x="1228131" y="2188675"/>
+            <a:ext cx="6687749" cy="2675100"/>
+          </a:xfrm>
+          <a:prstGeom prst="rect">
+            <a:avLst/>
+          </a:prstGeom>
+          <a:noFill/>
+          <a:ln>
+            <a:noFill/>
+          </a:ln>
+        </p:spPr>
+      </p:pic>
       <p:sp>
         <p:nvSpPr>
-          <p:cNvPr id="62" name="Google Shape;62;p3"/>
+          <p:cNvPr id="78" name="Google Shape;78;p3"/>
           <p:cNvSpPr/>
           <p:nvPr/>
         </p:nvSpPr>
         <p:spPr>
           <a:xfrm>
-            <a:off x="687563" y="1472246"/>
-            <a:ext cx="3671400" cy="939000"/>
-          </a:xfrm>
-          <a:prstGeom prst="roundRect">
-            <a:avLst>
-              <a:gd fmla="val 8114" name="adj"/>
-            </a:avLst>
+            <a:off x="0" y="0"/>
+            <a:ext cx="57300" cy="5143500"/>
+          </a:xfrm>
+          <a:prstGeom prst="rect">
+            <a:avLst/>
           </a:prstGeom>
           <a:solidFill>
-            <a:srgbClr val="1E2732"/>
+            <a:srgbClr val="1D9BF0"/>
           </a:solidFill>
           <a:ln>
             <a:noFill/>
@@ -9981,7 +11294,16 @@
               <a:buNone/>
             </a:pPr>
             <a:r>
-              <a:t/>
+              <a:rPr b="0" i="0" lang="en-US" sz="1800" u="none" cap="none" strike="noStrike">
+                <a:solidFill>
+                  <a:schemeClr val="dk1"/>
+                </a:solidFill>
+                <a:latin typeface="Calibri"/>
+                <a:ea typeface="Calibri"/>
+                <a:cs typeface="Calibri"/>
+                <a:sym typeface="Calibri"/>
+              </a:rPr>
+              <a:t>leek	</a:t>
             </a:r>
             <a:endParaRPr b="0" i="0" sz="1800" u="none" cap="none" strike="noStrike">
               <a:solidFill>
@@ -9995,398 +11317,6 @@
           </a:p>
         </p:txBody>
       </p:sp>
-      <p:sp>
-        <p:nvSpPr>
-          <p:cNvPr id="63" name="Google Shape;63;p3"/>
-          <p:cNvSpPr/>
-          <p:nvPr/>
-        </p:nvSpPr>
-        <p:spPr>
-          <a:xfrm>
-            <a:off x="878063" y="1624646"/>
-            <a:ext cx="3356400" cy="186600"/>
-          </a:xfrm>
-          <a:prstGeom prst="rect">
-            <a:avLst/>
-          </a:prstGeom>
-          <a:noFill/>
-          <a:ln>
-            <a:noFill/>
-          </a:ln>
-        </p:spPr>
-        <p:txBody>
-          <a:bodyPr anchorCtr="0" anchor="t" bIns="0" lIns="0" spcFirstLastPara="1" rIns="0" wrap="square" tIns="0">
-            <a:noAutofit/>
-          </a:bodyPr>
-          <a:lstStyle/>
-          <a:p>
-            <a:pPr indent="0" lvl="0" marL="0" marR="0" rtl="0" algn="l">
-              <a:lnSpc>
-                <a:spcPct val="140000"/>
-              </a:lnSpc>
-              <a:spcBef>
-                <a:spcPts val="0"/>
-              </a:spcBef>
-              <a:spcAft>
-                <a:spcPts val="0"/>
-              </a:spcAft>
-              <a:buClr>
-                <a:srgbClr val="1D9BF0"/>
-              </a:buClr>
-              <a:buSzPts val="1050"/>
-              <a:buFont typeface="Quattrocento Sans"/>
-              <a:buNone/>
-            </a:pPr>
-            <a:r>
-              <a:rPr b="1" i="0" lang="en-US" sz="1050" u="none" cap="none" strike="noStrike">
-                <a:solidFill>
-                  <a:srgbClr val="1D9BF0"/>
-                </a:solidFill>
-                <a:latin typeface="Quattrocento Sans"/>
-                <a:ea typeface="Quattrocento Sans"/>
-                <a:cs typeface="Quattrocento Sans"/>
-                <a:sym typeface="Quattrocento Sans"/>
-              </a:rPr>
-              <a:t>Playwright</a:t>
-            </a:r>
-            <a:endParaRPr b="0" i="0" sz="1050" u="none" cap="none" strike="noStrike">
-              <a:solidFill>
-                <a:schemeClr val="dk1"/>
-              </a:solidFill>
-              <a:latin typeface="Calibri"/>
-              <a:ea typeface="Calibri"/>
-              <a:cs typeface="Calibri"/>
-              <a:sym typeface="Calibri"/>
-            </a:endParaRPr>
-          </a:p>
-        </p:txBody>
-      </p:sp>
-      <p:sp>
-        <p:nvSpPr>
-          <p:cNvPr id="64" name="Google Shape;64;p3"/>
-          <p:cNvSpPr/>
-          <p:nvPr/>
-        </p:nvSpPr>
-        <p:spPr>
-          <a:xfrm>
-            <a:off x="878063" y="1887477"/>
-            <a:ext cx="3356400" cy="371400"/>
-          </a:xfrm>
-          <a:prstGeom prst="rect">
-            <a:avLst/>
-          </a:prstGeom>
-          <a:noFill/>
-          <a:ln>
-            <a:noFill/>
-          </a:ln>
-        </p:spPr>
-        <p:txBody>
-          <a:bodyPr anchorCtr="0" anchor="t" bIns="0" lIns="0" spcFirstLastPara="1" rIns="0" wrap="square" tIns="0">
-            <a:noAutofit/>
-          </a:bodyPr>
-          <a:lstStyle/>
-          <a:p>
-            <a:pPr indent="0" lvl="0" marL="0" marR="0" rtl="0" algn="l">
-              <a:lnSpc>
-                <a:spcPct val="150051"/>
-              </a:lnSpc>
-              <a:spcBef>
-                <a:spcPts val="0"/>
-              </a:spcBef>
-              <a:spcAft>
-                <a:spcPts val="0"/>
-              </a:spcAft>
-              <a:buClr>
-                <a:srgbClr val="E7E9EA"/>
-              </a:buClr>
-              <a:buSzPts val="975"/>
-              <a:buFont typeface="Quattrocento Sans"/>
-              <a:buNone/>
-            </a:pPr>
-            <a:r>
-              <a:rPr b="0" i="0" lang="en-US" sz="975" u="none" cap="none" strike="noStrike">
-                <a:solidFill>
-                  <a:srgbClr val="E7E9EA"/>
-                </a:solidFill>
-                <a:latin typeface="Quattrocento Sans"/>
-                <a:ea typeface="Quattrocento Sans"/>
-                <a:cs typeface="Quattrocento Sans"/>
-                <a:sym typeface="Quattrocento Sans"/>
-              </a:rPr>
-              <a:t>브라우저를 코드로 조작하는 자동화 도구.</a:t>
-            </a:r>
-            <a:endParaRPr b="0" i="0" sz="975" u="none" cap="none" strike="noStrike">
-              <a:solidFill>
-                <a:schemeClr val="dk1"/>
-              </a:solidFill>
-              <a:latin typeface="Calibri"/>
-              <a:ea typeface="Calibri"/>
-              <a:cs typeface="Calibri"/>
-              <a:sym typeface="Calibri"/>
-            </a:endParaRPr>
-          </a:p>
-          <a:p>
-            <a:pPr indent="0" lvl="0" marL="0" marR="0" rtl="0" algn="l">
-              <a:lnSpc>
-                <a:spcPct val="150051"/>
-              </a:lnSpc>
-              <a:spcBef>
-                <a:spcPts val="0"/>
-              </a:spcBef>
-              <a:spcAft>
-                <a:spcPts val="0"/>
-              </a:spcAft>
-              <a:buClr>
-                <a:srgbClr val="E7E9EA"/>
-              </a:buClr>
-              <a:buSzPts val="975"/>
-              <a:buFont typeface="Quattrocento Sans"/>
-              <a:buNone/>
-            </a:pPr>
-            <a:r>
-              <a:rPr b="0" i="0" lang="en-US" sz="975" u="none" cap="none" strike="noStrike">
-                <a:solidFill>
-                  <a:srgbClr val="E7E9EA"/>
-                </a:solidFill>
-                <a:latin typeface="Quattrocento Sans"/>
-                <a:ea typeface="Quattrocento Sans"/>
-                <a:cs typeface="Quattrocento Sans"/>
-                <a:sym typeface="Quattrocento Sans"/>
-              </a:rPr>
-              <a:t>서버에서 실제 브라우저를 띄워서 웹사이트를 탐색한다.</a:t>
-            </a:r>
-            <a:endParaRPr b="0" i="0" sz="975" u="none" cap="none" strike="noStrike">
-              <a:solidFill>
-                <a:schemeClr val="dk1"/>
-              </a:solidFill>
-              <a:latin typeface="Calibri"/>
-              <a:ea typeface="Calibri"/>
-              <a:cs typeface="Calibri"/>
-              <a:sym typeface="Calibri"/>
-            </a:endParaRPr>
-          </a:p>
-        </p:txBody>
-      </p:sp>
-      <p:sp>
-        <p:nvSpPr>
-          <p:cNvPr id="65" name="Google Shape;65;p3"/>
-          <p:cNvSpPr/>
-          <p:nvPr/>
-        </p:nvSpPr>
-        <p:spPr>
-          <a:xfrm>
-            <a:off x="687563" y="3523202"/>
-            <a:ext cx="3671400" cy="939000"/>
-          </a:xfrm>
-          <a:prstGeom prst="roundRect">
-            <a:avLst>
-              <a:gd fmla="val 8114" name="adj"/>
-            </a:avLst>
-          </a:prstGeom>
-          <a:solidFill>
-            <a:srgbClr val="1E2732"/>
-          </a:solidFill>
-          <a:ln>
-            <a:noFill/>
-          </a:ln>
-        </p:spPr>
-        <p:txBody>
-          <a:bodyPr anchorCtr="0" anchor="ctr" bIns="45700" lIns="91425" spcFirstLastPara="1" rIns="91425" wrap="square" tIns="45700">
-            <a:noAutofit/>
-          </a:bodyPr>
-          <a:lstStyle/>
-          <a:p>
-            <a:pPr indent="0" lvl="0" marL="0" marR="0" rtl="0" algn="l">
-              <a:lnSpc>
-                <a:spcPct val="100000"/>
-              </a:lnSpc>
-              <a:spcBef>
-                <a:spcPts val="0"/>
-              </a:spcBef>
-              <a:spcAft>
-                <a:spcPts val="0"/>
-              </a:spcAft>
-              <a:buClr>
-                <a:schemeClr val="dk1"/>
-              </a:buClr>
-              <a:buSzPts val="1800"/>
-              <a:buFont typeface="Calibri"/>
-              <a:buNone/>
-            </a:pPr>
-            <a:r>
-              <a:t/>
-            </a:r>
-            <a:endParaRPr b="0" i="0" sz="1800" u="none" cap="none" strike="noStrike">
-              <a:solidFill>
-                <a:schemeClr val="dk1"/>
-              </a:solidFill>
-              <a:latin typeface="Calibri"/>
-              <a:ea typeface="Calibri"/>
-              <a:cs typeface="Calibri"/>
-              <a:sym typeface="Calibri"/>
-            </a:endParaRPr>
-          </a:p>
-        </p:txBody>
-      </p:sp>
-      <p:sp>
-        <p:nvSpPr>
-          <p:cNvPr id="66" name="Google Shape;66;p3"/>
-          <p:cNvSpPr/>
-          <p:nvPr/>
-        </p:nvSpPr>
-        <p:spPr>
-          <a:xfrm>
-            <a:off x="878063" y="3675602"/>
-            <a:ext cx="3356400" cy="186600"/>
-          </a:xfrm>
-          <a:prstGeom prst="rect">
-            <a:avLst/>
-          </a:prstGeom>
-          <a:noFill/>
-          <a:ln>
-            <a:noFill/>
-          </a:ln>
-        </p:spPr>
-        <p:txBody>
-          <a:bodyPr anchorCtr="0" anchor="t" bIns="0" lIns="0" spcFirstLastPara="1" rIns="0" wrap="square" tIns="0">
-            <a:noAutofit/>
-          </a:bodyPr>
-          <a:lstStyle/>
-          <a:p>
-            <a:pPr indent="0" lvl="0" marL="0" marR="0" rtl="0" algn="l">
-              <a:lnSpc>
-                <a:spcPct val="140000"/>
-              </a:lnSpc>
-              <a:spcBef>
-                <a:spcPts val="0"/>
-              </a:spcBef>
-              <a:spcAft>
-                <a:spcPts val="0"/>
-              </a:spcAft>
-              <a:buClr>
-                <a:srgbClr val="F7931A"/>
-              </a:buClr>
-              <a:buSzPts val="1050"/>
-              <a:buFont typeface="Quattrocento Sans"/>
-              <a:buNone/>
-            </a:pPr>
-            <a:r>
-              <a:rPr b="1" i="0" lang="en-US" sz="1050" u="none" cap="none" strike="noStrike">
-                <a:solidFill>
-                  <a:srgbClr val="F7931A"/>
-                </a:solidFill>
-                <a:latin typeface="Quattrocento Sans"/>
-                <a:ea typeface="Quattrocento Sans"/>
-                <a:cs typeface="Quattrocento Sans"/>
-                <a:sym typeface="Quattrocento Sans"/>
-              </a:rPr>
-              <a:t>핵심 제약</a:t>
-            </a:r>
-            <a:endParaRPr b="0" i="0" sz="1050" u="none" cap="none" strike="noStrike">
-              <a:solidFill>
-                <a:schemeClr val="dk1"/>
-              </a:solidFill>
-              <a:latin typeface="Calibri"/>
-              <a:ea typeface="Calibri"/>
-              <a:cs typeface="Calibri"/>
-              <a:sym typeface="Calibri"/>
-            </a:endParaRPr>
-          </a:p>
-        </p:txBody>
-      </p:sp>
-      <p:sp>
-        <p:nvSpPr>
-          <p:cNvPr id="67" name="Google Shape;67;p3"/>
-          <p:cNvSpPr/>
-          <p:nvPr/>
-        </p:nvSpPr>
-        <p:spPr>
-          <a:xfrm>
-            <a:off x="878063" y="3938432"/>
-            <a:ext cx="3356400" cy="371400"/>
-          </a:xfrm>
-          <a:prstGeom prst="rect">
-            <a:avLst/>
-          </a:prstGeom>
-          <a:noFill/>
-          <a:ln>
-            <a:noFill/>
-          </a:ln>
-        </p:spPr>
-        <p:txBody>
-          <a:bodyPr anchorCtr="0" anchor="t" bIns="0" lIns="0" spcFirstLastPara="1" rIns="0" wrap="square" tIns="0">
-            <a:noAutofit/>
-          </a:bodyPr>
-          <a:lstStyle/>
-          <a:p>
-            <a:pPr indent="0" lvl="0" marL="0" marR="0" rtl="0" algn="l">
-              <a:lnSpc>
-                <a:spcPct val="150051"/>
-              </a:lnSpc>
-              <a:spcBef>
-                <a:spcPts val="0"/>
-              </a:spcBef>
-              <a:spcAft>
-                <a:spcPts val="0"/>
-              </a:spcAft>
-              <a:buClr>
-                <a:srgbClr val="E7E9EA"/>
-              </a:buClr>
-              <a:buSzPts val="975"/>
-              <a:buFont typeface="Quattrocento Sans"/>
-              <a:buNone/>
-            </a:pPr>
-            <a:r>
-              <a:rPr b="0" i="0" lang="en-US" sz="975" u="none" cap="none" strike="noStrike">
-                <a:solidFill>
-                  <a:srgbClr val="E7E9EA"/>
-                </a:solidFill>
-                <a:latin typeface="Quattrocento Sans"/>
-                <a:ea typeface="Quattrocento Sans"/>
-                <a:cs typeface="Quattrocento Sans"/>
-                <a:sym typeface="Quattrocento Sans"/>
-              </a:rPr>
-              <a:t>브라우저 Context가 서버 메모리에 종속되어야 함</a:t>
-            </a:r>
-            <a:endParaRPr b="0" i="0" sz="975" u="none" cap="none" strike="noStrike">
-              <a:solidFill>
-                <a:schemeClr val="dk1"/>
-              </a:solidFill>
-              <a:latin typeface="Calibri"/>
-              <a:ea typeface="Calibri"/>
-              <a:cs typeface="Calibri"/>
-              <a:sym typeface="Calibri"/>
-            </a:endParaRPr>
-          </a:p>
-        </p:txBody>
-      </p:sp>
-      <p:pic>
-        <p:nvPicPr>
-          <p:cNvPr id="68" name="Google Shape;68;p3" title="playwright-context-v2.png"/>
-          <p:cNvPicPr preferRelativeResize="0"/>
-          <p:nvPr/>
-        </p:nvPicPr>
-        <p:blipFill rotWithShape="1">
-          <a:blip r:embed="rId3">
-            <a:alphaModFix/>
-          </a:blip>
-          <a:srcRect b="0" l="0" r="0" t="0"/>
-          <a:stretch/>
-        </p:blipFill>
-        <p:spPr>
-          <a:xfrm>
-            <a:off x="4483563" y="1177125"/>
-            <a:ext cx="4480238" cy="1792095"/>
-          </a:xfrm>
-          <a:prstGeom prst="rect">
-            <a:avLst/>
-          </a:prstGeom>
-          <a:noFill/>
-          <a:ln>
-            <a:noFill/>
-          </a:ln>
-        </p:spPr>
-      </p:pic>
     </p:spTree>
   </p:cSld>
   <p:clrMapOvr>
@@ -10395,12 +11325,12 @@
 </p:sld>
 </file>
 
-<file path=ppt/slides/slide7.xml><?xml version="1.0" encoding="utf-8"?>
+<file path=ppt/slides/slide8.xml><?xml version="1.0" encoding="utf-8"?>
 <p:sld xmlns:a="http://schemas.openxmlformats.org/drawingml/2006/main" xmlns:r="http://schemas.openxmlformats.org/officeDocument/2006/relationships" xmlns:mc="http://schemas.openxmlformats.org/markup-compatibility/2006" xmlns:mv="urn:schemas-microsoft-com:mac:vml" xmlns:p="http://schemas.openxmlformats.org/presentationml/2006/main" xmlns:c="http://schemas.openxmlformats.org/drawingml/2006/chart" xmlns:dgm="http://schemas.openxmlformats.org/drawingml/2006/diagram" xmlns:o="urn:schemas-microsoft-com:office:office" xmlns:v="urn:schemas-microsoft-com:vml" xmlns:pvml="urn:schemas-microsoft-com:office:powerpoint" xmlns:com="http://schemas.openxmlformats.org/drawingml/2006/compatibility" xmlns:p14="http://schemas.microsoft.com/office/powerpoint/2010/main" xmlns:p15="http://schemas.microsoft.com/office/powerpoint/2012/main" xmlns:ahyp="http://schemas.microsoft.com/office/drawing/2018/hyperlinkcolor">
   <p:cSld>
     <p:spTree>
       <p:nvGrpSpPr>
-        <p:cNvPr id="73" name="Shape 73"/>
+        <p:cNvPr id="83" name="Shape 83"/>
         <p:cNvGrpSpPr/>
         <p:nvPr/>
       </p:nvGrpSpPr>
@@ -10414,7 +11344,7 @@
       </p:grpSpPr>
       <p:pic>
         <p:nvPicPr>
-          <p:cNvPr id="74" name="Google Shape;74;g3bb3f331a3b_0_169"/>
+          <p:cNvPr id="84" name="Google Shape;84;g3bb3f331a3b_0_169"/>
           <p:cNvPicPr preferRelativeResize="0"/>
           <p:nvPr/>
         </p:nvPicPr>
@@ -10441,7 +11371,7 @@
       </p:pic>
       <p:sp>
         <p:nvSpPr>
-          <p:cNvPr id="75" name="Google Shape;75;g3bb3f331a3b_0_169"/>
+          <p:cNvPr id="85" name="Google Shape;85;g3bb3f331a3b_0_169"/>
           <p:cNvSpPr txBox="1"/>
           <p:nvPr/>
         </p:nvSpPr>
@@ -10513,12 +11443,12 @@
 </p:sld>
 </file>
 
-<file path=ppt/slides/slide8.xml><?xml version="1.0" encoding="utf-8"?>
+<file path=ppt/slides/slide9.xml><?xml version="1.0" encoding="utf-8"?>
 <p:sld xmlns:a="http://schemas.openxmlformats.org/drawingml/2006/main" xmlns:r="http://schemas.openxmlformats.org/officeDocument/2006/relationships" xmlns:mc="http://schemas.openxmlformats.org/markup-compatibility/2006" xmlns:mv="urn:schemas-microsoft-com:mac:vml" xmlns:p="http://schemas.openxmlformats.org/presentationml/2006/main" xmlns:c="http://schemas.openxmlformats.org/drawingml/2006/chart" xmlns:dgm="http://schemas.openxmlformats.org/drawingml/2006/diagram" xmlns:o="urn:schemas-microsoft-com:office:office" xmlns:v="urn:schemas-microsoft-com:vml" xmlns:pvml="urn:schemas-microsoft-com:office:powerpoint" xmlns:com="http://schemas.openxmlformats.org/drawingml/2006/compatibility" xmlns:p14="http://schemas.microsoft.com/office/powerpoint/2010/main" xmlns:p15="http://schemas.microsoft.com/office/powerpoint/2012/main" xmlns:ahyp="http://schemas.microsoft.com/office/drawing/2018/hyperlinkcolor">
   <p:cSld>
     <p:spTree>
       <p:nvGrpSpPr>
-        <p:cNvPr id="79" name="Shape 79"/>
+        <p:cNvPr id="89" name="Shape 89"/>
         <p:cNvGrpSpPr/>
         <p:nvPr/>
       </p:nvGrpSpPr>
@@ -10532,7 +11462,7 @@
       </p:grpSpPr>
       <p:pic>
         <p:nvPicPr>
-          <p:cNvPr id="80" name="Google Shape;80;g3bb3f331a3b_0_59"/>
+          <p:cNvPr id="90" name="Google Shape;90;g3bb3f331a3b_0_59"/>
           <p:cNvPicPr preferRelativeResize="0"/>
           <p:nvPr/>
         </p:nvPicPr>
@@ -10559,7 +11489,7 @@
       </p:pic>
       <p:pic>
         <p:nvPicPr>
-          <p:cNvPr id="81" name="Google Shape;81;g3bb3f331a3b_0_59"/>
+          <p:cNvPr id="91" name="Google Shape;91;g3bb3f331a3b_0_59"/>
           <p:cNvPicPr preferRelativeResize="0"/>
           <p:nvPr/>
         </p:nvPicPr>
@@ -10586,7 +11516,7 @@
       </p:pic>
       <p:sp>
         <p:nvSpPr>
-          <p:cNvPr id="82" name="Google Shape;82;g3bb3f331a3b_0_59"/>
+          <p:cNvPr id="92" name="Google Shape;92;g3bb3f331a3b_0_59"/>
           <p:cNvSpPr txBox="1"/>
           <p:nvPr/>
         </p:nvSpPr>
@@ -10637,198 +11567,6 @@
                 <a:sym typeface="Quattrocento Sans"/>
               </a:rPr>
               <a:t>1차 요청 흐름</a:t>
-            </a:r>
-            <a:endParaRPr b="1" i="0" sz="1600" u="none" cap="none" strike="noStrike">
-              <a:solidFill>
-                <a:srgbClr val="E7E9EA"/>
-              </a:solidFill>
-              <a:latin typeface="Quattrocento Sans"/>
-              <a:ea typeface="Quattrocento Sans"/>
-              <a:cs typeface="Quattrocento Sans"/>
-              <a:sym typeface="Quattrocento Sans"/>
-            </a:endParaRPr>
-          </a:p>
-        </p:txBody>
-      </p:sp>
-    </p:spTree>
-  </p:cSld>
-  <p:clrMapOvr>
-    <a:masterClrMapping/>
-  </p:clrMapOvr>
-</p:sld>
-</file>
-
-<file path=ppt/slides/slide9.xml><?xml version="1.0" encoding="utf-8"?>
-<p:sld xmlns:a="http://schemas.openxmlformats.org/drawingml/2006/main" xmlns:r="http://schemas.openxmlformats.org/officeDocument/2006/relationships" xmlns:mc="http://schemas.openxmlformats.org/markup-compatibility/2006" xmlns:mv="urn:schemas-microsoft-com:mac:vml" xmlns:p="http://schemas.openxmlformats.org/presentationml/2006/main" xmlns:c="http://schemas.openxmlformats.org/drawingml/2006/chart" xmlns:dgm="http://schemas.openxmlformats.org/drawingml/2006/diagram" xmlns:o="urn:schemas-microsoft-com:office:office" xmlns:v="urn:schemas-microsoft-com:vml" xmlns:pvml="urn:schemas-microsoft-com:office:powerpoint" xmlns:com="http://schemas.openxmlformats.org/drawingml/2006/compatibility" xmlns:p14="http://schemas.microsoft.com/office/powerpoint/2010/main" xmlns:p15="http://schemas.microsoft.com/office/powerpoint/2012/main" xmlns:ahyp="http://schemas.microsoft.com/office/drawing/2018/hyperlinkcolor">
-  <p:cSld>
-    <p:spTree>
-      <p:nvGrpSpPr>
-        <p:cNvPr id="87" name="Shape 87"/>
-        <p:cNvGrpSpPr/>
-        <p:nvPr/>
-      </p:nvGrpSpPr>
-      <p:grpSpPr>
-        <a:xfrm>
-          <a:off x="0" y="0"/>
-          <a:ext cx="0" cy="0"/>
-          <a:chOff x="0" y="0"/>
-          <a:chExt cx="0" cy="0"/>
-        </a:xfrm>
-      </p:grpSpPr>
-      <p:sp>
-        <p:nvSpPr>
-          <p:cNvPr id="88" name="Google Shape;88;g3bb3f331a3b_0_144"/>
-          <p:cNvSpPr txBox="1"/>
-          <p:nvPr>
-            <p:ph idx="1" type="body"/>
-          </p:nvPr>
-        </p:nvSpPr>
-        <p:spPr>
-          <a:xfrm>
-            <a:off x="311700" y="1152475"/>
-            <a:ext cx="8520600" cy="3416400"/>
-          </a:xfrm>
-          <a:prstGeom prst="rect">
-            <a:avLst/>
-          </a:prstGeom>
-          <a:noFill/>
-          <a:ln>
-            <a:noFill/>
-          </a:ln>
-        </p:spPr>
-        <p:txBody>
-          <a:bodyPr anchorCtr="0" anchor="ctr" bIns="91425" lIns="91425" spcFirstLastPara="1" rIns="91425" wrap="square" tIns="91425">
-            <a:noAutofit/>
-          </a:bodyPr>
-          <a:lstStyle/>
-          <a:p>
-            <a:pPr indent="0" lvl="0" marL="0" rtl="0" algn="l">
-              <a:lnSpc>
-                <a:spcPct val="100000"/>
-              </a:lnSpc>
-              <a:spcBef>
-                <a:spcPts val="0"/>
-              </a:spcBef>
-              <a:spcAft>
-                <a:spcPts val="0"/>
-              </a:spcAft>
-              <a:buSzPts val="1400"/>
-              <a:buNone/>
-            </a:pPr>
-            <a:r>
-              <a:t/>
-            </a:r>
-            <a:endParaRPr/>
-          </a:p>
-        </p:txBody>
-      </p:sp>
-      <p:pic>
-        <p:nvPicPr>
-          <p:cNvPr id="89" name="Google Shape;89;g3bb3f331a3b_0_144"/>
-          <p:cNvPicPr preferRelativeResize="0"/>
-          <p:nvPr/>
-        </p:nvPicPr>
-        <p:blipFill rotWithShape="1">
-          <a:blip r:embed="rId3">
-            <a:alphaModFix/>
-          </a:blip>
-          <a:srcRect b="0" l="0" r="0" t="0"/>
-          <a:stretch/>
-        </p:blipFill>
-        <p:spPr>
-          <a:xfrm>
-            <a:off x="171350" y="1368150"/>
-            <a:ext cx="5684024" cy="2985074"/>
-          </a:xfrm>
-          <a:prstGeom prst="rect">
-            <a:avLst/>
-          </a:prstGeom>
-          <a:noFill/>
-          <a:ln>
-            <a:noFill/>
-          </a:ln>
-        </p:spPr>
-      </p:pic>
-      <p:pic>
-        <p:nvPicPr>
-          <p:cNvPr id="90" name="Google Shape;90;g3bb3f331a3b_0_144"/>
-          <p:cNvPicPr preferRelativeResize="0"/>
-          <p:nvPr/>
-        </p:nvPicPr>
-        <p:blipFill rotWithShape="1">
-          <a:blip r:embed="rId4">
-            <a:alphaModFix/>
-          </a:blip>
-          <a:srcRect b="0" l="0" r="0" t="0"/>
-          <a:stretch/>
-        </p:blipFill>
-        <p:spPr>
-          <a:xfrm>
-            <a:off x="5516675" y="1048959"/>
-            <a:ext cx="3315626" cy="3623475"/>
-          </a:xfrm>
-          <a:prstGeom prst="rect">
-            <a:avLst/>
-          </a:prstGeom>
-          <a:noFill/>
-          <a:ln>
-            <a:noFill/>
-          </a:ln>
-        </p:spPr>
-      </p:pic>
-      <p:sp>
-        <p:nvSpPr>
-          <p:cNvPr id="91" name="Google Shape;91;g3bb3f331a3b_0_144"/>
-          <p:cNvSpPr txBox="1"/>
-          <p:nvPr/>
-        </p:nvSpPr>
-        <p:spPr>
-          <a:xfrm>
-            <a:off x="461200" y="409300"/>
-            <a:ext cx="3000000" cy="431100"/>
-          </a:xfrm>
-          <a:prstGeom prst="rect">
-            <a:avLst/>
-          </a:prstGeom>
-          <a:noFill/>
-          <a:ln>
-            <a:noFill/>
-          </a:ln>
-        </p:spPr>
-        <p:txBody>
-          <a:bodyPr anchorCtr="0" anchor="t" bIns="91425" lIns="91425" spcFirstLastPara="1" rIns="91425" wrap="square" tIns="91425">
-            <a:spAutoFit/>
-          </a:bodyPr>
-          <a:lstStyle/>
-          <a:p>
-            <a:pPr indent="0" lvl="0" marL="0" marR="0" rtl="0" algn="l">
-              <a:lnSpc>
-                <a:spcPct val="100000"/>
-              </a:lnSpc>
-              <a:spcBef>
-                <a:spcPts val="0"/>
-              </a:spcBef>
-              <a:spcAft>
-                <a:spcPts val="0"/>
-              </a:spcAft>
-              <a:buClr>
-                <a:srgbClr val="000000"/>
-              </a:buClr>
-              <a:buSzPts val="1600"/>
-              <a:buFont typeface="Arial"/>
-              <a:buNone/>
-            </a:pPr>
-            <a:r>
-              <a:rPr b="1" i="0" lang="en-US" sz="1600" u="none" cap="none" strike="noStrike">
-                <a:solidFill>
-                  <a:srgbClr val="E7E9EA"/>
-                </a:solidFill>
-                <a:latin typeface="Quattrocento Sans"/>
-                <a:ea typeface="Quattrocento Sans"/>
-                <a:cs typeface="Quattrocento Sans"/>
-                <a:sym typeface="Quattrocento Sans"/>
-              </a:rPr>
-              <a:t>2차 요청 흐름</a:t>
             </a:r>
             <a:endParaRPr b="1" i="0" sz="1600" u="none" cap="none" strike="noStrike">
               <a:solidFill>
